--- a/doc/KG-KAIROS 리눅스_bash_CC++.pptx
+++ b/doc/KG-KAIROS 리눅스_bash_CC++.pptx
@@ -5,7 +5,7 @@
     <p:sldMasterId id="2147483648" r:id="rId1"/>
   </p:sldMasterIdLst>
   <p:notesMasterIdLst>
-    <p:notesMasterId r:id="rId38"/>
+    <p:notesMasterId r:id="rId57"/>
   </p:notesMasterIdLst>
   <p:sldIdLst>
     <p:sldId id="256" r:id="rId2"/>
@@ -43,7 +43,26 @@
     <p:sldId id="382" r:id="rId34"/>
     <p:sldId id="383" r:id="rId35"/>
     <p:sldId id="384" r:id="rId36"/>
-    <p:sldId id="336" r:id="rId37"/>
+    <p:sldId id="385" r:id="rId37"/>
+    <p:sldId id="386" r:id="rId38"/>
+    <p:sldId id="387" r:id="rId39"/>
+    <p:sldId id="388" r:id="rId40"/>
+    <p:sldId id="389" r:id="rId41"/>
+    <p:sldId id="390" r:id="rId42"/>
+    <p:sldId id="391" r:id="rId43"/>
+    <p:sldId id="392" r:id="rId44"/>
+    <p:sldId id="394" r:id="rId45"/>
+    <p:sldId id="395" r:id="rId46"/>
+    <p:sldId id="396" r:id="rId47"/>
+    <p:sldId id="398" r:id="rId48"/>
+    <p:sldId id="397" r:id="rId49"/>
+    <p:sldId id="399" r:id="rId50"/>
+    <p:sldId id="400" r:id="rId51"/>
+    <p:sldId id="401" r:id="rId52"/>
+    <p:sldId id="402" r:id="rId53"/>
+    <p:sldId id="403" r:id="rId54"/>
+    <p:sldId id="404" r:id="rId55"/>
+    <p:sldId id="336" r:id="rId56"/>
   </p:sldIdLst>
   <p:sldSz cx="12192000" cy="6858000"/>
   <p:notesSz cx="6858000" cy="9144000"/>
@@ -232,7 +251,7 @@
           <a:p>
             <a:fld id="{078876B8-64A8-47CF-B414-B22E647C58B4}" type="datetimeFigureOut">
               <a:rPr lang="ko-KR" altLang="en-US" smtClean="0"/>
-              <a:t>2023-11-14</a:t>
+              <a:t>2023-11-19</a:t>
             </a:fld>
             <a:endParaRPr lang="ko-KR" altLang="en-US"/>
           </a:p>
@@ -851,6 +870,90 @@
 </p:notes>
 </file>
 
+<file path=ppt/notesSlides/notesSlide5.xml><?xml version="1.0" encoding="utf-8"?>
+<p:notes xmlns:a="http://schemas.openxmlformats.org/drawingml/2006/main" xmlns:r="http://schemas.openxmlformats.org/officeDocument/2006/relationships" xmlns:p="http://schemas.openxmlformats.org/presentationml/2006/main">
+  <p:cSld>
+    <p:spTree>
+      <p:nvGrpSpPr>
+        <p:cNvPr id="1" name=""/>
+        <p:cNvGrpSpPr/>
+        <p:nvPr/>
+      </p:nvGrpSpPr>
+      <p:grpSpPr>
+        <a:xfrm>
+          <a:off x="0" y="0"/>
+          <a:ext cx="0" cy="0"/>
+          <a:chOff x="0" y="0"/>
+          <a:chExt cx="0" cy="0"/>
+        </a:xfrm>
+      </p:grpSpPr>
+      <p:sp>
+        <p:nvSpPr>
+          <p:cNvPr id="2" name="슬라이드 이미지 개체 틀 1"/>
+          <p:cNvSpPr>
+            <a:spLocks noGrp="1" noRot="1" noChangeAspect="1"/>
+          </p:cNvSpPr>
+          <p:nvPr>
+            <p:ph type="sldImg"/>
+          </p:nvPr>
+        </p:nvSpPr>
+        <p:spPr/>
+      </p:sp>
+      <p:sp>
+        <p:nvSpPr>
+          <p:cNvPr id="3" name="슬라이드 노트 개체 틀 2"/>
+          <p:cNvSpPr>
+            <a:spLocks noGrp="1"/>
+          </p:cNvSpPr>
+          <p:nvPr>
+            <p:ph type="body" idx="1"/>
+          </p:nvPr>
+        </p:nvSpPr>
+        <p:spPr/>
+        <p:txBody>
+          <a:bodyPr/>
+          <a:lstStyle/>
+          <a:p>
+            <a:endParaRPr lang="ko-KR" altLang="en-US" dirty="0"/>
+          </a:p>
+        </p:txBody>
+      </p:sp>
+      <p:sp>
+        <p:nvSpPr>
+          <p:cNvPr id="4" name="슬라이드 번호 개체 틀 3"/>
+          <p:cNvSpPr>
+            <a:spLocks noGrp="1"/>
+          </p:cNvSpPr>
+          <p:nvPr>
+            <p:ph type="sldNum" sz="quarter" idx="5"/>
+          </p:nvPr>
+        </p:nvSpPr>
+        <p:spPr/>
+        <p:txBody>
+          <a:bodyPr/>
+          <a:lstStyle/>
+          <a:p>
+            <a:fld id="{02080772-DD33-429B-B885-D113FAF856A5}" type="slidenum">
+              <a:rPr lang="ko-KR" altLang="en-US" smtClean="0"/>
+              <a:t>37</a:t>
+            </a:fld>
+            <a:endParaRPr lang="ko-KR" altLang="en-US"/>
+          </a:p>
+        </p:txBody>
+      </p:sp>
+    </p:spTree>
+    <p:extLst>
+      <p:ext uri="{BB962C8B-B14F-4D97-AF65-F5344CB8AC3E}">
+        <p14:creationId xmlns:p14="http://schemas.microsoft.com/office/powerpoint/2010/main" val="2692480791"/>
+      </p:ext>
+    </p:extLst>
+  </p:cSld>
+  <p:clrMapOvr>
+    <a:masterClrMapping/>
+  </p:clrMapOvr>
+</p:notes>
+</file>
+
 <file path=ppt/slideLayouts/slideLayout1.xml><?xml version="1.0" encoding="utf-8"?>
 <p:sldLayout xmlns:a="http://schemas.openxmlformats.org/drawingml/2006/main" xmlns:r="http://schemas.openxmlformats.org/officeDocument/2006/relationships" xmlns:p="http://schemas.openxmlformats.org/presentationml/2006/main" type="title" preserve="1">
   <p:cSld name="제목 슬라이드">
@@ -1160,7 +1263,7 @@
           <a:p>
             <a:fld id="{19385A93-34FE-475C-9D69-CFDF799BE9EE}" type="datetimeFigureOut">
               <a:rPr lang="ko-KR" altLang="en-US" smtClean="0"/>
-              <a:t>2023-11-14</a:t>
+              <a:t>2023-11-19</a:t>
             </a:fld>
             <a:endParaRPr lang="ko-KR" altLang="en-US"/>
           </a:p>
@@ -1544,7 +1647,7 @@
           <a:p>
             <a:fld id="{19385A93-34FE-475C-9D69-CFDF799BE9EE}" type="datetimeFigureOut">
               <a:rPr lang="ko-KR" altLang="en-US" smtClean="0"/>
-              <a:t>2023-11-14</a:t>
+              <a:t>2023-11-19</a:t>
             </a:fld>
             <a:endParaRPr lang="ko-KR" altLang="en-US"/>
           </a:p>
@@ -1809,7 +1912,7 @@
           <a:p>
             <a:fld id="{19385A93-34FE-475C-9D69-CFDF799BE9EE}" type="datetimeFigureOut">
               <a:rPr lang="ko-KR" altLang="en-US" smtClean="0"/>
-              <a:t>2023-11-14</a:t>
+              <a:t>2023-11-19</a:t>
             </a:fld>
             <a:endParaRPr lang="ko-KR" altLang="en-US"/>
           </a:p>
@@ -2059,7 +2162,7 @@
           <a:p>
             <a:fld id="{19385A93-34FE-475C-9D69-CFDF799BE9EE}" type="datetimeFigureOut">
               <a:rPr lang="ko-KR" altLang="en-US" smtClean="0"/>
-              <a:t>2023-11-14</a:t>
+              <a:t>2023-11-19</a:t>
             </a:fld>
             <a:endParaRPr lang="ko-KR" altLang="en-US"/>
           </a:p>
@@ -2283,7 +2386,7 @@
           <a:p>
             <a:fld id="{19385A93-34FE-475C-9D69-CFDF799BE9EE}" type="datetimeFigureOut">
               <a:rPr lang="ko-KR" altLang="en-US" smtClean="0"/>
-              <a:t>2023-11-14</a:t>
+              <a:t>2023-11-19</a:t>
             </a:fld>
             <a:endParaRPr lang="ko-KR" altLang="en-US"/>
           </a:p>
@@ -17550,10 +17653,10 @@
       </p:grpSpPr>
       <p:sp>
         <p:nvSpPr>
-          <p:cNvPr id="4" name="제목 3">
+          <p:cNvPr id="2" name="제목 1">
             <a:extLst>
               <a:ext uri="{FF2B5EF4-FFF2-40B4-BE49-F238E27FC236}">
-                <a16:creationId xmlns:a16="http://schemas.microsoft.com/office/drawing/2014/main" id="{67E6AF4C-D4AE-C1A2-D44C-A89D4864AB73}"/>
+                <a16:creationId xmlns:a16="http://schemas.microsoft.com/office/drawing/2014/main" id="{0D007F6D-B1E1-2F28-EAED-FEA0B42868B3}"/>
               </a:ext>
             </a:extLst>
           </p:cNvPr>
@@ -17570,23 +17673,22 @@
           <a:lstStyle/>
           <a:p>
             <a:r>
+              <a:rPr lang="en-US" altLang="ko-KR" dirty="0"/>
+              <a:t>C++</a:t>
+            </a:r>
+            <a:r>
               <a:rPr lang="ko-KR" altLang="en-US" dirty="0"/>
-              <a:t>감사합니다</a:t>
-            </a:r>
-            <a:r>
-              <a:rPr lang="en-US" altLang="ko-KR" dirty="0"/>
-              <a:t>. </a:t>
-            </a:r>
-            <a:endParaRPr lang="ko-KR" altLang="en-US" dirty="0"/>
+              <a:t> 연산자 </a:t>
+            </a:r>
           </a:p>
         </p:txBody>
       </p:sp>
       <p:sp>
         <p:nvSpPr>
-          <p:cNvPr id="5" name="텍스트 개체 틀 4">
+          <p:cNvPr id="3" name="내용 개체 틀 2">
             <a:extLst>
               <a:ext uri="{FF2B5EF4-FFF2-40B4-BE49-F238E27FC236}">
-                <a16:creationId xmlns:a16="http://schemas.microsoft.com/office/drawing/2014/main" id="{DA3A0843-31DA-1317-A843-F96D63A383B4}"/>
+                <a16:creationId xmlns:a16="http://schemas.microsoft.com/office/drawing/2014/main" id="{81DD6D7C-0DA8-8F5B-0619-202D53B768D3}"/>
               </a:ext>
             </a:extLst>
           </p:cNvPr>
@@ -17594,7 +17696,131 @@
             <a:spLocks noGrp="1"/>
           </p:cNvSpPr>
           <p:nvPr>
-            <p:ph type="body" idx="1"/>
+            <p:ph sz="half" idx="1"/>
+          </p:nvPr>
+        </p:nvSpPr>
+        <p:spPr>
+          <a:xfrm>
+            <a:off x="838200" y="1825625"/>
+            <a:ext cx="9443484" cy="4351338"/>
+          </a:xfrm>
+        </p:spPr>
+        <p:txBody>
+          <a:bodyPr>
+            <a:normAutofit/>
+          </a:bodyPr>
+          <a:lstStyle/>
+          <a:p>
+            <a:r>
+              <a:rPr lang="ko-KR" altLang="en-US" b="0" dirty="0">
+                <a:solidFill>
+                  <a:srgbClr val="000000"/>
+                </a:solidFill>
+                <a:latin typeface="Verdana" panose="020B0604030504040204" pitchFamily="34" charset="0"/>
+              </a:rPr>
+              <a:t>연산자는 컴파일러에게 특정 수학적 또는 논리적 조작을 수행하도록 지시하는 기호입니다</a:t>
+            </a:r>
+            <a:r>
+              <a:rPr lang="en-US" altLang="ko-KR" b="0" dirty="0">
+                <a:solidFill>
+                  <a:srgbClr val="000000"/>
+                </a:solidFill>
+                <a:latin typeface="Verdana" panose="020B0604030504040204" pitchFamily="34" charset="0"/>
+              </a:rPr>
+              <a:t>. </a:t>
+            </a:r>
+          </a:p>
+          <a:p>
+            <a:r>
+              <a:rPr lang="en-US" altLang="ko-KR" b="0" dirty="0">
+                <a:solidFill>
+                  <a:srgbClr val="000000"/>
+                </a:solidFill>
+                <a:latin typeface="Verdana" panose="020B0604030504040204" pitchFamily="34" charset="0"/>
+              </a:rPr>
+              <a:t>C++</a:t>
+            </a:r>
+            <a:r>
+              <a:rPr lang="ko-KR" altLang="en-US" b="0" dirty="0">
+                <a:solidFill>
+                  <a:srgbClr val="000000"/>
+                </a:solidFill>
+                <a:latin typeface="Verdana" panose="020B0604030504040204" pitchFamily="34" charset="0"/>
+              </a:rPr>
+              <a:t>에는 다음과 같은 유형의 연산자를 제공합니다</a:t>
+            </a:r>
+            <a:r>
+              <a:rPr lang="en-US" altLang="ko-KR" b="0" dirty="0">
+                <a:solidFill>
+                  <a:srgbClr val="000000"/>
+                </a:solidFill>
+                <a:latin typeface="Verdana" panose="020B0604030504040204" pitchFamily="34" charset="0"/>
+              </a:rPr>
+              <a:t>.
+</a:t>
+            </a:r>
+            <a:r>
+              <a:rPr lang="ko-KR" altLang="en-US" b="0" dirty="0">
+                <a:solidFill>
+                  <a:srgbClr val="000000"/>
+                </a:solidFill>
+                <a:latin typeface="Verdana" panose="020B0604030504040204" pitchFamily="34" charset="0"/>
+              </a:rPr>
+              <a:t>산술 연산자
+관계 연산자
+논리 연산자
+비트 연산자
+대입 연산자
+기타 연산자</a:t>
+            </a:r>
+            <a:endParaRPr lang="ko-KR" altLang="en-US" dirty="0"/>
+          </a:p>
+        </p:txBody>
+      </p:sp>
+    </p:spTree>
+    <p:extLst>
+      <p:ext uri="{BB962C8B-B14F-4D97-AF65-F5344CB8AC3E}">
+        <p14:creationId xmlns:p14="http://schemas.microsoft.com/office/powerpoint/2010/main" val="1773983168"/>
+      </p:ext>
+    </p:extLst>
+  </p:cSld>
+  <p:clrMapOvr>
+    <a:masterClrMapping/>
+  </p:clrMapOvr>
+</p:sld>
+</file>
+
+<file path=ppt/slides/slide37.xml><?xml version="1.0" encoding="utf-8"?>
+<p:sld xmlns:a="http://schemas.openxmlformats.org/drawingml/2006/main" xmlns:r="http://schemas.openxmlformats.org/officeDocument/2006/relationships" xmlns:p="http://schemas.openxmlformats.org/presentationml/2006/main">
+  <p:cSld>
+    <p:spTree>
+      <p:nvGrpSpPr>
+        <p:cNvPr id="1" name=""/>
+        <p:cNvGrpSpPr/>
+        <p:nvPr/>
+      </p:nvGrpSpPr>
+      <p:grpSpPr>
+        <a:xfrm>
+          <a:off x="0" y="0"/>
+          <a:ext cx="0" cy="0"/>
+          <a:chOff x="0" y="0"/>
+          <a:chExt cx="0" cy="0"/>
+        </a:xfrm>
+      </p:grpSpPr>
+      <p:sp>
+        <p:nvSpPr>
+          <p:cNvPr id="2" name="제목 1">
+            <a:extLst>
+              <a:ext uri="{FF2B5EF4-FFF2-40B4-BE49-F238E27FC236}">
+                <a16:creationId xmlns:a16="http://schemas.microsoft.com/office/drawing/2014/main" id="{8F8FB774-7BBB-132C-7DD6-191F767C770C}"/>
+              </a:ext>
+            </a:extLst>
+          </p:cNvPr>
+          <p:cNvSpPr>
+            <a:spLocks noGrp="1"/>
+          </p:cNvSpPr>
+          <p:nvPr>
+            <p:ph type="title"/>
           </p:nvPr>
         </p:nvSpPr>
         <p:spPr/>
@@ -17602,14 +17828,1876 @@
           <a:bodyPr/>
           <a:lstStyle/>
           <a:p>
-            <a:endParaRPr lang="ko-KR" altLang="en-US"/>
+            <a:r>
+              <a:rPr lang="ko-KR" altLang="en-US" dirty="0"/>
+              <a:t>산술연산자 </a:t>
+            </a:r>
+          </a:p>
+        </p:txBody>
+      </p:sp>
+      <p:graphicFrame>
+        <p:nvGraphicFramePr>
+          <p:cNvPr id="5" name="표 4">
+            <a:extLst>
+              <a:ext uri="{FF2B5EF4-FFF2-40B4-BE49-F238E27FC236}">
+                <a16:creationId xmlns:a16="http://schemas.microsoft.com/office/drawing/2014/main" id="{99F4962D-FE1D-0C31-070E-47BD01229275}"/>
+              </a:ext>
+            </a:extLst>
+          </p:cNvPr>
+          <p:cNvGraphicFramePr>
+            <a:graphicFrameLocks noGrp="1"/>
+          </p:cNvGraphicFramePr>
+          <p:nvPr>
+            <p:extLst>
+              <p:ext uri="{D42A27DB-BD31-4B8C-83A1-F6EECF244321}">
+                <p14:modId xmlns:p14="http://schemas.microsoft.com/office/powerpoint/2010/main" val="4132977340"/>
+              </p:ext>
+            </p:extLst>
+          </p:nvPr>
+        </p:nvGraphicFramePr>
+        <p:xfrm>
+          <a:off x="616688" y="1855336"/>
+          <a:ext cx="10737112" cy="4252125"/>
+        </p:xfrm>
+        <a:graphic>
+          <a:graphicData uri="http://schemas.openxmlformats.org/drawingml/2006/table">
+            <a:tbl>
+              <a:tblPr>
+                <a:tableStyleId>{616DA210-FB5B-4158-B5E0-FEB733F419BA}</a:tableStyleId>
+              </a:tblPr>
+              <a:tblGrid>
+                <a:gridCol w="1360968">
+                  <a:extLst>
+                    <a:ext uri="{9D8B030D-6E8A-4147-A177-3AD203B41FA5}">
+                      <a16:colId xmlns:a16="http://schemas.microsoft.com/office/drawing/2014/main" val="2896894723"/>
+                    </a:ext>
+                  </a:extLst>
+                </a:gridCol>
+                <a:gridCol w="6400800">
+                  <a:extLst>
+                    <a:ext uri="{9D8B030D-6E8A-4147-A177-3AD203B41FA5}">
+                      <a16:colId xmlns:a16="http://schemas.microsoft.com/office/drawing/2014/main" val="2974676639"/>
+                    </a:ext>
+                  </a:extLst>
+                </a:gridCol>
+                <a:gridCol w="2975344">
+                  <a:extLst>
+                    <a:ext uri="{9D8B030D-6E8A-4147-A177-3AD203B41FA5}">
+                      <a16:colId xmlns:a16="http://schemas.microsoft.com/office/drawing/2014/main" val="744527809"/>
+                    </a:ext>
+                  </a:extLst>
+                </a:gridCol>
+              </a:tblGrid>
+              <a:tr h="324339">
+                <a:tc>
+                  <a:txBody>
+                    <a:bodyPr/>
+                    <a:lstStyle/>
+                    <a:p>
+                      <a:pPr algn="ctr"/>
+                      <a:r>
+                        <a:rPr lang="en-US" sz="2000" b="1">
+                          <a:effectLst/>
+                        </a:rPr>
+                        <a:t>Operator</a:t>
+                      </a:r>
+                      <a:endParaRPr lang="en-US" sz="2000" b="1" dirty="0">
+                        <a:effectLst/>
+                        <a:latin typeface="inherit"/>
+                      </a:endParaRPr>
+                    </a:p>
+                  </a:txBody>
+                  <a:tcPr marL="39379" marR="39379" marT="39379" marB="39379" anchor="ctr">
+                    <a:solidFill>
+                      <a:srgbClr val="FFFF00"/>
+                    </a:solidFill>
+                  </a:tcPr>
+                </a:tc>
+                <a:tc>
+                  <a:txBody>
+                    <a:bodyPr/>
+                    <a:lstStyle/>
+                    <a:p>
+                      <a:pPr algn="ctr"/>
+                      <a:r>
+                        <a:rPr lang="en-US" sz="2000" b="1">
+                          <a:effectLst/>
+                        </a:rPr>
+                        <a:t>Description</a:t>
+                      </a:r>
+                      <a:endParaRPr lang="en-US" sz="2000" b="1" dirty="0">
+                        <a:effectLst/>
+                        <a:latin typeface="inherit"/>
+                      </a:endParaRPr>
+                    </a:p>
+                  </a:txBody>
+                  <a:tcPr marL="39379" marR="39379" marT="39379" marB="39379" anchor="ctr">
+                    <a:solidFill>
+                      <a:srgbClr val="FFFF00"/>
+                    </a:solidFill>
+                  </a:tcPr>
+                </a:tc>
+                <a:tc>
+                  <a:txBody>
+                    <a:bodyPr/>
+                    <a:lstStyle/>
+                    <a:p>
+                      <a:pPr algn="ctr"/>
+                      <a:r>
+                        <a:rPr lang="en-US" sz="2000" b="1">
+                          <a:effectLst/>
+                        </a:rPr>
+                        <a:t>Example</a:t>
+                      </a:r>
+                      <a:endParaRPr lang="en-US" sz="2000" b="1" dirty="0">
+                        <a:effectLst/>
+                        <a:latin typeface="inherit"/>
+                      </a:endParaRPr>
+                    </a:p>
+                  </a:txBody>
+                  <a:tcPr marL="39379" marR="39379" marT="39379" marB="39379" anchor="ctr">
+                    <a:solidFill>
+                      <a:srgbClr val="FFFF00"/>
+                    </a:solidFill>
+                  </a:tcPr>
+                </a:tc>
+                <a:extLst>
+                  <a:ext uri="{0D108BD9-81ED-4DB2-BD59-A6C34878D82A}">
+                    <a16:rowId xmlns:a16="http://schemas.microsoft.com/office/drawing/2014/main" val="4211406317"/>
+                  </a:ext>
+                </a:extLst>
+              </a:tr>
+              <a:tr h="255961">
+                <a:tc>
+                  <a:txBody>
+                    <a:bodyPr/>
+                    <a:lstStyle/>
+                    <a:p>
+                      <a:pPr algn="ctr"/>
+                      <a:r>
+                        <a:rPr lang="en-US" altLang="ko-KR" sz="2000">
+                          <a:effectLst/>
+                        </a:rPr>
+                        <a:t>+</a:t>
+                      </a:r>
+                    </a:p>
+                  </a:txBody>
+                  <a:tcPr marL="39379" marR="39379" marT="39379" marB="39379" anchor="ctr"/>
+                </a:tc>
+                <a:tc>
+                  <a:txBody>
+                    <a:bodyPr/>
+                    <a:lstStyle/>
+                    <a:p>
+                      <a:pPr algn="l"/>
+                      <a:r>
+                        <a:rPr lang="en-US" sz="2000">
+                          <a:effectLst/>
+                        </a:rPr>
+                        <a:t>Adds two operands</a:t>
+                      </a:r>
+                      <a:endParaRPr lang="en-US" sz="2000" dirty="0">
+                        <a:effectLst/>
+                      </a:endParaRPr>
+                    </a:p>
+                  </a:txBody>
+                  <a:tcPr marL="39379" marR="39379" marT="39379" marB="39379" anchor="ctr"/>
+                </a:tc>
+                <a:tc>
+                  <a:txBody>
+                    <a:bodyPr/>
+                    <a:lstStyle/>
+                    <a:p>
+                      <a:pPr algn="ctr"/>
+                      <a:r>
+                        <a:rPr lang="en-US" sz="2000">
+                          <a:effectLst/>
+                        </a:rPr>
+                        <a:t>A + B will give 30</a:t>
+                      </a:r>
+                      <a:endParaRPr lang="en-US" sz="2000" dirty="0">
+                        <a:effectLst/>
+                      </a:endParaRPr>
+                    </a:p>
+                  </a:txBody>
+                  <a:tcPr marL="39379" marR="39379" marT="39379" marB="39379" anchor="ctr"/>
+                </a:tc>
+                <a:extLst>
+                  <a:ext uri="{0D108BD9-81ED-4DB2-BD59-A6C34878D82A}">
+                    <a16:rowId xmlns:a16="http://schemas.microsoft.com/office/drawing/2014/main" val="1834034650"/>
+                  </a:ext>
+                </a:extLst>
+              </a:tr>
+              <a:tr h="610369">
+                <a:tc>
+                  <a:txBody>
+                    <a:bodyPr/>
+                    <a:lstStyle/>
+                    <a:p>
+                      <a:pPr algn="ctr"/>
+                      <a:r>
+                        <a:rPr lang="en-US" altLang="ko-KR" sz="2000">
+                          <a:effectLst/>
+                        </a:rPr>
+                        <a:t>-</a:t>
+                      </a:r>
+                    </a:p>
+                  </a:txBody>
+                  <a:tcPr marL="39379" marR="39379" marT="39379" marB="39379" anchor="ctr"/>
+                </a:tc>
+                <a:tc>
+                  <a:txBody>
+                    <a:bodyPr/>
+                    <a:lstStyle/>
+                    <a:p>
+                      <a:pPr algn="l"/>
+                      <a:r>
+                        <a:rPr lang="en-US" sz="2000">
+                          <a:effectLst/>
+                        </a:rPr>
+                        <a:t>Subtracts second operand from the first</a:t>
+                      </a:r>
+                      <a:endParaRPr lang="en-US" sz="2000" dirty="0">
+                        <a:effectLst/>
+                      </a:endParaRPr>
+                    </a:p>
+                  </a:txBody>
+                  <a:tcPr marL="39379" marR="39379" marT="39379" marB="39379" anchor="ctr"/>
+                </a:tc>
+                <a:tc>
+                  <a:txBody>
+                    <a:bodyPr/>
+                    <a:lstStyle/>
+                    <a:p>
+                      <a:pPr algn="ctr"/>
+                      <a:r>
+                        <a:rPr lang="en-US" sz="2000">
+                          <a:effectLst/>
+                        </a:rPr>
+                        <a:t>A - B will give -10</a:t>
+                      </a:r>
+                    </a:p>
+                  </a:txBody>
+                  <a:tcPr marL="39379" marR="39379" marT="39379" marB="39379" anchor="ctr"/>
+                </a:tc>
+                <a:extLst>
+                  <a:ext uri="{0D108BD9-81ED-4DB2-BD59-A6C34878D82A}">
+                    <a16:rowId xmlns:a16="http://schemas.microsoft.com/office/drawing/2014/main" val="1589892959"/>
+                  </a:ext>
+                </a:extLst>
+              </a:tr>
+              <a:tr h="433165">
+                <a:tc>
+                  <a:txBody>
+                    <a:bodyPr/>
+                    <a:lstStyle/>
+                    <a:p>
+                      <a:pPr algn="ctr"/>
+                      <a:r>
+                        <a:rPr lang="ko-KR" altLang="en-US" sz="2000">
+                          <a:effectLst/>
+                        </a:rPr>
+                        <a:t>*</a:t>
+                      </a:r>
+                    </a:p>
+                  </a:txBody>
+                  <a:tcPr marL="39379" marR="39379" marT="39379" marB="39379" anchor="ctr"/>
+                </a:tc>
+                <a:tc>
+                  <a:txBody>
+                    <a:bodyPr/>
+                    <a:lstStyle/>
+                    <a:p>
+                      <a:pPr algn="l"/>
+                      <a:r>
+                        <a:rPr lang="en-US" sz="2000">
+                          <a:effectLst/>
+                        </a:rPr>
+                        <a:t>Multiplies both operands</a:t>
+                      </a:r>
+                      <a:endParaRPr lang="en-US" sz="2000" dirty="0">
+                        <a:effectLst/>
+                      </a:endParaRPr>
+                    </a:p>
+                  </a:txBody>
+                  <a:tcPr marL="39379" marR="39379" marT="39379" marB="39379" anchor="ctr"/>
+                </a:tc>
+                <a:tc>
+                  <a:txBody>
+                    <a:bodyPr/>
+                    <a:lstStyle/>
+                    <a:p>
+                      <a:pPr algn="ctr"/>
+                      <a:r>
+                        <a:rPr lang="en-US" sz="2000">
+                          <a:effectLst/>
+                        </a:rPr>
+                        <a:t>A * B will give 200</a:t>
+                      </a:r>
+                    </a:p>
+                  </a:txBody>
+                  <a:tcPr marL="39379" marR="39379" marT="39379" marB="39379" anchor="ctr"/>
+                </a:tc>
+                <a:extLst>
+                  <a:ext uri="{0D108BD9-81ED-4DB2-BD59-A6C34878D82A}">
+                    <a16:rowId xmlns:a16="http://schemas.microsoft.com/office/drawing/2014/main" val="3045642884"/>
+                  </a:ext>
+                </a:extLst>
+              </a:tr>
+              <a:tr h="433165">
+                <a:tc>
+                  <a:txBody>
+                    <a:bodyPr/>
+                    <a:lstStyle/>
+                    <a:p>
+                      <a:pPr algn="ctr"/>
+                      <a:r>
+                        <a:rPr lang="en-US" altLang="ko-KR" sz="2000">
+                          <a:effectLst/>
+                        </a:rPr>
+                        <a:t>/</a:t>
+                      </a:r>
+                    </a:p>
+                  </a:txBody>
+                  <a:tcPr marL="39379" marR="39379" marT="39379" marB="39379" anchor="ctr"/>
+                </a:tc>
+                <a:tc>
+                  <a:txBody>
+                    <a:bodyPr/>
+                    <a:lstStyle/>
+                    <a:p>
+                      <a:pPr algn="l"/>
+                      <a:r>
+                        <a:rPr lang="en-US" sz="2000">
+                          <a:effectLst/>
+                        </a:rPr>
+                        <a:t>Divides numerator by de-numerator</a:t>
+                      </a:r>
+                    </a:p>
+                  </a:txBody>
+                  <a:tcPr marL="39379" marR="39379" marT="39379" marB="39379" anchor="ctr"/>
+                </a:tc>
+                <a:tc>
+                  <a:txBody>
+                    <a:bodyPr/>
+                    <a:lstStyle/>
+                    <a:p>
+                      <a:pPr algn="ctr"/>
+                      <a:r>
+                        <a:rPr lang="en-US" sz="2000">
+                          <a:effectLst/>
+                        </a:rPr>
+                        <a:t>B / A will give 2</a:t>
+                      </a:r>
+                    </a:p>
+                  </a:txBody>
+                  <a:tcPr marL="39379" marR="39379" marT="39379" marB="39379" anchor="ctr"/>
+                </a:tc>
+                <a:extLst>
+                  <a:ext uri="{0D108BD9-81ED-4DB2-BD59-A6C34878D82A}">
+                    <a16:rowId xmlns:a16="http://schemas.microsoft.com/office/drawing/2014/main" val="973167444"/>
+                  </a:ext>
+                </a:extLst>
+              </a:tr>
+              <a:tr h="787572">
+                <a:tc>
+                  <a:txBody>
+                    <a:bodyPr/>
+                    <a:lstStyle/>
+                    <a:p>
+                      <a:pPr algn="ctr"/>
+                      <a:r>
+                        <a:rPr lang="en-US" altLang="ko-KR" sz="2000">
+                          <a:effectLst/>
+                        </a:rPr>
+                        <a:t>%</a:t>
+                      </a:r>
+                    </a:p>
+                  </a:txBody>
+                  <a:tcPr marL="39379" marR="39379" marT="39379" marB="39379" anchor="ctr"/>
+                </a:tc>
+                <a:tc>
+                  <a:txBody>
+                    <a:bodyPr/>
+                    <a:lstStyle/>
+                    <a:p>
+                      <a:pPr algn="l"/>
+                      <a:r>
+                        <a:rPr lang="en-US" sz="2000">
+                          <a:effectLst/>
+                        </a:rPr>
+                        <a:t>Modulus Operator and remainder of after an integer division</a:t>
+                      </a:r>
+                    </a:p>
+                  </a:txBody>
+                  <a:tcPr marL="39379" marR="39379" marT="39379" marB="39379" anchor="ctr"/>
+                </a:tc>
+                <a:tc>
+                  <a:txBody>
+                    <a:bodyPr/>
+                    <a:lstStyle/>
+                    <a:p>
+                      <a:pPr algn="ctr"/>
+                      <a:r>
+                        <a:rPr lang="en-US" sz="2000">
+                          <a:effectLst/>
+                        </a:rPr>
+                        <a:t>B % A will give 0</a:t>
+                      </a:r>
+                      <a:endParaRPr lang="en-US" sz="2000" dirty="0">
+                        <a:effectLst/>
+                      </a:endParaRPr>
+                    </a:p>
+                  </a:txBody>
+                  <a:tcPr marL="39379" marR="39379" marT="39379" marB="39379" anchor="ctr"/>
+                </a:tc>
+                <a:extLst>
+                  <a:ext uri="{0D108BD9-81ED-4DB2-BD59-A6C34878D82A}">
+                    <a16:rowId xmlns:a16="http://schemas.microsoft.com/office/drawing/2014/main" val="2772712590"/>
+                  </a:ext>
+                </a:extLst>
+              </a:tr>
+              <a:tr h="610369">
+                <a:tc>
+                  <a:txBody>
+                    <a:bodyPr/>
+                    <a:lstStyle/>
+                    <a:p>
+                      <a:pPr algn="ctr"/>
+                      <a:r>
+                        <a:rPr lang="en-US" altLang="ko-KR" sz="2000">
+                          <a:effectLst/>
+                        </a:rPr>
+                        <a:t>++</a:t>
+                      </a:r>
+                    </a:p>
+                  </a:txBody>
+                  <a:tcPr marL="39379" marR="39379" marT="39379" marB="39379" anchor="ctr"/>
+                </a:tc>
+                <a:tc>
+                  <a:txBody>
+                    <a:bodyPr/>
+                    <a:lstStyle/>
+                    <a:p>
+                      <a:pPr algn="l"/>
+                      <a:r>
+                        <a:rPr lang="en-US" sz="2000" b="1" u="none" strike="noStrike">
+                          <a:solidFill>
+                            <a:srgbClr val="008000"/>
+                          </a:solidFill>
+                          <a:effectLst/>
+                          <a:hlinkClick r:id="rId3" tooltip="Increment operator in C++"/>
+                        </a:rPr>
+                        <a:t>Increment operator</a:t>
+                      </a:r>
+                      <a:r>
+                        <a:rPr lang="en-US" sz="2000">
+                          <a:effectLst/>
+                        </a:rPr>
+                        <a:t>, increases integer value by one</a:t>
+                      </a:r>
+                    </a:p>
+                  </a:txBody>
+                  <a:tcPr marL="39379" marR="39379" marT="39379" marB="39379" anchor="ctr"/>
+                </a:tc>
+                <a:tc>
+                  <a:txBody>
+                    <a:bodyPr/>
+                    <a:lstStyle/>
+                    <a:p>
+                      <a:pPr algn="ctr"/>
+                      <a:r>
+                        <a:rPr lang="en-US" sz="2000">
+                          <a:effectLst/>
+                        </a:rPr>
+                        <a:t>A++ will give 11</a:t>
+                      </a:r>
+                      <a:endParaRPr lang="en-US" sz="2000" dirty="0">
+                        <a:effectLst/>
+                      </a:endParaRPr>
+                    </a:p>
+                  </a:txBody>
+                  <a:tcPr marL="39379" marR="39379" marT="39379" marB="39379" anchor="ctr"/>
+                </a:tc>
+                <a:extLst>
+                  <a:ext uri="{0D108BD9-81ED-4DB2-BD59-A6C34878D82A}">
+                    <a16:rowId xmlns:a16="http://schemas.microsoft.com/office/drawing/2014/main" val="2194011189"/>
+                  </a:ext>
+                </a:extLst>
+              </a:tr>
+              <a:tr h="610369">
+                <a:tc>
+                  <a:txBody>
+                    <a:bodyPr/>
+                    <a:lstStyle/>
+                    <a:p>
+                      <a:pPr algn="ctr"/>
+                      <a:r>
+                        <a:rPr lang="en-US" altLang="ko-KR" sz="2000">
+                          <a:effectLst/>
+                        </a:rPr>
+                        <a:t>--</a:t>
+                      </a:r>
+                    </a:p>
+                  </a:txBody>
+                  <a:tcPr marL="39379" marR="39379" marT="39379" marB="39379" anchor="ctr"/>
+                </a:tc>
+                <a:tc>
+                  <a:txBody>
+                    <a:bodyPr/>
+                    <a:lstStyle/>
+                    <a:p>
+                      <a:pPr algn="l"/>
+                      <a:r>
+                        <a:rPr lang="en-US" sz="2000" b="1" u="none" strike="noStrike">
+                          <a:solidFill>
+                            <a:srgbClr val="008000"/>
+                          </a:solidFill>
+                          <a:effectLst/>
+                          <a:hlinkClick r:id="rId3" tooltip="Decrement operator in C++"/>
+                        </a:rPr>
+                        <a:t>Decrement operator</a:t>
+                      </a:r>
+                      <a:r>
+                        <a:rPr lang="en-US" sz="2000">
+                          <a:effectLst/>
+                        </a:rPr>
+                        <a:t>, decreases integer value by one</a:t>
+                      </a:r>
+                    </a:p>
+                  </a:txBody>
+                  <a:tcPr marL="39379" marR="39379" marT="39379" marB="39379" anchor="ctr"/>
+                </a:tc>
+                <a:tc>
+                  <a:txBody>
+                    <a:bodyPr/>
+                    <a:lstStyle/>
+                    <a:p>
+                      <a:pPr algn="ctr"/>
+                      <a:r>
+                        <a:rPr lang="en-US" sz="2000" dirty="0">
+                          <a:effectLst/>
+                        </a:rPr>
+                        <a:t>A-- will give 9</a:t>
+                      </a:r>
+                    </a:p>
+                  </a:txBody>
+                  <a:tcPr marL="39379" marR="39379" marT="39379" marB="39379" anchor="ctr"/>
+                </a:tc>
+                <a:extLst>
+                  <a:ext uri="{0D108BD9-81ED-4DB2-BD59-A6C34878D82A}">
+                    <a16:rowId xmlns:a16="http://schemas.microsoft.com/office/drawing/2014/main" val="493936739"/>
+                  </a:ext>
+                </a:extLst>
+              </a:tr>
+            </a:tbl>
+          </a:graphicData>
+        </a:graphic>
+      </p:graphicFrame>
+      <p:sp>
+        <p:nvSpPr>
+          <p:cNvPr id="6" name="TextBox 5">
+            <a:extLst>
+              <a:ext uri="{FF2B5EF4-FFF2-40B4-BE49-F238E27FC236}">
+                <a16:creationId xmlns:a16="http://schemas.microsoft.com/office/drawing/2014/main" id="{E8D45096-F3A4-951B-902F-878F58E78E0D}"/>
+              </a:ext>
+            </a:extLst>
+          </p:cNvPr>
+          <p:cNvSpPr txBox="1"/>
+          <p:nvPr/>
+        </p:nvSpPr>
+        <p:spPr>
+          <a:xfrm>
+            <a:off x="3987209" y="1126681"/>
+            <a:ext cx="6146234" cy="646331"/>
+          </a:xfrm>
+          <a:prstGeom prst="rect">
+            <a:avLst/>
+          </a:prstGeom>
+          <a:noFill/>
+        </p:spPr>
+        <p:txBody>
+          <a:bodyPr wrap="none" rtlCol="0">
+            <a:spAutoFit/>
+          </a:bodyPr>
+          <a:lstStyle/>
+          <a:p>
+            <a:r>
+              <a:rPr lang="en-US" altLang="ko-KR" dirty="0">
+                <a:solidFill>
+                  <a:srgbClr val="000000"/>
+                </a:solidFill>
+                <a:latin typeface="Verdana" panose="020B0604030504040204" pitchFamily="34" charset="0"/>
+              </a:rPr>
+              <a:t>C++ </a:t>
+            </a:r>
+            <a:r>
+              <a:rPr lang="ko-KR" altLang="en-US" dirty="0">
+                <a:solidFill>
+                  <a:srgbClr val="000000"/>
+                </a:solidFill>
+                <a:latin typeface="Verdana" panose="020B0604030504040204" pitchFamily="34" charset="0"/>
+              </a:rPr>
+              <a:t>언어에서 지원하는 산술 연산자는 다음과 같습니다</a:t>
+            </a:r>
+            <a:r>
+              <a:rPr lang="en-US" altLang="ko-KR" dirty="0">
+                <a:solidFill>
+                  <a:srgbClr val="000000"/>
+                </a:solidFill>
+                <a:latin typeface="Verdana" panose="020B0604030504040204" pitchFamily="34" charset="0"/>
+              </a:rPr>
+              <a:t>.
+</a:t>
+            </a:r>
+            <a:r>
+              <a:rPr lang="ko-KR" altLang="en-US" dirty="0">
+                <a:solidFill>
+                  <a:srgbClr val="000000"/>
+                </a:solidFill>
+                <a:latin typeface="Verdana" panose="020B0604030504040204" pitchFamily="34" charset="0"/>
+              </a:rPr>
+              <a:t>변수 </a:t>
+            </a:r>
+            <a:r>
+              <a:rPr lang="en-US" altLang="ko-KR" dirty="0">
+                <a:solidFill>
+                  <a:srgbClr val="000000"/>
+                </a:solidFill>
+                <a:latin typeface="Verdana" panose="020B0604030504040204" pitchFamily="34" charset="0"/>
+              </a:rPr>
+              <a:t>A</a:t>
+            </a:r>
+            <a:r>
+              <a:rPr lang="ko-KR" altLang="en-US" dirty="0">
+                <a:solidFill>
+                  <a:srgbClr val="000000"/>
+                </a:solidFill>
+                <a:latin typeface="Verdana" panose="020B0604030504040204" pitchFamily="34" charset="0"/>
+              </a:rPr>
+              <a:t>에 </a:t>
+            </a:r>
+            <a:r>
+              <a:rPr lang="en-US" altLang="ko-KR" dirty="0">
+                <a:solidFill>
+                  <a:srgbClr val="000000"/>
+                </a:solidFill>
+                <a:latin typeface="Verdana" panose="020B0604030504040204" pitchFamily="34" charset="0"/>
+              </a:rPr>
+              <a:t>10</a:t>
+            </a:r>
+            <a:r>
+              <a:rPr lang="ko-KR" altLang="en-US" dirty="0">
+                <a:solidFill>
+                  <a:srgbClr val="000000"/>
+                </a:solidFill>
+                <a:latin typeface="Verdana" panose="020B0604030504040204" pitchFamily="34" charset="0"/>
+              </a:rPr>
+              <a:t>이 있고 변수 </a:t>
+            </a:r>
+            <a:r>
+              <a:rPr lang="en-US" altLang="ko-KR" dirty="0">
+                <a:solidFill>
+                  <a:srgbClr val="000000"/>
+                </a:solidFill>
+                <a:latin typeface="Verdana" panose="020B0604030504040204" pitchFamily="34" charset="0"/>
+              </a:rPr>
+              <a:t>B</a:t>
+            </a:r>
+            <a:r>
+              <a:rPr lang="ko-KR" altLang="en-US" dirty="0">
+                <a:solidFill>
+                  <a:srgbClr val="000000"/>
+                </a:solidFill>
+                <a:latin typeface="Verdana" panose="020B0604030504040204" pitchFamily="34" charset="0"/>
+              </a:rPr>
+              <a:t>에 </a:t>
+            </a:r>
+            <a:r>
+              <a:rPr lang="en-US" altLang="ko-KR" dirty="0">
+                <a:solidFill>
+                  <a:srgbClr val="000000"/>
+                </a:solidFill>
+                <a:latin typeface="Verdana" panose="020B0604030504040204" pitchFamily="34" charset="0"/>
+              </a:rPr>
+              <a:t>20</a:t>
+            </a:r>
+            <a:r>
+              <a:rPr lang="ko-KR" altLang="en-US" dirty="0">
+                <a:solidFill>
+                  <a:srgbClr val="000000"/>
+                </a:solidFill>
+                <a:latin typeface="Verdana" panose="020B0604030504040204" pitchFamily="34" charset="0"/>
+              </a:rPr>
+              <a:t>이 있다고 가정하면 </a:t>
+            </a:r>
+            <a:r>
+              <a:rPr lang="en-US" altLang="ko-KR" dirty="0">
+                <a:solidFill>
+                  <a:srgbClr val="000000"/>
+                </a:solidFill>
+                <a:latin typeface="Verdana" panose="020B0604030504040204" pitchFamily="34" charset="0"/>
+              </a:rPr>
+              <a:t>-</a:t>
+            </a:r>
+            <a:endParaRPr lang="en-US" altLang="ko-KR" b="0" i="0" dirty="0">
+              <a:solidFill>
+                <a:srgbClr val="000000"/>
+              </a:solidFill>
+              <a:effectLst/>
+              <a:latin typeface="Verdana" panose="020B0604030504040204" pitchFamily="34" charset="0"/>
+            </a:endParaRPr>
           </a:p>
         </p:txBody>
       </p:sp>
     </p:spTree>
     <p:extLst>
       <p:ext uri="{BB962C8B-B14F-4D97-AF65-F5344CB8AC3E}">
-        <p14:creationId xmlns:p14="http://schemas.microsoft.com/office/powerpoint/2010/main" val="2709997713"/>
+        <p14:creationId xmlns:p14="http://schemas.microsoft.com/office/powerpoint/2010/main" val="3170282871"/>
+      </p:ext>
+    </p:extLst>
+  </p:cSld>
+  <p:clrMapOvr>
+    <a:masterClrMapping/>
+  </p:clrMapOvr>
+</p:sld>
+</file>
+
+<file path=ppt/slides/slide38.xml><?xml version="1.0" encoding="utf-8"?>
+<p:sld xmlns:a="http://schemas.openxmlformats.org/drawingml/2006/main" xmlns:r="http://schemas.openxmlformats.org/officeDocument/2006/relationships" xmlns:p="http://schemas.openxmlformats.org/presentationml/2006/main">
+  <p:cSld>
+    <p:spTree>
+      <p:nvGrpSpPr>
+        <p:cNvPr id="1" name=""/>
+        <p:cNvGrpSpPr/>
+        <p:nvPr/>
+      </p:nvGrpSpPr>
+      <p:grpSpPr>
+        <a:xfrm>
+          <a:off x="0" y="0"/>
+          <a:ext cx="0" cy="0"/>
+          <a:chOff x="0" y="0"/>
+          <a:chExt cx="0" cy="0"/>
+        </a:xfrm>
+      </p:grpSpPr>
+      <p:sp>
+        <p:nvSpPr>
+          <p:cNvPr id="2" name="제목 1">
+            <a:extLst>
+              <a:ext uri="{FF2B5EF4-FFF2-40B4-BE49-F238E27FC236}">
+                <a16:creationId xmlns:a16="http://schemas.microsoft.com/office/drawing/2014/main" id="{89A4AA76-2226-C06E-DB5D-0D9B53867DE9}"/>
+              </a:ext>
+            </a:extLst>
+          </p:cNvPr>
+          <p:cNvSpPr>
+            <a:spLocks noGrp="1"/>
+          </p:cNvSpPr>
+          <p:nvPr>
+            <p:ph type="title"/>
+          </p:nvPr>
+        </p:nvSpPr>
+        <p:spPr/>
+        <p:txBody>
+          <a:bodyPr/>
+          <a:lstStyle/>
+          <a:p>
+            <a:r>
+              <a:rPr lang="ko-KR" altLang="en-US" dirty="0"/>
+              <a:t>관계</a:t>
+            </a:r>
+            <a:r>
+              <a:rPr lang="en-US" altLang="ko-KR" dirty="0"/>
+              <a:t>(</a:t>
+            </a:r>
+            <a:r>
+              <a:rPr lang="ko-KR" altLang="en-US" dirty="0"/>
+              <a:t>비교</a:t>
+            </a:r>
+            <a:r>
+              <a:rPr lang="en-US" altLang="ko-KR" dirty="0"/>
+              <a:t>)</a:t>
+            </a:r>
+            <a:r>
+              <a:rPr lang="ko-KR" altLang="en-US" dirty="0"/>
+              <a:t>연산자 </a:t>
+            </a:r>
+          </a:p>
+        </p:txBody>
+      </p:sp>
+      <p:graphicFrame>
+        <p:nvGraphicFramePr>
+          <p:cNvPr id="5" name="표 4">
+            <a:extLst>
+              <a:ext uri="{FF2B5EF4-FFF2-40B4-BE49-F238E27FC236}">
+                <a16:creationId xmlns:a16="http://schemas.microsoft.com/office/drawing/2014/main" id="{0CB8D0CB-3620-FA43-8034-E6CC875BCAEC}"/>
+              </a:ext>
+            </a:extLst>
+          </p:cNvPr>
+          <p:cNvGraphicFramePr>
+            <a:graphicFrameLocks noGrp="1"/>
+          </p:cNvGraphicFramePr>
+          <p:nvPr>
+            <p:extLst>
+              <p:ext uri="{D42A27DB-BD31-4B8C-83A1-F6EECF244321}">
+                <p14:modId xmlns:p14="http://schemas.microsoft.com/office/powerpoint/2010/main" val="49567236"/>
+              </p:ext>
+            </p:extLst>
+          </p:nvPr>
+        </p:nvGraphicFramePr>
+        <p:xfrm>
+          <a:off x="838200" y="1472176"/>
+          <a:ext cx="10751287" cy="4886020"/>
+        </p:xfrm>
+        <a:graphic>
+          <a:graphicData uri="http://schemas.openxmlformats.org/drawingml/2006/table">
+            <a:tbl>
+              <a:tblPr>
+                <a:tableStyleId>{5940675A-B579-460E-94D1-54222C63F5DA}</a:tableStyleId>
+              </a:tblPr>
+              <a:tblGrid>
+                <a:gridCol w="1245781">
+                  <a:extLst>
+                    <a:ext uri="{9D8B030D-6E8A-4147-A177-3AD203B41FA5}">
+                      <a16:colId xmlns:a16="http://schemas.microsoft.com/office/drawing/2014/main" val="2279773439"/>
+                    </a:ext>
+                  </a:extLst>
+                </a:gridCol>
+                <a:gridCol w="6804838">
+                  <a:extLst>
+                    <a:ext uri="{9D8B030D-6E8A-4147-A177-3AD203B41FA5}">
+                      <a16:colId xmlns:a16="http://schemas.microsoft.com/office/drawing/2014/main" val="2030960043"/>
+                    </a:ext>
+                  </a:extLst>
+                </a:gridCol>
+                <a:gridCol w="2700668">
+                  <a:extLst>
+                    <a:ext uri="{9D8B030D-6E8A-4147-A177-3AD203B41FA5}">
+                      <a16:colId xmlns:a16="http://schemas.microsoft.com/office/drawing/2014/main" val="3788294631"/>
+                    </a:ext>
+                  </a:extLst>
+                </a:gridCol>
+              </a:tblGrid>
+              <a:tr h="347658">
+                <a:tc>
+                  <a:txBody>
+                    <a:bodyPr/>
+                    <a:lstStyle/>
+                    <a:p>
+                      <a:pPr algn="ctr"/>
+                      <a:r>
+                        <a:rPr lang="en-US" sz="2000" b="1" dirty="0">
+                          <a:effectLst/>
+                        </a:rPr>
+                        <a:t>Operator</a:t>
+                      </a:r>
+                      <a:endParaRPr lang="en-US" sz="2000" b="1" dirty="0">
+                        <a:effectLst/>
+                        <a:latin typeface="inherit"/>
+                      </a:endParaRPr>
+                    </a:p>
+                  </a:txBody>
+                  <a:tcPr marL="22430" marR="22430" marT="22430" marB="22430" anchor="ctr">
+                    <a:solidFill>
+                      <a:srgbClr val="FFFF00"/>
+                    </a:solidFill>
+                  </a:tcPr>
+                </a:tc>
+                <a:tc>
+                  <a:txBody>
+                    <a:bodyPr/>
+                    <a:lstStyle/>
+                    <a:p>
+                      <a:pPr algn="ctr"/>
+                      <a:r>
+                        <a:rPr lang="en-US" sz="2000" b="1" dirty="0">
+                          <a:effectLst/>
+                        </a:rPr>
+                        <a:t>Description</a:t>
+                      </a:r>
+                      <a:endParaRPr lang="en-US" sz="2000" b="1" dirty="0">
+                        <a:effectLst/>
+                        <a:latin typeface="inherit"/>
+                      </a:endParaRPr>
+                    </a:p>
+                  </a:txBody>
+                  <a:tcPr marL="22430" marR="22430" marT="22430" marB="22430" anchor="ctr">
+                    <a:solidFill>
+                      <a:srgbClr val="FFFF00"/>
+                    </a:solidFill>
+                  </a:tcPr>
+                </a:tc>
+                <a:tc>
+                  <a:txBody>
+                    <a:bodyPr/>
+                    <a:lstStyle/>
+                    <a:p>
+                      <a:pPr algn="ctr"/>
+                      <a:r>
+                        <a:rPr lang="en-US" sz="2000" b="1" dirty="0">
+                          <a:effectLst/>
+                        </a:rPr>
+                        <a:t>Example</a:t>
+                      </a:r>
+                      <a:endParaRPr lang="en-US" sz="2000" b="1" dirty="0">
+                        <a:effectLst/>
+                        <a:latin typeface="inherit"/>
+                      </a:endParaRPr>
+                    </a:p>
+                  </a:txBody>
+                  <a:tcPr marL="22430" marR="22430" marT="22430" marB="22430" anchor="ctr">
+                    <a:solidFill>
+                      <a:srgbClr val="FFFF00"/>
+                    </a:solidFill>
+                  </a:tcPr>
+                </a:tc>
+                <a:extLst>
+                  <a:ext uri="{0D108BD9-81ED-4DB2-BD59-A6C34878D82A}">
+                    <a16:rowId xmlns:a16="http://schemas.microsoft.com/office/drawing/2014/main" val="717683462"/>
+                  </a:ext>
+                </a:extLst>
+              </a:tr>
+              <a:tr h="549525">
+                <a:tc>
+                  <a:txBody>
+                    <a:bodyPr/>
+                    <a:lstStyle/>
+                    <a:p>
+                      <a:pPr algn="ctr"/>
+                      <a:r>
+                        <a:rPr lang="en-US" altLang="ko-KR" sz="2000">
+                          <a:effectLst/>
+                        </a:rPr>
+                        <a:t>==</a:t>
+                      </a:r>
+                    </a:p>
+                  </a:txBody>
+                  <a:tcPr marL="22430" marR="22430" marT="22430" marB="22430" anchor="ctr"/>
+                </a:tc>
+                <a:tc>
+                  <a:txBody>
+                    <a:bodyPr/>
+                    <a:lstStyle/>
+                    <a:p>
+                      <a:pPr algn="l"/>
+                      <a:r>
+                        <a:rPr lang="en-US" sz="2000">
+                          <a:effectLst/>
+                        </a:rPr>
+                        <a:t>Checks if the values of two operands are equal or not, if yes then condition becomes true.</a:t>
+                      </a:r>
+                    </a:p>
+                  </a:txBody>
+                  <a:tcPr marL="22430" marR="22430" marT="22430" marB="22430" anchor="ctr"/>
+                </a:tc>
+                <a:tc>
+                  <a:txBody>
+                    <a:bodyPr/>
+                    <a:lstStyle/>
+                    <a:p>
+                      <a:pPr algn="ctr"/>
+                      <a:r>
+                        <a:rPr lang="en-US" sz="2000">
+                          <a:effectLst/>
+                        </a:rPr>
+                        <a:t>(A == B) is not true.</a:t>
+                      </a:r>
+                    </a:p>
+                  </a:txBody>
+                  <a:tcPr marL="22430" marR="22430" marT="22430" marB="22430" anchor="ctr"/>
+                </a:tc>
+                <a:extLst>
+                  <a:ext uri="{0D108BD9-81ED-4DB2-BD59-A6C34878D82A}">
+                    <a16:rowId xmlns:a16="http://schemas.microsoft.com/office/drawing/2014/main" val="3332200271"/>
+                  </a:ext>
+                </a:extLst>
+              </a:tr>
+              <a:tr h="650458">
+                <a:tc>
+                  <a:txBody>
+                    <a:bodyPr/>
+                    <a:lstStyle/>
+                    <a:p>
+                      <a:pPr algn="ctr"/>
+                      <a:r>
+                        <a:rPr lang="en-US" altLang="ko-KR" sz="2000">
+                          <a:effectLst/>
+                        </a:rPr>
+                        <a:t>!=</a:t>
+                      </a:r>
+                    </a:p>
+                  </a:txBody>
+                  <a:tcPr marL="22430" marR="22430" marT="22430" marB="22430" anchor="ctr"/>
+                </a:tc>
+                <a:tc>
+                  <a:txBody>
+                    <a:bodyPr/>
+                    <a:lstStyle/>
+                    <a:p>
+                      <a:pPr algn="l"/>
+                      <a:r>
+                        <a:rPr lang="en-US" sz="2000">
+                          <a:effectLst/>
+                        </a:rPr>
+                        <a:t>Checks if the values of two operands are equal or not, if values are not equal then condition becomes true.</a:t>
+                      </a:r>
+                    </a:p>
+                  </a:txBody>
+                  <a:tcPr marL="22430" marR="22430" marT="22430" marB="22430" anchor="ctr"/>
+                </a:tc>
+                <a:tc>
+                  <a:txBody>
+                    <a:bodyPr/>
+                    <a:lstStyle/>
+                    <a:p>
+                      <a:pPr algn="ctr"/>
+                      <a:r>
+                        <a:rPr lang="en-US" sz="2000" dirty="0">
+                          <a:effectLst/>
+                        </a:rPr>
+                        <a:t>(A != B) is true.</a:t>
+                      </a:r>
+                    </a:p>
+                  </a:txBody>
+                  <a:tcPr marL="22430" marR="22430" marT="22430" marB="22430" anchor="ctr"/>
+                </a:tc>
+                <a:extLst>
+                  <a:ext uri="{0D108BD9-81ED-4DB2-BD59-A6C34878D82A}">
+                    <a16:rowId xmlns:a16="http://schemas.microsoft.com/office/drawing/2014/main" val="128991421"/>
+                  </a:ext>
+                </a:extLst>
+              </a:tr>
+              <a:tr h="650458">
+                <a:tc>
+                  <a:txBody>
+                    <a:bodyPr/>
+                    <a:lstStyle/>
+                    <a:p>
+                      <a:pPr algn="ctr"/>
+                      <a:r>
+                        <a:rPr lang="en-US" altLang="ko-KR" sz="2000">
+                          <a:effectLst/>
+                        </a:rPr>
+                        <a:t>&gt;</a:t>
+                      </a:r>
+                    </a:p>
+                  </a:txBody>
+                  <a:tcPr marL="22430" marR="22430" marT="22430" marB="22430" anchor="ctr"/>
+                </a:tc>
+                <a:tc>
+                  <a:txBody>
+                    <a:bodyPr/>
+                    <a:lstStyle/>
+                    <a:p>
+                      <a:pPr algn="l"/>
+                      <a:r>
+                        <a:rPr lang="en-US" sz="2000" dirty="0">
+                          <a:effectLst/>
+                        </a:rPr>
+                        <a:t>Checks if the value of left operand is greater than the value of right operand, if yes then condition becomes true.</a:t>
+                      </a:r>
+                    </a:p>
+                  </a:txBody>
+                  <a:tcPr marL="22430" marR="22430" marT="22430" marB="22430" anchor="ctr"/>
+                </a:tc>
+                <a:tc>
+                  <a:txBody>
+                    <a:bodyPr/>
+                    <a:lstStyle/>
+                    <a:p>
+                      <a:pPr algn="ctr"/>
+                      <a:r>
+                        <a:rPr lang="en-US" sz="2000">
+                          <a:effectLst/>
+                        </a:rPr>
+                        <a:t>(A &gt; B) is not true.</a:t>
+                      </a:r>
+                    </a:p>
+                  </a:txBody>
+                  <a:tcPr marL="22430" marR="22430" marT="22430" marB="22430" anchor="ctr"/>
+                </a:tc>
+                <a:extLst>
+                  <a:ext uri="{0D108BD9-81ED-4DB2-BD59-A6C34878D82A}">
+                    <a16:rowId xmlns:a16="http://schemas.microsoft.com/office/drawing/2014/main" val="895105997"/>
+                  </a:ext>
+                </a:extLst>
+              </a:tr>
+              <a:tr h="650458">
+                <a:tc>
+                  <a:txBody>
+                    <a:bodyPr/>
+                    <a:lstStyle/>
+                    <a:p>
+                      <a:pPr algn="ctr"/>
+                      <a:r>
+                        <a:rPr lang="en-US" altLang="ko-KR" sz="2000">
+                          <a:effectLst/>
+                        </a:rPr>
+                        <a:t>&lt;</a:t>
+                      </a:r>
+                    </a:p>
+                  </a:txBody>
+                  <a:tcPr marL="22430" marR="22430" marT="22430" marB="22430" anchor="ctr"/>
+                </a:tc>
+                <a:tc>
+                  <a:txBody>
+                    <a:bodyPr/>
+                    <a:lstStyle/>
+                    <a:p>
+                      <a:pPr algn="l"/>
+                      <a:r>
+                        <a:rPr lang="en-US" sz="2000" dirty="0">
+                          <a:effectLst/>
+                        </a:rPr>
+                        <a:t>Checks if the value of left operand is less than the value of right operand, if yes then condition becomes true.</a:t>
+                      </a:r>
+                    </a:p>
+                  </a:txBody>
+                  <a:tcPr marL="22430" marR="22430" marT="22430" marB="22430" anchor="ctr"/>
+                </a:tc>
+                <a:tc>
+                  <a:txBody>
+                    <a:bodyPr/>
+                    <a:lstStyle/>
+                    <a:p>
+                      <a:pPr algn="ctr"/>
+                      <a:r>
+                        <a:rPr lang="en-US" sz="2000">
+                          <a:effectLst/>
+                        </a:rPr>
+                        <a:t>(A &lt; B) is true.</a:t>
+                      </a:r>
+                    </a:p>
+                  </a:txBody>
+                  <a:tcPr marL="22430" marR="22430" marT="22430" marB="22430" anchor="ctr"/>
+                </a:tc>
+                <a:extLst>
+                  <a:ext uri="{0D108BD9-81ED-4DB2-BD59-A6C34878D82A}">
+                    <a16:rowId xmlns:a16="http://schemas.microsoft.com/office/drawing/2014/main" val="956410938"/>
+                  </a:ext>
+                </a:extLst>
+              </a:tr>
+              <a:tr h="751391">
+                <a:tc>
+                  <a:txBody>
+                    <a:bodyPr/>
+                    <a:lstStyle/>
+                    <a:p>
+                      <a:pPr algn="ctr"/>
+                      <a:r>
+                        <a:rPr lang="en-US" altLang="ko-KR" sz="2000">
+                          <a:effectLst/>
+                        </a:rPr>
+                        <a:t>&gt;=</a:t>
+                      </a:r>
+                    </a:p>
+                  </a:txBody>
+                  <a:tcPr marL="22430" marR="22430" marT="22430" marB="22430" anchor="ctr"/>
+                </a:tc>
+                <a:tc>
+                  <a:txBody>
+                    <a:bodyPr/>
+                    <a:lstStyle/>
+                    <a:p>
+                      <a:pPr algn="l"/>
+                      <a:r>
+                        <a:rPr lang="en-US" sz="2000">
+                          <a:effectLst/>
+                        </a:rPr>
+                        <a:t>Checks if the value of left operand is greater than or equal to the value of right operand, if yes then condition becomes true.</a:t>
+                      </a:r>
+                    </a:p>
+                  </a:txBody>
+                  <a:tcPr marL="22430" marR="22430" marT="22430" marB="22430" anchor="ctr"/>
+                </a:tc>
+                <a:tc>
+                  <a:txBody>
+                    <a:bodyPr/>
+                    <a:lstStyle/>
+                    <a:p>
+                      <a:pPr algn="ctr"/>
+                      <a:r>
+                        <a:rPr lang="en-US" sz="2000">
+                          <a:effectLst/>
+                        </a:rPr>
+                        <a:t>(A &gt;= B) is not true.</a:t>
+                      </a:r>
+                    </a:p>
+                  </a:txBody>
+                  <a:tcPr marL="22430" marR="22430" marT="22430" marB="22430" anchor="ctr"/>
+                </a:tc>
+                <a:extLst>
+                  <a:ext uri="{0D108BD9-81ED-4DB2-BD59-A6C34878D82A}">
+                    <a16:rowId xmlns:a16="http://schemas.microsoft.com/office/drawing/2014/main" val="3282926630"/>
+                  </a:ext>
+                </a:extLst>
+              </a:tr>
+              <a:tr h="751391">
+                <a:tc>
+                  <a:txBody>
+                    <a:bodyPr/>
+                    <a:lstStyle/>
+                    <a:p>
+                      <a:pPr algn="ctr"/>
+                      <a:r>
+                        <a:rPr lang="en-US" altLang="ko-KR" sz="2000">
+                          <a:effectLst/>
+                        </a:rPr>
+                        <a:t>&lt;=</a:t>
+                      </a:r>
+                    </a:p>
+                  </a:txBody>
+                  <a:tcPr marL="22430" marR="22430" marT="22430" marB="22430" anchor="ctr"/>
+                </a:tc>
+                <a:tc>
+                  <a:txBody>
+                    <a:bodyPr/>
+                    <a:lstStyle/>
+                    <a:p>
+                      <a:pPr algn="l"/>
+                      <a:r>
+                        <a:rPr lang="en-US" sz="2000">
+                          <a:effectLst/>
+                        </a:rPr>
+                        <a:t>Checks if the value of left operand is less than or equal to the value of right operand, if yes then condition becomes true.</a:t>
+                      </a:r>
+                    </a:p>
+                  </a:txBody>
+                  <a:tcPr marL="22430" marR="22430" marT="22430" marB="22430" anchor="ctr"/>
+                </a:tc>
+                <a:tc>
+                  <a:txBody>
+                    <a:bodyPr/>
+                    <a:lstStyle/>
+                    <a:p>
+                      <a:pPr algn="ctr"/>
+                      <a:r>
+                        <a:rPr lang="en-US" sz="2000" dirty="0">
+                          <a:effectLst/>
+                        </a:rPr>
+                        <a:t>(A &lt;= B) is true.</a:t>
+                      </a:r>
+                    </a:p>
+                  </a:txBody>
+                  <a:tcPr marL="22430" marR="22430" marT="22430" marB="22430" anchor="ctr"/>
+                </a:tc>
+                <a:extLst>
+                  <a:ext uri="{0D108BD9-81ED-4DB2-BD59-A6C34878D82A}">
+                    <a16:rowId xmlns:a16="http://schemas.microsoft.com/office/drawing/2014/main" val="1428982878"/>
+                  </a:ext>
+                </a:extLst>
+              </a:tr>
+            </a:tbl>
+          </a:graphicData>
+        </a:graphic>
+      </p:graphicFrame>
+      <p:sp>
+        <p:nvSpPr>
+          <p:cNvPr id="6" name="TextBox 5">
+            <a:extLst>
+              <a:ext uri="{FF2B5EF4-FFF2-40B4-BE49-F238E27FC236}">
+                <a16:creationId xmlns:a16="http://schemas.microsoft.com/office/drawing/2014/main" id="{F6F022A2-CE8A-EF5F-016B-F0AB7237E4EC}"/>
+              </a:ext>
+            </a:extLst>
+          </p:cNvPr>
+          <p:cNvSpPr txBox="1"/>
+          <p:nvPr/>
+        </p:nvSpPr>
+        <p:spPr>
+          <a:xfrm>
+            <a:off x="5284382" y="767358"/>
+            <a:ext cx="5992346" cy="646331"/>
+          </a:xfrm>
+          <a:prstGeom prst="rect">
+            <a:avLst/>
+          </a:prstGeom>
+          <a:noFill/>
+        </p:spPr>
+        <p:txBody>
+          <a:bodyPr wrap="none" rtlCol="0">
+            <a:spAutoFit/>
+          </a:bodyPr>
+          <a:lstStyle/>
+          <a:p>
+            <a:r>
+              <a:rPr lang="en-US" altLang="ko-KR" dirty="0"/>
+              <a:t>C++ </a:t>
+            </a:r>
+            <a:r>
+              <a:rPr lang="ko-KR" altLang="en-US" dirty="0"/>
+              <a:t>언어에서 지원하는 관계 연산자는 다음과 같습니다
+변수 </a:t>
+            </a:r>
+            <a:r>
+              <a:rPr lang="en-US" altLang="ko-KR" dirty="0"/>
+              <a:t>A</a:t>
+            </a:r>
+            <a:r>
+              <a:rPr lang="ko-KR" altLang="en-US" dirty="0"/>
+              <a:t>에 </a:t>
+            </a:r>
+            <a:r>
+              <a:rPr lang="en-US" altLang="ko-KR" dirty="0"/>
+              <a:t>10</a:t>
+            </a:r>
+            <a:r>
+              <a:rPr lang="ko-KR" altLang="en-US" dirty="0"/>
+              <a:t>이 있고 변수 </a:t>
+            </a:r>
+            <a:r>
+              <a:rPr lang="en-US" altLang="ko-KR" dirty="0"/>
+              <a:t>B</a:t>
+            </a:r>
+            <a:r>
+              <a:rPr lang="ko-KR" altLang="en-US" dirty="0"/>
+              <a:t>에 </a:t>
+            </a:r>
+            <a:r>
+              <a:rPr lang="en-US" altLang="ko-KR" dirty="0"/>
+              <a:t>20</a:t>
+            </a:r>
+            <a:r>
+              <a:rPr lang="ko-KR" altLang="en-US" dirty="0"/>
+              <a:t>이 있다고 가정하면 </a:t>
+            </a:r>
+            <a:r>
+              <a:rPr lang="en-US" altLang="ko-KR" dirty="0"/>
+              <a:t>-</a:t>
+            </a:r>
+            <a:endParaRPr lang="ko-KR" altLang="en-US" dirty="0"/>
+          </a:p>
+        </p:txBody>
+      </p:sp>
+    </p:spTree>
+    <p:extLst>
+      <p:ext uri="{BB962C8B-B14F-4D97-AF65-F5344CB8AC3E}">
+        <p14:creationId xmlns:p14="http://schemas.microsoft.com/office/powerpoint/2010/main" val="320648627"/>
+      </p:ext>
+    </p:extLst>
+  </p:cSld>
+  <p:clrMapOvr>
+    <a:masterClrMapping/>
+  </p:clrMapOvr>
+</p:sld>
+</file>
+
+<file path=ppt/slides/slide39.xml><?xml version="1.0" encoding="utf-8"?>
+<p:sld xmlns:a="http://schemas.openxmlformats.org/drawingml/2006/main" xmlns:r="http://schemas.openxmlformats.org/officeDocument/2006/relationships" xmlns:p="http://schemas.openxmlformats.org/presentationml/2006/main">
+  <p:cSld>
+    <p:spTree>
+      <p:nvGrpSpPr>
+        <p:cNvPr id="1" name=""/>
+        <p:cNvGrpSpPr/>
+        <p:nvPr/>
+      </p:nvGrpSpPr>
+      <p:grpSpPr>
+        <a:xfrm>
+          <a:off x="0" y="0"/>
+          <a:ext cx="0" cy="0"/>
+          <a:chOff x="0" y="0"/>
+          <a:chExt cx="0" cy="0"/>
+        </a:xfrm>
+      </p:grpSpPr>
+      <p:sp>
+        <p:nvSpPr>
+          <p:cNvPr id="2" name="제목 1">
+            <a:extLst>
+              <a:ext uri="{FF2B5EF4-FFF2-40B4-BE49-F238E27FC236}">
+                <a16:creationId xmlns:a16="http://schemas.microsoft.com/office/drawing/2014/main" id="{F658BCAF-110D-9B14-CD49-4D2594B27AD4}"/>
+              </a:ext>
+            </a:extLst>
+          </p:cNvPr>
+          <p:cNvSpPr>
+            <a:spLocks noGrp="1"/>
+          </p:cNvSpPr>
+          <p:nvPr>
+            <p:ph type="title"/>
+          </p:nvPr>
+        </p:nvSpPr>
+        <p:spPr/>
+        <p:txBody>
+          <a:bodyPr/>
+          <a:lstStyle/>
+          <a:p>
+            <a:r>
+              <a:rPr lang="ko-KR" altLang="en-US" dirty="0"/>
+              <a:t>로직 연산자</a:t>
+            </a:r>
+          </a:p>
+        </p:txBody>
+      </p:sp>
+      <p:graphicFrame>
+        <p:nvGraphicFramePr>
+          <p:cNvPr id="3" name="표 2">
+            <a:extLst>
+              <a:ext uri="{FF2B5EF4-FFF2-40B4-BE49-F238E27FC236}">
+                <a16:creationId xmlns:a16="http://schemas.microsoft.com/office/drawing/2014/main" id="{43673267-59CD-EFD5-AAA2-1B6C440C9449}"/>
+              </a:ext>
+            </a:extLst>
+          </p:cNvPr>
+          <p:cNvGraphicFramePr>
+            <a:graphicFrameLocks noGrp="1"/>
+          </p:cNvGraphicFramePr>
+          <p:nvPr>
+            <p:extLst>
+              <p:ext uri="{D42A27DB-BD31-4B8C-83A1-F6EECF244321}">
+                <p14:modId xmlns:p14="http://schemas.microsoft.com/office/powerpoint/2010/main" val="1185743653"/>
+              </p:ext>
+            </p:extLst>
+          </p:nvPr>
+        </p:nvGraphicFramePr>
+        <p:xfrm>
+          <a:off x="1190848" y="1939249"/>
+          <a:ext cx="10069031" cy="4351338"/>
+        </p:xfrm>
+        <a:graphic>
+          <a:graphicData uri="http://schemas.openxmlformats.org/drawingml/2006/table">
+            <a:tbl>
+              <a:tblPr>
+                <a:tableStyleId>{5940675A-B579-460E-94D1-54222C63F5DA}</a:tableStyleId>
+              </a:tblPr>
+              <a:tblGrid>
+                <a:gridCol w="1690575">
+                  <a:extLst>
+                    <a:ext uri="{9D8B030D-6E8A-4147-A177-3AD203B41FA5}">
+                      <a16:colId xmlns:a16="http://schemas.microsoft.com/office/drawing/2014/main" val="3742038684"/>
+                    </a:ext>
+                  </a:extLst>
+                </a:gridCol>
+                <a:gridCol w="5752214">
+                  <a:extLst>
+                    <a:ext uri="{9D8B030D-6E8A-4147-A177-3AD203B41FA5}">
+                      <a16:colId xmlns:a16="http://schemas.microsoft.com/office/drawing/2014/main" val="978532784"/>
+                    </a:ext>
+                  </a:extLst>
+                </a:gridCol>
+                <a:gridCol w="2626242">
+                  <a:extLst>
+                    <a:ext uri="{9D8B030D-6E8A-4147-A177-3AD203B41FA5}">
+                      <a16:colId xmlns:a16="http://schemas.microsoft.com/office/drawing/2014/main" val="1329478125"/>
+                    </a:ext>
+                  </a:extLst>
+                </a:gridCol>
+              </a:tblGrid>
+              <a:tr h="658007">
+                <a:tc>
+                  <a:txBody>
+                    <a:bodyPr/>
+                    <a:lstStyle/>
+                    <a:p>
+                      <a:pPr algn="ctr"/>
+                      <a:r>
+                        <a:rPr lang="en-US" sz="2000" b="1" dirty="0">
+                          <a:effectLst/>
+                        </a:rPr>
+                        <a:t>Operator</a:t>
+                      </a:r>
+                      <a:endParaRPr lang="en-US" sz="2000" b="1" dirty="0">
+                        <a:effectLst/>
+                        <a:latin typeface="inherit"/>
+                      </a:endParaRPr>
+                    </a:p>
+                  </a:txBody>
+                  <a:tcPr marL="42452" marR="42452" marT="42452" marB="42452" anchor="ctr">
+                    <a:solidFill>
+                      <a:srgbClr val="FFFF00"/>
+                    </a:solidFill>
+                  </a:tcPr>
+                </a:tc>
+                <a:tc>
+                  <a:txBody>
+                    <a:bodyPr/>
+                    <a:lstStyle/>
+                    <a:p>
+                      <a:pPr algn="ctr"/>
+                      <a:r>
+                        <a:rPr lang="en-US" sz="2000" b="1" dirty="0">
+                          <a:effectLst/>
+                        </a:rPr>
+                        <a:t>Description</a:t>
+                      </a:r>
+                      <a:endParaRPr lang="en-US" sz="2000" b="1" dirty="0">
+                        <a:effectLst/>
+                        <a:latin typeface="inherit"/>
+                      </a:endParaRPr>
+                    </a:p>
+                  </a:txBody>
+                  <a:tcPr marL="42452" marR="42452" marT="42452" marB="42452" anchor="ctr">
+                    <a:solidFill>
+                      <a:srgbClr val="FFFF00"/>
+                    </a:solidFill>
+                  </a:tcPr>
+                </a:tc>
+                <a:tc>
+                  <a:txBody>
+                    <a:bodyPr/>
+                    <a:lstStyle/>
+                    <a:p>
+                      <a:pPr algn="ctr"/>
+                      <a:r>
+                        <a:rPr lang="en-US" sz="2000" b="1" dirty="0">
+                          <a:effectLst/>
+                        </a:rPr>
+                        <a:t>Example</a:t>
+                      </a:r>
+                      <a:endParaRPr lang="en-US" sz="2000" b="1" dirty="0">
+                        <a:effectLst/>
+                        <a:latin typeface="inherit"/>
+                      </a:endParaRPr>
+                    </a:p>
+                  </a:txBody>
+                  <a:tcPr marL="42452" marR="42452" marT="42452" marB="42452" anchor="ctr">
+                    <a:solidFill>
+                      <a:srgbClr val="FFFF00"/>
+                    </a:solidFill>
+                  </a:tcPr>
+                </a:tc>
+                <a:extLst>
+                  <a:ext uri="{0D108BD9-81ED-4DB2-BD59-A6C34878D82A}">
+                    <a16:rowId xmlns:a16="http://schemas.microsoft.com/office/drawing/2014/main" val="35302776"/>
+                  </a:ext>
+                </a:extLst>
+              </a:tr>
+              <a:tr h="1040076">
+                <a:tc>
+                  <a:txBody>
+                    <a:bodyPr/>
+                    <a:lstStyle/>
+                    <a:p>
+                      <a:pPr algn="ctr"/>
+                      <a:r>
+                        <a:rPr lang="en-US" altLang="ko-KR" sz="2000">
+                          <a:effectLst/>
+                        </a:rPr>
+                        <a:t>&amp;&amp;</a:t>
+                      </a:r>
+                    </a:p>
+                  </a:txBody>
+                  <a:tcPr marL="42452" marR="42452" marT="42452" marB="42452" anchor="ctr"/>
+                </a:tc>
+                <a:tc>
+                  <a:txBody>
+                    <a:bodyPr/>
+                    <a:lstStyle/>
+                    <a:p>
+                      <a:pPr algn="l"/>
+                      <a:r>
+                        <a:rPr lang="en-US" sz="2000">
+                          <a:effectLst/>
+                        </a:rPr>
+                        <a:t>Called Logical AND operator. If both the operands are non-zero, then condition becomes true.</a:t>
+                      </a:r>
+                    </a:p>
+                  </a:txBody>
+                  <a:tcPr marL="42452" marR="42452" marT="42452" marB="42452" anchor="ctr"/>
+                </a:tc>
+                <a:tc>
+                  <a:txBody>
+                    <a:bodyPr/>
+                    <a:lstStyle/>
+                    <a:p>
+                      <a:pPr algn="ctr"/>
+                      <a:r>
+                        <a:rPr lang="en-US" sz="2000">
+                          <a:effectLst/>
+                        </a:rPr>
+                        <a:t>(A &amp;&amp; B) is false.</a:t>
+                      </a:r>
+                    </a:p>
+                  </a:txBody>
+                  <a:tcPr marL="42452" marR="42452" marT="42452" marB="42452" anchor="ctr"/>
+                </a:tc>
+                <a:extLst>
+                  <a:ext uri="{0D108BD9-81ED-4DB2-BD59-A6C34878D82A}">
+                    <a16:rowId xmlns:a16="http://schemas.microsoft.com/office/drawing/2014/main" val="3310574815"/>
+                  </a:ext>
+                </a:extLst>
+              </a:tr>
+              <a:tr h="1040076">
+                <a:tc>
+                  <a:txBody>
+                    <a:bodyPr/>
+                    <a:lstStyle/>
+                    <a:p>
+                      <a:pPr algn="ctr"/>
+                      <a:r>
+                        <a:rPr lang="en-US" altLang="ko-KR" sz="2000">
+                          <a:effectLst/>
+                        </a:rPr>
+                        <a:t>||</a:t>
+                      </a:r>
+                    </a:p>
+                  </a:txBody>
+                  <a:tcPr marL="42452" marR="42452" marT="42452" marB="42452" anchor="ctr"/>
+                </a:tc>
+                <a:tc>
+                  <a:txBody>
+                    <a:bodyPr/>
+                    <a:lstStyle/>
+                    <a:p>
+                      <a:pPr algn="l"/>
+                      <a:r>
+                        <a:rPr lang="en-US" sz="2000" dirty="0">
+                          <a:effectLst/>
+                        </a:rPr>
+                        <a:t>Called Logical OR Operator. If any of the two operands is non-zero, then condition becomes true.</a:t>
+                      </a:r>
+                    </a:p>
+                  </a:txBody>
+                  <a:tcPr marL="42452" marR="42452" marT="42452" marB="42452" anchor="ctr"/>
+                </a:tc>
+                <a:tc>
+                  <a:txBody>
+                    <a:bodyPr/>
+                    <a:lstStyle/>
+                    <a:p>
+                      <a:pPr algn="ctr"/>
+                      <a:r>
+                        <a:rPr lang="en-US" sz="2000">
+                          <a:effectLst/>
+                        </a:rPr>
+                        <a:t>(A || B) is true.</a:t>
+                      </a:r>
+                    </a:p>
+                  </a:txBody>
+                  <a:tcPr marL="42452" marR="42452" marT="42452" marB="42452" anchor="ctr"/>
+                </a:tc>
+                <a:extLst>
+                  <a:ext uri="{0D108BD9-81ED-4DB2-BD59-A6C34878D82A}">
+                    <a16:rowId xmlns:a16="http://schemas.microsoft.com/office/drawing/2014/main" val="2538014129"/>
+                  </a:ext>
+                </a:extLst>
+              </a:tr>
+              <a:tr h="1613179">
+                <a:tc>
+                  <a:txBody>
+                    <a:bodyPr/>
+                    <a:lstStyle/>
+                    <a:p>
+                      <a:pPr algn="ctr"/>
+                      <a:r>
+                        <a:rPr lang="en-US" altLang="ko-KR" sz="2000">
+                          <a:effectLst/>
+                        </a:rPr>
+                        <a:t>!</a:t>
+                      </a:r>
+                    </a:p>
+                  </a:txBody>
+                  <a:tcPr marL="42452" marR="42452" marT="42452" marB="42452" anchor="ctr"/>
+                </a:tc>
+                <a:tc>
+                  <a:txBody>
+                    <a:bodyPr/>
+                    <a:lstStyle/>
+                    <a:p>
+                      <a:pPr algn="l"/>
+                      <a:r>
+                        <a:rPr lang="en-US" sz="2000">
+                          <a:effectLst/>
+                        </a:rPr>
+                        <a:t>Called Logical NOT Operator. Use to reverses the logical state of its operand. If a condition is true, then Logical NOT operator will make false.</a:t>
+                      </a:r>
+                    </a:p>
+                  </a:txBody>
+                  <a:tcPr marL="42452" marR="42452" marT="42452" marB="42452" anchor="ctr"/>
+                </a:tc>
+                <a:tc>
+                  <a:txBody>
+                    <a:bodyPr/>
+                    <a:lstStyle/>
+                    <a:p>
+                      <a:pPr algn="ctr"/>
+                      <a:r>
+                        <a:rPr lang="en-US" sz="2000" dirty="0">
+                          <a:effectLst/>
+                        </a:rPr>
+                        <a:t>!(A &amp;&amp; B) is true.</a:t>
+                      </a:r>
+                    </a:p>
+                  </a:txBody>
+                  <a:tcPr marL="42452" marR="42452" marT="42452" marB="42452" anchor="ctr"/>
+                </a:tc>
+                <a:extLst>
+                  <a:ext uri="{0D108BD9-81ED-4DB2-BD59-A6C34878D82A}">
+                    <a16:rowId xmlns:a16="http://schemas.microsoft.com/office/drawing/2014/main" val="3048991376"/>
+                  </a:ext>
+                </a:extLst>
+              </a:tr>
+            </a:tbl>
+          </a:graphicData>
+        </a:graphic>
+      </p:graphicFrame>
+      <p:sp>
+        <p:nvSpPr>
+          <p:cNvPr id="4" name="TextBox 3">
+            <a:extLst>
+              <a:ext uri="{FF2B5EF4-FFF2-40B4-BE49-F238E27FC236}">
+                <a16:creationId xmlns:a16="http://schemas.microsoft.com/office/drawing/2014/main" id="{45C1078D-52FB-B56E-6519-9497DAE3EBCB}"/>
+              </a:ext>
+            </a:extLst>
+          </p:cNvPr>
+          <p:cNvSpPr txBox="1"/>
+          <p:nvPr/>
+        </p:nvSpPr>
+        <p:spPr>
+          <a:xfrm>
+            <a:off x="4189228" y="1168637"/>
+            <a:ext cx="6649577" cy="646331"/>
+          </a:xfrm>
+          <a:prstGeom prst="rect">
+            <a:avLst/>
+          </a:prstGeom>
+          <a:noFill/>
+        </p:spPr>
+        <p:txBody>
+          <a:bodyPr wrap="none" rtlCol="0">
+            <a:spAutoFit/>
+          </a:bodyPr>
+          <a:lstStyle/>
+          <a:p>
+            <a:r>
+              <a:rPr lang="en-US" altLang="ko-KR">
+                <a:solidFill>
+                  <a:srgbClr val="000000"/>
+                </a:solidFill>
+                <a:latin typeface="Verdana" panose="020B0604030504040204" pitchFamily="34" charset="0"/>
+              </a:rPr>
+              <a:t>C++ </a:t>
+            </a:r>
+            <a:r>
+              <a:rPr lang="ko-KR" altLang="en-US">
+                <a:solidFill>
+                  <a:srgbClr val="000000"/>
+                </a:solidFill>
+                <a:latin typeface="Verdana" panose="020B0604030504040204" pitchFamily="34" charset="0"/>
+              </a:rPr>
+              <a:t>언어에서 지원하는 논리 연산자는 다음과 같습니다</a:t>
+            </a:r>
+            <a:r>
+              <a:rPr lang="en-US" altLang="ko-KR">
+                <a:solidFill>
+                  <a:srgbClr val="000000"/>
+                </a:solidFill>
+                <a:latin typeface="Verdana" panose="020B0604030504040204" pitchFamily="34" charset="0"/>
+              </a:rPr>
+              <a:t>.
+</a:t>
+            </a:r>
+            <a:r>
+              <a:rPr lang="ko-KR" altLang="en-US">
+                <a:solidFill>
+                  <a:srgbClr val="000000"/>
+                </a:solidFill>
+                <a:latin typeface="Verdana" panose="020B0604030504040204" pitchFamily="34" charset="0"/>
+              </a:rPr>
+              <a:t>변수 </a:t>
+            </a:r>
+            <a:r>
+              <a:rPr lang="en-US" altLang="ko-KR">
+                <a:solidFill>
+                  <a:srgbClr val="000000"/>
+                </a:solidFill>
+                <a:latin typeface="Verdana" panose="020B0604030504040204" pitchFamily="34" charset="0"/>
+              </a:rPr>
+              <a:t>A</a:t>
+            </a:r>
+            <a:r>
+              <a:rPr lang="ko-KR" altLang="en-US">
+                <a:solidFill>
+                  <a:srgbClr val="000000"/>
+                </a:solidFill>
+                <a:latin typeface="Verdana" panose="020B0604030504040204" pitchFamily="34" charset="0"/>
+              </a:rPr>
+              <a:t>가 </a:t>
+            </a:r>
+            <a:r>
+              <a:rPr lang="en-US" altLang="ko-KR">
+                <a:solidFill>
+                  <a:srgbClr val="000000"/>
+                </a:solidFill>
+                <a:latin typeface="Verdana" panose="020B0604030504040204" pitchFamily="34" charset="0"/>
+              </a:rPr>
+              <a:t>1</a:t>
+            </a:r>
+            <a:r>
+              <a:rPr lang="ko-KR" altLang="en-US">
+                <a:solidFill>
+                  <a:srgbClr val="000000"/>
+                </a:solidFill>
+                <a:latin typeface="Verdana" panose="020B0604030504040204" pitchFamily="34" charset="0"/>
+              </a:rPr>
+              <a:t>을 보유하고</a:t>
+            </a:r>
+            <a:r>
+              <a:rPr lang="en-US" altLang="ko-KR">
+                <a:solidFill>
+                  <a:srgbClr val="000000"/>
+                </a:solidFill>
+                <a:latin typeface="Verdana" panose="020B0604030504040204" pitchFamily="34" charset="0"/>
+              </a:rPr>
+              <a:t>, </a:t>
+            </a:r>
+            <a:r>
+              <a:rPr lang="ko-KR" altLang="en-US">
+                <a:solidFill>
+                  <a:srgbClr val="000000"/>
+                </a:solidFill>
+                <a:latin typeface="Verdana" panose="020B0604030504040204" pitchFamily="34" charset="0"/>
+              </a:rPr>
+              <a:t>변수 </a:t>
+            </a:r>
+            <a:r>
+              <a:rPr lang="en-US" altLang="ko-KR">
+                <a:solidFill>
+                  <a:srgbClr val="000000"/>
+                </a:solidFill>
+                <a:latin typeface="Verdana" panose="020B0604030504040204" pitchFamily="34" charset="0"/>
+              </a:rPr>
+              <a:t>B</a:t>
+            </a:r>
+            <a:r>
+              <a:rPr lang="ko-KR" altLang="en-US">
+                <a:solidFill>
+                  <a:srgbClr val="000000"/>
+                </a:solidFill>
+                <a:latin typeface="Verdana" panose="020B0604030504040204" pitchFamily="34" charset="0"/>
+              </a:rPr>
+              <a:t>가 </a:t>
+            </a:r>
+            <a:r>
+              <a:rPr lang="en-US" altLang="ko-KR">
+                <a:solidFill>
+                  <a:srgbClr val="000000"/>
+                </a:solidFill>
+                <a:latin typeface="Verdana" panose="020B0604030504040204" pitchFamily="34" charset="0"/>
+              </a:rPr>
+              <a:t>0</a:t>
+            </a:r>
+            <a:r>
+              <a:rPr lang="ko-KR" altLang="en-US">
+                <a:solidFill>
+                  <a:srgbClr val="000000"/>
+                </a:solidFill>
+                <a:latin typeface="Verdana" panose="020B0604030504040204" pitchFamily="34" charset="0"/>
+              </a:rPr>
+              <a:t>을 보유한다고 가정하면</a:t>
+            </a:r>
+            <a:r>
+              <a:rPr lang="en-US" altLang="ko-KR">
+                <a:solidFill>
+                  <a:srgbClr val="000000"/>
+                </a:solidFill>
+                <a:latin typeface="Verdana" panose="020B0604030504040204" pitchFamily="34" charset="0"/>
+              </a:rPr>
+              <a:t>, -</a:t>
+            </a:r>
+            <a:endParaRPr lang="ko-KR" altLang="en-US" dirty="0"/>
+          </a:p>
+        </p:txBody>
+      </p:sp>
+    </p:spTree>
+    <p:extLst>
+      <p:ext uri="{BB962C8B-B14F-4D97-AF65-F5344CB8AC3E}">
+        <p14:creationId xmlns:p14="http://schemas.microsoft.com/office/powerpoint/2010/main" val="235459493"/>
       </p:ext>
     </p:extLst>
   </p:cSld>
@@ -18059,6 +20147,4650 @@
 </p:sld>
 </file>
 
+<file path=ppt/slides/slide40.xml><?xml version="1.0" encoding="utf-8"?>
+<p:sld xmlns:a="http://schemas.openxmlformats.org/drawingml/2006/main" xmlns:r="http://schemas.openxmlformats.org/officeDocument/2006/relationships" xmlns:p="http://schemas.openxmlformats.org/presentationml/2006/main">
+  <p:cSld>
+    <p:spTree>
+      <p:nvGrpSpPr>
+        <p:cNvPr id="1" name=""/>
+        <p:cNvGrpSpPr/>
+        <p:nvPr/>
+      </p:nvGrpSpPr>
+      <p:grpSpPr>
+        <a:xfrm>
+          <a:off x="0" y="0"/>
+          <a:ext cx="0" cy="0"/>
+          <a:chOff x="0" y="0"/>
+          <a:chExt cx="0" cy="0"/>
+        </a:xfrm>
+      </p:grpSpPr>
+      <p:sp>
+        <p:nvSpPr>
+          <p:cNvPr id="2" name="제목 1">
+            <a:extLst>
+              <a:ext uri="{FF2B5EF4-FFF2-40B4-BE49-F238E27FC236}">
+                <a16:creationId xmlns:a16="http://schemas.microsoft.com/office/drawing/2014/main" id="{80E1B6EA-00D1-3F05-04F0-8DDA8CD0089F}"/>
+              </a:ext>
+            </a:extLst>
+          </p:cNvPr>
+          <p:cNvSpPr>
+            <a:spLocks noGrp="1"/>
+          </p:cNvSpPr>
+          <p:nvPr>
+            <p:ph type="title"/>
+          </p:nvPr>
+        </p:nvSpPr>
+        <p:spPr/>
+        <p:txBody>
+          <a:bodyPr/>
+          <a:lstStyle/>
+          <a:p>
+            <a:r>
+              <a:rPr lang="ko-KR" altLang="en-US" dirty="0"/>
+              <a:t>비트 연산자 </a:t>
+            </a:r>
+          </a:p>
+        </p:txBody>
+      </p:sp>
+      <p:sp>
+        <p:nvSpPr>
+          <p:cNvPr id="6" name="내용 개체 틀 5">
+            <a:extLst>
+              <a:ext uri="{FF2B5EF4-FFF2-40B4-BE49-F238E27FC236}">
+                <a16:creationId xmlns:a16="http://schemas.microsoft.com/office/drawing/2014/main" id="{6A8D18BB-4456-A323-45A1-89A8E8D48DA2}"/>
+              </a:ext>
+            </a:extLst>
+          </p:cNvPr>
+          <p:cNvSpPr>
+            <a:spLocks noGrp="1"/>
+          </p:cNvSpPr>
+          <p:nvPr>
+            <p:ph sz="half" idx="1"/>
+          </p:nvPr>
+        </p:nvSpPr>
+        <p:spPr/>
+        <p:txBody>
+          <a:bodyPr>
+            <a:noAutofit/>
+          </a:bodyPr>
+          <a:lstStyle/>
+          <a:p>
+            <a:r>
+              <a:rPr lang="ko-KR" altLang="en-US" sz="1600"/>
+              <a:t>비트 연산자는 비트에서 작동하고 비트 단위 연산을 수행합니다</a:t>
+            </a:r>
+            <a:r>
+              <a:rPr lang="en-US" altLang="ko-KR" sz="1600"/>
+              <a:t>. &amp;, |, ^</a:t>
+            </a:r>
+            <a:r>
+              <a:rPr lang="ko-KR" altLang="en-US" sz="1600"/>
+              <a:t>에 대한 진리표는 다음과 같습니다</a:t>
+            </a:r>
+            <a:r>
+              <a:rPr lang="en-US" altLang="ko-KR" sz="1600"/>
+              <a:t>.
+A = 60</a:t>
+            </a:r>
+            <a:r>
+              <a:rPr lang="ko-KR" altLang="en-US" sz="1600"/>
+              <a:t>이라고 가정합니다</a:t>
+            </a:r>
+            <a:r>
+              <a:rPr lang="en-US" altLang="ko-KR" sz="1600"/>
+              <a:t>. </a:t>
+            </a:r>
+            <a:r>
+              <a:rPr lang="ko-KR" altLang="en-US" sz="1600"/>
+              <a:t>및 </a:t>
+            </a:r>
+            <a:r>
+              <a:rPr lang="en-US" altLang="ko-KR" sz="1600"/>
+              <a:t>B = 13; </a:t>
+            </a:r>
+            <a:r>
+              <a:rPr lang="ko-KR" altLang="en-US" sz="1600"/>
+              <a:t>이제 바이너리 형식으로 다음과 같습니다</a:t>
+            </a:r>
+            <a:r>
+              <a:rPr lang="en-US" altLang="ko-KR" sz="1600"/>
+              <a:t>.
+ᅡ = 0011 1100</a:t>
+            </a:r>
+            <a:r>
+              <a:rPr lang="ko-KR" altLang="en-US" sz="1600"/>
+              <a:t>년
+</a:t>
+            </a:r>
+            <a:r>
+              <a:rPr lang="en-US" altLang="ko-KR" sz="1600"/>
+              <a:t>B = 0000</a:t>
+            </a:r>
+            <a:r>
+              <a:rPr lang="ko-KR" altLang="en-US" sz="1600"/>
+              <a:t>년 </a:t>
+            </a:r>
+            <a:r>
+              <a:rPr lang="en-US" altLang="ko-KR" sz="1600"/>
+              <a:t>1101</a:t>
+            </a:r>
+            <a:r>
+              <a:rPr lang="ko-KR" altLang="en-US" sz="1600"/>
+              <a:t>년
+</a:t>
+            </a:r>
+            <a:r>
+              <a:rPr lang="en-US" altLang="ko-KR" sz="1600"/>
+              <a:t>-----------------
+A&amp;B = 0000 1100</a:t>
+            </a:r>
+            <a:r>
+              <a:rPr lang="ko-KR" altLang="en-US" sz="1600"/>
+              <a:t>년
+</a:t>
+            </a:r>
+            <a:r>
+              <a:rPr lang="en-US" altLang="ko-KR" sz="1600"/>
+              <a:t>ᅡ|</a:t>
+            </a:r>
+            <a:r>
+              <a:rPr lang="ko-KR" altLang="en-US" sz="1600"/>
+              <a:t>재질 보기 </a:t>
+            </a:r>
+            <a:r>
+              <a:rPr lang="en-US" altLang="ko-KR" sz="1600"/>
+              <a:t>B = 0011 1101</a:t>
+            </a:r>
+            <a:r>
+              <a:rPr lang="ko-KR" altLang="en-US" sz="1600"/>
+              <a:t>년
+</a:t>
+            </a:r>
+            <a:r>
+              <a:rPr lang="en-US" altLang="ko-KR" sz="1600"/>
+              <a:t>ᅡ^ᄂ = 0011 0001
+~ᅡ = 1100 0011</a:t>
+            </a:r>
+            <a:endParaRPr lang="ko-KR" altLang="en-US" sz="1600" dirty="0"/>
+          </a:p>
+        </p:txBody>
+      </p:sp>
+      <p:graphicFrame>
+        <p:nvGraphicFramePr>
+          <p:cNvPr id="8" name="내용 개체 틀 7">
+            <a:extLst>
+              <a:ext uri="{FF2B5EF4-FFF2-40B4-BE49-F238E27FC236}">
+                <a16:creationId xmlns:a16="http://schemas.microsoft.com/office/drawing/2014/main" id="{A5DE56EE-F809-17D8-4363-77C6E3329985}"/>
+              </a:ext>
+            </a:extLst>
+          </p:cNvPr>
+          <p:cNvGraphicFramePr>
+            <a:graphicFrameLocks noGrp="1"/>
+          </p:cNvGraphicFramePr>
+          <p:nvPr>
+            <p:ph sz="half" idx="2"/>
+            <p:extLst>
+              <p:ext uri="{D42A27DB-BD31-4B8C-83A1-F6EECF244321}">
+                <p14:modId xmlns:p14="http://schemas.microsoft.com/office/powerpoint/2010/main" val="3907674742"/>
+              </p:ext>
+            </p:extLst>
+          </p:nvPr>
+        </p:nvGraphicFramePr>
+        <p:xfrm>
+          <a:off x="6172202" y="2096293"/>
+          <a:ext cx="5470450" cy="3525828"/>
+        </p:xfrm>
+        <a:graphic>
+          <a:graphicData uri="http://schemas.openxmlformats.org/drawingml/2006/table">
+            <a:tbl>
+              <a:tblPr>
+                <a:tableStyleId>{5940675A-B579-460E-94D1-54222C63F5DA}</a:tableStyleId>
+              </a:tblPr>
+              <a:tblGrid>
+                <a:gridCol w="1094046">
+                  <a:extLst>
+                    <a:ext uri="{9D8B030D-6E8A-4147-A177-3AD203B41FA5}">
+                      <a16:colId xmlns:a16="http://schemas.microsoft.com/office/drawing/2014/main" val="1189221312"/>
+                    </a:ext>
+                  </a:extLst>
+                </a:gridCol>
+                <a:gridCol w="1094046">
+                  <a:extLst>
+                    <a:ext uri="{9D8B030D-6E8A-4147-A177-3AD203B41FA5}">
+                      <a16:colId xmlns:a16="http://schemas.microsoft.com/office/drawing/2014/main" val="162164284"/>
+                    </a:ext>
+                  </a:extLst>
+                </a:gridCol>
+                <a:gridCol w="1094046">
+                  <a:extLst>
+                    <a:ext uri="{9D8B030D-6E8A-4147-A177-3AD203B41FA5}">
+                      <a16:colId xmlns:a16="http://schemas.microsoft.com/office/drawing/2014/main" val="1704179329"/>
+                    </a:ext>
+                  </a:extLst>
+                </a:gridCol>
+                <a:gridCol w="1094046">
+                  <a:extLst>
+                    <a:ext uri="{9D8B030D-6E8A-4147-A177-3AD203B41FA5}">
+                      <a16:colId xmlns:a16="http://schemas.microsoft.com/office/drawing/2014/main" val="3644255279"/>
+                    </a:ext>
+                  </a:extLst>
+                </a:gridCol>
+                <a:gridCol w="1094266">
+                  <a:extLst>
+                    <a:ext uri="{9D8B030D-6E8A-4147-A177-3AD203B41FA5}">
+                      <a16:colId xmlns:a16="http://schemas.microsoft.com/office/drawing/2014/main" val="3149994460"/>
+                    </a:ext>
+                  </a:extLst>
+                </a:gridCol>
+              </a:tblGrid>
+              <a:tr h="637617">
+                <a:tc>
+                  <a:txBody>
+                    <a:bodyPr/>
+                    <a:lstStyle/>
+                    <a:p>
+                      <a:pPr algn="ctr"/>
+                      <a:r>
+                        <a:rPr lang="en-US" sz="2800" b="1" dirty="0">
+                          <a:effectLst/>
+                        </a:rPr>
+                        <a:t>p</a:t>
+                      </a:r>
+                      <a:endParaRPr lang="en-US" sz="2800" b="1" dirty="0">
+                        <a:effectLst/>
+                        <a:latin typeface="inherit"/>
+                      </a:endParaRPr>
+                    </a:p>
+                  </a:txBody>
+                  <a:tcPr marL="60960" marR="60960" marT="60960" marB="60960" anchor="ctr">
+                    <a:solidFill>
+                      <a:srgbClr val="FFFF00"/>
+                    </a:solidFill>
+                  </a:tcPr>
+                </a:tc>
+                <a:tc>
+                  <a:txBody>
+                    <a:bodyPr/>
+                    <a:lstStyle/>
+                    <a:p>
+                      <a:pPr algn="ctr"/>
+                      <a:r>
+                        <a:rPr lang="en-US" sz="2800" b="1" dirty="0">
+                          <a:effectLst/>
+                        </a:rPr>
+                        <a:t>q</a:t>
+                      </a:r>
+                      <a:endParaRPr lang="en-US" sz="2800" b="1" dirty="0">
+                        <a:effectLst/>
+                        <a:latin typeface="inherit"/>
+                      </a:endParaRPr>
+                    </a:p>
+                  </a:txBody>
+                  <a:tcPr marL="60960" marR="60960" marT="60960" marB="60960" anchor="ctr">
+                    <a:solidFill>
+                      <a:srgbClr val="FFFF00"/>
+                    </a:solidFill>
+                  </a:tcPr>
+                </a:tc>
+                <a:tc>
+                  <a:txBody>
+                    <a:bodyPr/>
+                    <a:lstStyle/>
+                    <a:p>
+                      <a:pPr algn="ctr"/>
+                      <a:r>
+                        <a:rPr lang="en-US" sz="2800" b="1" dirty="0">
+                          <a:effectLst/>
+                        </a:rPr>
+                        <a:t>p &amp; q</a:t>
+                      </a:r>
+                      <a:endParaRPr lang="en-US" sz="2800" b="1" dirty="0">
+                        <a:effectLst/>
+                        <a:latin typeface="inherit"/>
+                      </a:endParaRPr>
+                    </a:p>
+                  </a:txBody>
+                  <a:tcPr marL="60960" marR="60960" marT="60960" marB="60960" anchor="ctr">
+                    <a:solidFill>
+                      <a:srgbClr val="FFFF00"/>
+                    </a:solidFill>
+                  </a:tcPr>
+                </a:tc>
+                <a:tc>
+                  <a:txBody>
+                    <a:bodyPr/>
+                    <a:lstStyle/>
+                    <a:p>
+                      <a:pPr algn="ctr"/>
+                      <a:r>
+                        <a:rPr lang="en-US" sz="2800" b="1" dirty="0">
+                          <a:effectLst/>
+                        </a:rPr>
+                        <a:t>p | q</a:t>
+                      </a:r>
+                      <a:endParaRPr lang="en-US" sz="2800" b="1" dirty="0">
+                        <a:effectLst/>
+                        <a:latin typeface="inherit"/>
+                      </a:endParaRPr>
+                    </a:p>
+                  </a:txBody>
+                  <a:tcPr marL="60960" marR="60960" marT="60960" marB="60960" anchor="ctr">
+                    <a:solidFill>
+                      <a:srgbClr val="FFFF00"/>
+                    </a:solidFill>
+                  </a:tcPr>
+                </a:tc>
+                <a:tc>
+                  <a:txBody>
+                    <a:bodyPr/>
+                    <a:lstStyle/>
+                    <a:p>
+                      <a:pPr algn="ctr"/>
+                      <a:r>
+                        <a:rPr lang="en-US" sz="2800" b="1" dirty="0">
+                          <a:effectLst/>
+                        </a:rPr>
+                        <a:t>p ^ q</a:t>
+                      </a:r>
+                      <a:endParaRPr lang="en-US" sz="2800" b="1" dirty="0">
+                        <a:effectLst/>
+                        <a:latin typeface="inherit"/>
+                      </a:endParaRPr>
+                    </a:p>
+                  </a:txBody>
+                  <a:tcPr marL="60960" marR="60960" marT="60960" marB="60960" anchor="ctr">
+                    <a:solidFill>
+                      <a:srgbClr val="FFFF00"/>
+                    </a:solidFill>
+                  </a:tcPr>
+                </a:tc>
+                <a:extLst>
+                  <a:ext uri="{0D108BD9-81ED-4DB2-BD59-A6C34878D82A}">
+                    <a16:rowId xmlns:a16="http://schemas.microsoft.com/office/drawing/2014/main" val="950487001"/>
+                  </a:ext>
+                </a:extLst>
+              </a:tr>
+              <a:tr h="637617">
+                <a:tc>
+                  <a:txBody>
+                    <a:bodyPr/>
+                    <a:lstStyle/>
+                    <a:p>
+                      <a:pPr algn="ctr"/>
+                      <a:r>
+                        <a:rPr lang="en-US" altLang="ko-KR" sz="2800">
+                          <a:effectLst/>
+                        </a:rPr>
+                        <a:t>0</a:t>
+                      </a:r>
+                    </a:p>
+                  </a:txBody>
+                  <a:tcPr marL="60960" marR="60960" marT="60960" marB="60960" anchor="ctr"/>
+                </a:tc>
+                <a:tc>
+                  <a:txBody>
+                    <a:bodyPr/>
+                    <a:lstStyle/>
+                    <a:p>
+                      <a:pPr algn="ctr"/>
+                      <a:r>
+                        <a:rPr lang="en-US" altLang="ko-KR" sz="2800">
+                          <a:effectLst/>
+                        </a:rPr>
+                        <a:t>0</a:t>
+                      </a:r>
+                    </a:p>
+                  </a:txBody>
+                  <a:tcPr marL="60960" marR="60960" marT="60960" marB="60960" anchor="ctr"/>
+                </a:tc>
+                <a:tc>
+                  <a:txBody>
+                    <a:bodyPr/>
+                    <a:lstStyle/>
+                    <a:p>
+                      <a:pPr algn="ctr"/>
+                      <a:r>
+                        <a:rPr lang="en-US" altLang="ko-KR" sz="2800" dirty="0">
+                          <a:effectLst/>
+                        </a:rPr>
+                        <a:t>0</a:t>
+                      </a:r>
+                    </a:p>
+                  </a:txBody>
+                  <a:tcPr marL="60960" marR="60960" marT="60960" marB="60960" anchor="ctr"/>
+                </a:tc>
+                <a:tc>
+                  <a:txBody>
+                    <a:bodyPr/>
+                    <a:lstStyle/>
+                    <a:p>
+                      <a:pPr algn="ctr"/>
+                      <a:r>
+                        <a:rPr lang="en-US" altLang="ko-KR" sz="2800">
+                          <a:effectLst/>
+                        </a:rPr>
+                        <a:t>0</a:t>
+                      </a:r>
+                    </a:p>
+                  </a:txBody>
+                  <a:tcPr marL="60960" marR="60960" marT="60960" marB="60960" anchor="ctr"/>
+                </a:tc>
+                <a:tc>
+                  <a:txBody>
+                    <a:bodyPr/>
+                    <a:lstStyle/>
+                    <a:p>
+                      <a:pPr algn="ctr"/>
+                      <a:r>
+                        <a:rPr lang="en-US" altLang="ko-KR" sz="2800">
+                          <a:effectLst/>
+                        </a:rPr>
+                        <a:t>0</a:t>
+                      </a:r>
+                    </a:p>
+                  </a:txBody>
+                  <a:tcPr marL="60960" marR="60960" marT="60960" marB="60960" anchor="ctr"/>
+                </a:tc>
+                <a:extLst>
+                  <a:ext uri="{0D108BD9-81ED-4DB2-BD59-A6C34878D82A}">
+                    <a16:rowId xmlns:a16="http://schemas.microsoft.com/office/drawing/2014/main" val="3149645293"/>
+                  </a:ext>
+                </a:extLst>
+              </a:tr>
+              <a:tr h="637617">
+                <a:tc>
+                  <a:txBody>
+                    <a:bodyPr/>
+                    <a:lstStyle/>
+                    <a:p>
+                      <a:pPr algn="ctr"/>
+                      <a:r>
+                        <a:rPr lang="en-US" altLang="ko-KR" sz="2800">
+                          <a:effectLst/>
+                        </a:rPr>
+                        <a:t>0</a:t>
+                      </a:r>
+                    </a:p>
+                  </a:txBody>
+                  <a:tcPr marL="60960" marR="60960" marT="60960" marB="60960" anchor="ctr"/>
+                </a:tc>
+                <a:tc>
+                  <a:txBody>
+                    <a:bodyPr/>
+                    <a:lstStyle/>
+                    <a:p>
+                      <a:pPr algn="ctr"/>
+                      <a:r>
+                        <a:rPr lang="en-US" altLang="ko-KR" sz="2800">
+                          <a:effectLst/>
+                        </a:rPr>
+                        <a:t>1</a:t>
+                      </a:r>
+                    </a:p>
+                  </a:txBody>
+                  <a:tcPr marL="60960" marR="60960" marT="60960" marB="60960" anchor="ctr"/>
+                </a:tc>
+                <a:tc>
+                  <a:txBody>
+                    <a:bodyPr/>
+                    <a:lstStyle/>
+                    <a:p>
+                      <a:pPr algn="ctr"/>
+                      <a:r>
+                        <a:rPr lang="en-US" altLang="ko-KR" sz="2800">
+                          <a:effectLst/>
+                        </a:rPr>
+                        <a:t>0</a:t>
+                      </a:r>
+                    </a:p>
+                  </a:txBody>
+                  <a:tcPr marL="60960" marR="60960" marT="60960" marB="60960" anchor="ctr"/>
+                </a:tc>
+                <a:tc>
+                  <a:txBody>
+                    <a:bodyPr/>
+                    <a:lstStyle/>
+                    <a:p>
+                      <a:pPr algn="ctr"/>
+                      <a:r>
+                        <a:rPr lang="en-US" altLang="ko-KR" sz="2800" dirty="0">
+                          <a:effectLst/>
+                        </a:rPr>
+                        <a:t>1</a:t>
+                      </a:r>
+                    </a:p>
+                  </a:txBody>
+                  <a:tcPr marL="60960" marR="60960" marT="60960" marB="60960" anchor="ctr"/>
+                </a:tc>
+                <a:tc>
+                  <a:txBody>
+                    <a:bodyPr/>
+                    <a:lstStyle/>
+                    <a:p>
+                      <a:pPr algn="ctr"/>
+                      <a:r>
+                        <a:rPr lang="en-US" altLang="ko-KR" sz="2800">
+                          <a:effectLst/>
+                        </a:rPr>
+                        <a:t>1</a:t>
+                      </a:r>
+                    </a:p>
+                  </a:txBody>
+                  <a:tcPr marL="60960" marR="60960" marT="60960" marB="60960" anchor="ctr"/>
+                </a:tc>
+                <a:extLst>
+                  <a:ext uri="{0D108BD9-81ED-4DB2-BD59-A6C34878D82A}">
+                    <a16:rowId xmlns:a16="http://schemas.microsoft.com/office/drawing/2014/main" val="2829782359"/>
+                  </a:ext>
+                </a:extLst>
+              </a:tr>
+              <a:tr h="637617">
+                <a:tc>
+                  <a:txBody>
+                    <a:bodyPr/>
+                    <a:lstStyle/>
+                    <a:p>
+                      <a:pPr algn="ctr"/>
+                      <a:r>
+                        <a:rPr lang="en-US" altLang="ko-KR" sz="2800">
+                          <a:effectLst/>
+                        </a:rPr>
+                        <a:t>1</a:t>
+                      </a:r>
+                    </a:p>
+                  </a:txBody>
+                  <a:tcPr marL="60960" marR="60960" marT="60960" marB="60960" anchor="ctr"/>
+                </a:tc>
+                <a:tc>
+                  <a:txBody>
+                    <a:bodyPr/>
+                    <a:lstStyle/>
+                    <a:p>
+                      <a:pPr algn="ctr"/>
+                      <a:r>
+                        <a:rPr lang="en-US" altLang="ko-KR" sz="2800">
+                          <a:effectLst/>
+                        </a:rPr>
+                        <a:t>1</a:t>
+                      </a:r>
+                    </a:p>
+                  </a:txBody>
+                  <a:tcPr marL="60960" marR="60960" marT="60960" marB="60960" anchor="ctr"/>
+                </a:tc>
+                <a:tc>
+                  <a:txBody>
+                    <a:bodyPr/>
+                    <a:lstStyle/>
+                    <a:p>
+                      <a:pPr algn="ctr"/>
+                      <a:r>
+                        <a:rPr lang="en-US" altLang="ko-KR" sz="2800">
+                          <a:effectLst/>
+                        </a:rPr>
+                        <a:t>1</a:t>
+                      </a:r>
+                    </a:p>
+                  </a:txBody>
+                  <a:tcPr marL="60960" marR="60960" marT="60960" marB="60960" anchor="ctr"/>
+                </a:tc>
+                <a:tc>
+                  <a:txBody>
+                    <a:bodyPr/>
+                    <a:lstStyle/>
+                    <a:p>
+                      <a:pPr algn="ctr"/>
+                      <a:r>
+                        <a:rPr lang="en-US" altLang="ko-KR" sz="2800" dirty="0">
+                          <a:effectLst/>
+                        </a:rPr>
+                        <a:t>1</a:t>
+                      </a:r>
+                    </a:p>
+                  </a:txBody>
+                  <a:tcPr marL="60960" marR="60960" marT="60960" marB="60960" anchor="ctr"/>
+                </a:tc>
+                <a:tc>
+                  <a:txBody>
+                    <a:bodyPr/>
+                    <a:lstStyle/>
+                    <a:p>
+                      <a:pPr algn="ctr"/>
+                      <a:r>
+                        <a:rPr lang="en-US" altLang="ko-KR" sz="2800" dirty="0">
+                          <a:effectLst/>
+                        </a:rPr>
+                        <a:t>0</a:t>
+                      </a:r>
+                    </a:p>
+                  </a:txBody>
+                  <a:tcPr marL="60960" marR="60960" marT="60960" marB="60960" anchor="ctr"/>
+                </a:tc>
+                <a:extLst>
+                  <a:ext uri="{0D108BD9-81ED-4DB2-BD59-A6C34878D82A}">
+                    <a16:rowId xmlns:a16="http://schemas.microsoft.com/office/drawing/2014/main" val="2361557381"/>
+                  </a:ext>
+                </a:extLst>
+              </a:tr>
+              <a:tr h="637617">
+                <a:tc>
+                  <a:txBody>
+                    <a:bodyPr/>
+                    <a:lstStyle/>
+                    <a:p>
+                      <a:pPr algn="ctr"/>
+                      <a:r>
+                        <a:rPr lang="en-US" altLang="ko-KR" sz="2800">
+                          <a:effectLst/>
+                        </a:rPr>
+                        <a:t>1</a:t>
+                      </a:r>
+                    </a:p>
+                  </a:txBody>
+                  <a:tcPr marL="60960" marR="60960" marT="60960" marB="60960" anchor="ctr"/>
+                </a:tc>
+                <a:tc>
+                  <a:txBody>
+                    <a:bodyPr/>
+                    <a:lstStyle/>
+                    <a:p>
+                      <a:pPr algn="ctr"/>
+                      <a:r>
+                        <a:rPr lang="en-US" altLang="ko-KR" sz="2800">
+                          <a:effectLst/>
+                        </a:rPr>
+                        <a:t>0</a:t>
+                      </a:r>
+                    </a:p>
+                  </a:txBody>
+                  <a:tcPr marL="60960" marR="60960" marT="60960" marB="60960" anchor="ctr"/>
+                </a:tc>
+                <a:tc>
+                  <a:txBody>
+                    <a:bodyPr/>
+                    <a:lstStyle/>
+                    <a:p>
+                      <a:pPr algn="ctr"/>
+                      <a:r>
+                        <a:rPr lang="en-US" altLang="ko-KR" sz="2800">
+                          <a:effectLst/>
+                        </a:rPr>
+                        <a:t>0</a:t>
+                      </a:r>
+                    </a:p>
+                  </a:txBody>
+                  <a:tcPr marL="60960" marR="60960" marT="60960" marB="60960" anchor="ctr"/>
+                </a:tc>
+                <a:tc>
+                  <a:txBody>
+                    <a:bodyPr/>
+                    <a:lstStyle/>
+                    <a:p>
+                      <a:pPr algn="ctr"/>
+                      <a:r>
+                        <a:rPr lang="en-US" altLang="ko-KR" sz="2800">
+                          <a:effectLst/>
+                        </a:rPr>
+                        <a:t>1</a:t>
+                      </a:r>
+                    </a:p>
+                  </a:txBody>
+                  <a:tcPr marL="60960" marR="60960" marT="60960" marB="60960" anchor="ctr"/>
+                </a:tc>
+                <a:tc>
+                  <a:txBody>
+                    <a:bodyPr/>
+                    <a:lstStyle/>
+                    <a:p>
+                      <a:pPr algn="ctr"/>
+                      <a:r>
+                        <a:rPr lang="en-US" altLang="ko-KR" sz="2800" dirty="0">
+                          <a:effectLst/>
+                        </a:rPr>
+                        <a:t>1</a:t>
+                      </a:r>
+                    </a:p>
+                  </a:txBody>
+                  <a:tcPr marL="60960" marR="60960" marT="60960" marB="60960" anchor="ctr"/>
+                </a:tc>
+                <a:extLst>
+                  <a:ext uri="{0D108BD9-81ED-4DB2-BD59-A6C34878D82A}">
+                    <a16:rowId xmlns:a16="http://schemas.microsoft.com/office/drawing/2014/main" val="3051806589"/>
+                  </a:ext>
+                </a:extLst>
+              </a:tr>
+            </a:tbl>
+          </a:graphicData>
+        </a:graphic>
+      </p:graphicFrame>
+    </p:spTree>
+    <p:extLst>
+      <p:ext uri="{BB962C8B-B14F-4D97-AF65-F5344CB8AC3E}">
+        <p14:creationId xmlns:p14="http://schemas.microsoft.com/office/powerpoint/2010/main" val="3923545920"/>
+      </p:ext>
+    </p:extLst>
+  </p:cSld>
+  <p:clrMapOvr>
+    <a:masterClrMapping/>
+  </p:clrMapOvr>
+</p:sld>
+</file>
+
+<file path=ppt/slides/slide41.xml><?xml version="1.0" encoding="utf-8"?>
+<p:sld xmlns:a="http://schemas.openxmlformats.org/drawingml/2006/main" xmlns:r="http://schemas.openxmlformats.org/officeDocument/2006/relationships" xmlns:p="http://schemas.openxmlformats.org/presentationml/2006/main">
+  <p:cSld>
+    <p:spTree>
+      <p:nvGrpSpPr>
+        <p:cNvPr id="1" name=""/>
+        <p:cNvGrpSpPr/>
+        <p:nvPr/>
+      </p:nvGrpSpPr>
+      <p:grpSpPr>
+        <a:xfrm>
+          <a:off x="0" y="0"/>
+          <a:ext cx="0" cy="0"/>
+          <a:chOff x="0" y="0"/>
+          <a:chExt cx="0" cy="0"/>
+        </a:xfrm>
+      </p:grpSpPr>
+      <p:sp>
+        <p:nvSpPr>
+          <p:cNvPr id="2" name="제목 1">
+            <a:extLst>
+              <a:ext uri="{FF2B5EF4-FFF2-40B4-BE49-F238E27FC236}">
+                <a16:creationId xmlns:a16="http://schemas.microsoft.com/office/drawing/2014/main" id="{3AB03B77-F18B-0016-7ACF-289DE8902C59}"/>
+              </a:ext>
+            </a:extLst>
+          </p:cNvPr>
+          <p:cNvSpPr>
+            <a:spLocks noGrp="1"/>
+          </p:cNvSpPr>
+          <p:nvPr>
+            <p:ph type="title"/>
+          </p:nvPr>
+        </p:nvSpPr>
+        <p:spPr/>
+        <p:txBody>
+          <a:bodyPr/>
+          <a:lstStyle/>
+          <a:p>
+            <a:r>
+              <a:rPr lang="ko-KR" altLang="en-US" dirty="0"/>
+              <a:t>비트 연산자</a:t>
+            </a:r>
+          </a:p>
+        </p:txBody>
+      </p:sp>
+      <p:graphicFrame>
+        <p:nvGraphicFramePr>
+          <p:cNvPr id="5" name="표 4">
+            <a:extLst>
+              <a:ext uri="{FF2B5EF4-FFF2-40B4-BE49-F238E27FC236}">
+                <a16:creationId xmlns:a16="http://schemas.microsoft.com/office/drawing/2014/main" id="{D1155A4F-3181-9065-46F3-62AF70F84B05}"/>
+              </a:ext>
+            </a:extLst>
+          </p:cNvPr>
+          <p:cNvGraphicFramePr>
+            <a:graphicFrameLocks noGrp="1"/>
+          </p:cNvGraphicFramePr>
+          <p:nvPr>
+            <p:extLst>
+              <p:ext uri="{D42A27DB-BD31-4B8C-83A1-F6EECF244321}">
+                <p14:modId xmlns:p14="http://schemas.microsoft.com/office/powerpoint/2010/main" val="2248235642"/>
+              </p:ext>
+            </p:extLst>
+          </p:nvPr>
+        </p:nvGraphicFramePr>
+        <p:xfrm>
+          <a:off x="1754372" y="1746262"/>
+          <a:ext cx="9346018" cy="4552621"/>
+        </p:xfrm>
+        <a:graphic>
+          <a:graphicData uri="http://schemas.openxmlformats.org/drawingml/2006/table">
+            <a:tbl>
+              <a:tblPr>
+                <a:tableStyleId>{5940675A-B579-460E-94D1-54222C63F5DA}</a:tableStyleId>
+              </a:tblPr>
+              <a:tblGrid>
+                <a:gridCol w="934602">
+                  <a:extLst>
+                    <a:ext uri="{9D8B030D-6E8A-4147-A177-3AD203B41FA5}">
+                      <a16:colId xmlns:a16="http://schemas.microsoft.com/office/drawing/2014/main" val="3869800989"/>
+                    </a:ext>
+                  </a:extLst>
+                </a:gridCol>
+                <a:gridCol w="4205708">
+                  <a:extLst>
+                    <a:ext uri="{9D8B030D-6E8A-4147-A177-3AD203B41FA5}">
+                      <a16:colId xmlns:a16="http://schemas.microsoft.com/office/drawing/2014/main" val="25986214"/>
+                    </a:ext>
+                  </a:extLst>
+                </a:gridCol>
+                <a:gridCol w="4205708">
+                  <a:extLst>
+                    <a:ext uri="{9D8B030D-6E8A-4147-A177-3AD203B41FA5}">
+                      <a16:colId xmlns:a16="http://schemas.microsoft.com/office/drawing/2014/main" val="1392051765"/>
+                    </a:ext>
+                  </a:extLst>
+                </a:gridCol>
+              </a:tblGrid>
+              <a:tr h="403867">
+                <a:tc>
+                  <a:txBody>
+                    <a:bodyPr/>
+                    <a:lstStyle/>
+                    <a:p>
+                      <a:pPr algn="ctr"/>
+                      <a:r>
+                        <a:rPr lang="en-US" sz="1600" b="1" dirty="0">
+                          <a:effectLst/>
+                        </a:rPr>
+                        <a:t>Operator</a:t>
+                      </a:r>
+                      <a:endParaRPr lang="en-US" sz="1600" b="1" dirty="0">
+                        <a:effectLst/>
+                        <a:latin typeface="inherit"/>
+                      </a:endParaRPr>
+                    </a:p>
+                  </a:txBody>
+                  <a:tcPr marL="26056" marR="26056" marT="26056" marB="26056" anchor="ctr">
+                    <a:solidFill>
+                      <a:srgbClr val="FFFF00"/>
+                    </a:solidFill>
+                  </a:tcPr>
+                </a:tc>
+                <a:tc>
+                  <a:txBody>
+                    <a:bodyPr/>
+                    <a:lstStyle/>
+                    <a:p>
+                      <a:pPr algn="ctr"/>
+                      <a:r>
+                        <a:rPr lang="en-US" sz="1600" b="1">
+                          <a:effectLst/>
+                        </a:rPr>
+                        <a:t>Description</a:t>
+                      </a:r>
+                      <a:endParaRPr lang="en-US" sz="1600" b="1">
+                        <a:effectLst/>
+                        <a:latin typeface="inherit"/>
+                      </a:endParaRPr>
+                    </a:p>
+                  </a:txBody>
+                  <a:tcPr marL="26056" marR="26056" marT="26056" marB="26056" anchor="ctr">
+                    <a:solidFill>
+                      <a:srgbClr val="FFFF00"/>
+                    </a:solidFill>
+                  </a:tcPr>
+                </a:tc>
+                <a:tc>
+                  <a:txBody>
+                    <a:bodyPr/>
+                    <a:lstStyle/>
+                    <a:p>
+                      <a:pPr algn="ctr"/>
+                      <a:r>
+                        <a:rPr lang="en-US" sz="1600" b="1" dirty="0">
+                          <a:effectLst/>
+                        </a:rPr>
+                        <a:t>Example</a:t>
+                      </a:r>
+                      <a:endParaRPr lang="en-US" sz="1600" b="1" dirty="0">
+                        <a:effectLst/>
+                        <a:latin typeface="inherit"/>
+                      </a:endParaRPr>
+                    </a:p>
+                  </a:txBody>
+                  <a:tcPr marL="26056" marR="26056" marT="26056" marB="26056" anchor="ctr">
+                    <a:solidFill>
+                      <a:srgbClr val="FFFF00"/>
+                    </a:solidFill>
+                  </a:tcPr>
+                </a:tc>
+                <a:extLst>
+                  <a:ext uri="{0D108BD9-81ED-4DB2-BD59-A6C34878D82A}">
+                    <a16:rowId xmlns:a16="http://schemas.microsoft.com/office/drawing/2014/main" val="2385372571"/>
+                  </a:ext>
+                </a:extLst>
+              </a:tr>
+              <a:tr h="521118">
+                <a:tc>
+                  <a:txBody>
+                    <a:bodyPr/>
+                    <a:lstStyle/>
+                    <a:p>
+                      <a:pPr algn="ctr"/>
+                      <a:r>
+                        <a:rPr lang="en-US" altLang="ko-KR" sz="1600" dirty="0">
+                          <a:effectLst/>
+                        </a:rPr>
+                        <a:t>&amp;</a:t>
+                      </a:r>
+                    </a:p>
+                  </a:txBody>
+                  <a:tcPr marL="26056" marR="26056" marT="26056" marB="26056" anchor="ctr"/>
+                </a:tc>
+                <a:tc>
+                  <a:txBody>
+                    <a:bodyPr/>
+                    <a:lstStyle/>
+                    <a:p>
+                      <a:pPr algn="l"/>
+                      <a:r>
+                        <a:rPr lang="en-US" sz="1600">
+                          <a:effectLst/>
+                        </a:rPr>
+                        <a:t>Binary AND Operator copies a bit to the result if it exists in both operands.</a:t>
+                      </a:r>
+                    </a:p>
+                  </a:txBody>
+                  <a:tcPr marL="26056" marR="26056" marT="26056" marB="26056" anchor="ctr"/>
+                </a:tc>
+                <a:tc>
+                  <a:txBody>
+                    <a:bodyPr/>
+                    <a:lstStyle/>
+                    <a:p>
+                      <a:pPr algn="l" fontAlgn="ctr"/>
+                      <a:r>
+                        <a:rPr lang="en-US" sz="1600">
+                          <a:effectLst/>
+                        </a:rPr>
+                        <a:t>(A &amp; B) will give 12 which is 0000 1100</a:t>
+                      </a:r>
+                    </a:p>
+                  </a:txBody>
+                  <a:tcPr marL="26056" marR="26056" marT="26056" marB="26056" anchor="ctr"/>
+                </a:tc>
+                <a:extLst>
+                  <a:ext uri="{0D108BD9-81ED-4DB2-BD59-A6C34878D82A}">
+                    <a16:rowId xmlns:a16="http://schemas.microsoft.com/office/drawing/2014/main" val="2902957457"/>
+                  </a:ext>
+                </a:extLst>
+              </a:tr>
+              <a:tr h="521118">
+                <a:tc>
+                  <a:txBody>
+                    <a:bodyPr/>
+                    <a:lstStyle/>
+                    <a:p>
+                      <a:pPr algn="ctr"/>
+                      <a:r>
+                        <a:rPr lang="en-US" altLang="ko-KR" sz="1600">
+                          <a:effectLst/>
+                        </a:rPr>
+                        <a:t>|</a:t>
+                      </a:r>
+                    </a:p>
+                  </a:txBody>
+                  <a:tcPr marL="26056" marR="26056" marT="26056" marB="26056" anchor="ctr"/>
+                </a:tc>
+                <a:tc>
+                  <a:txBody>
+                    <a:bodyPr/>
+                    <a:lstStyle/>
+                    <a:p>
+                      <a:pPr algn="l"/>
+                      <a:r>
+                        <a:rPr lang="en-US" sz="1600" dirty="0">
+                          <a:effectLst/>
+                        </a:rPr>
+                        <a:t>Binary OR Operator copies a bit if it exists in either operand.</a:t>
+                      </a:r>
+                    </a:p>
+                  </a:txBody>
+                  <a:tcPr marL="26056" marR="26056" marT="26056" marB="26056" anchor="ctr"/>
+                </a:tc>
+                <a:tc>
+                  <a:txBody>
+                    <a:bodyPr/>
+                    <a:lstStyle/>
+                    <a:p>
+                      <a:pPr algn="l"/>
+                      <a:r>
+                        <a:rPr lang="en-US" sz="1600">
+                          <a:effectLst/>
+                        </a:rPr>
+                        <a:t>(A | B) will give 61 which is 0011 1101</a:t>
+                      </a:r>
+                    </a:p>
+                  </a:txBody>
+                  <a:tcPr marL="26056" marR="26056" marT="26056" marB="26056" anchor="ctr"/>
+                </a:tc>
+                <a:extLst>
+                  <a:ext uri="{0D108BD9-81ED-4DB2-BD59-A6C34878D82A}">
+                    <a16:rowId xmlns:a16="http://schemas.microsoft.com/office/drawing/2014/main" val="1490551788"/>
+                  </a:ext>
+                </a:extLst>
+              </a:tr>
+              <a:tr h="521118">
+                <a:tc>
+                  <a:txBody>
+                    <a:bodyPr/>
+                    <a:lstStyle/>
+                    <a:p>
+                      <a:pPr algn="ctr"/>
+                      <a:r>
+                        <a:rPr lang="en-US" altLang="ko-KR" sz="1600">
+                          <a:effectLst/>
+                        </a:rPr>
+                        <a:t>^</a:t>
+                      </a:r>
+                    </a:p>
+                  </a:txBody>
+                  <a:tcPr marL="26056" marR="26056" marT="26056" marB="26056" anchor="ctr"/>
+                </a:tc>
+                <a:tc>
+                  <a:txBody>
+                    <a:bodyPr/>
+                    <a:lstStyle/>
+                    <a:p>
+                      <a:pPr algn="l"/>
+                      <a:r>
+                        <a:rPr lang="en-US" sz="1600">
+                          <a:effectLst/>
+                        </a:rPr>
+                        <a:t>Binary XOR Operator copies the bit if it is set in one operand but not both.</a:t>
+                      </a:r>
+                    </a:p>
+                  </a:txBody>
+                  <a:tcPr marL="26056" marR="26056" marT="26056" marB="26056" anchor="ctr"/>
+                </a:tc>
+                <a:tc>
+                  <a:txBody>
+                    <a:bodyPr/>
+                    <a:lstStyle/>
+                    <a:p>
+                      <a:pPr algn="l" fontAlgn="ctr"/>
+                      <a:r>
+                        <a:rPr lang="en-US" sz="1600">
+                          <a:effectLst/>
+                        </a:rPr>
+                        <a:t>(A ^ B) will give 49 which is 0011 0001</a:t>
+                      </a:r>
+                    </a:p>
+                  </a:txBody>
+                  <a:tcPr marL="26056" marR="26056" marT="26056" marB="26056" anchor="ctr"/>
+                </a:tc>
+                <a:extLst>
+                  <a:ext uri="{0D108BD9-81ED-4DB2-BD59-A6C34878D82A}">
+                    <a16:rowId xmlns:a16="http://schemas.microsoft.com/office/drawing/2014/main" val="4203468456"/>
+                  </a:ext>
+                </a:extLst>
+              </a:tr>
+              <a:tr h="638370">
+                <a:tc>
+                  <a:txBody>
+                    <a:bodyPr/>
+                    <a:lstStyle/>
+                    <a:p>
+                      <a:pPr algn="ctr"/>
+                      <a:r>
+                        <a:rPr lang="en-US" altLang="ko-KR" sz="1600">
+                          <a:effectLst/>
+                        </a:rPr>
+                        <a:t>~</a:t>
+                      </a:r>
+                    </a:p>
+                  </a:txBody>
+                  <a:tcPr marL="26056" marR="26056" marT="26056" marB="26056" anchor="ctr"/>
+                </a:tc>
+                <a:tc>
+                  <a:txBody>
+                    <a:bodyPr/>
+                    <a:lstStyle/>
+                    <a:p>
+                      <a:pPr algn="l"/>
+                      <a:r>
+                        <a:rPr lang="en-US" sz="1600" dirty="0">
+                          <a:effectLst/>
+                        </a:rPr>
+                        <a:t>Binary Ones Complement Operator is unary and has the effect of 'flipping' bits.</a:t>
+                      </a:r>
+                    </a:p>
+                  </a:txBody>
+                  <a:tcPr marL="26056" marR="26056" marT="26056" marB="26056" anchor="ctr"/>
+                </a:tc>
+                <a:tc>
+                  <a:txBody>
+                    <a:bodyPr/>
+                    <a:lstStyle/>
+                    <a:p>
+                      <a:pPr algn="l"/>
+                      <a:r>
+                        <a:rPr lang="en-US" sz="1600" dirty="0">
+                          <a:effectLst/>
+                        </a:rPr>
+                        <a:t>(~A ) will give -61 which is 1100 0011 in 2's complement form due to a signed binary number.</a:t>
+                      </a:r>
+                    </a:p>
+                  </a:txBody>
+                  <a:tcPr marL="26056" marR="26056" marT="26056" marB="26056" anchor="ctr"/>
+                </a:tc>
+                <a:extLst>
+                  <a:ext uri="{0D108BD9-81ED-4DB2-BD59-A6C34878D82A}">
+                    <a16:rowId xmlns:a16="http://schemas.microsoft.com/office/drawing/2014/main" val="3515760141"/>
+                  </a:ext>
+                </a:extLst>
+              </a:tr>
+              <a:tr h="872873">
+                <a:tc>
+                  <a:txBody>
+                    <a:bodyPr/>
+                    <a:lstStyle/>
+                    <a:p>
+                      <a:pPr algn="ctr"/>
+                      <a:r>
+                        <a:rPr lang="en-US" altLang="ko-KR" sz="1600">
+                          <a:effectLst/>
+                        </a:rPr>
+                        <a:t>&lt;&lt;</a:t>
+                      </a:r>
+                    </a:p>
+                  </a:txBody>
+                  <a:tcPr marL="26056" marR="26056" marT="26056" marB="26056" anchor="ctr"/>
+                </a:tc>
+                <a:tc>
+                  <a:txBody>
+                    <a:bodyPr/>
+                    <a:lstStyle/>
+                    <a:p>
+                      <a:pPr algn="l"/>
+                      <a:r>
+                        <a:rPr lang="en-US" sz="1600">
+                          <a:effectLst/>
+                        </a:rPr>
+                        <a:t>Binary Left Shift Operator. The left operands value is moved left by the number of bits specified by the right operand.</a:t>
+                      </a:r>
+                    </a:p>
+                  </a:txBody>
+                  <a:tcPr marL="26056" marR="26056" marT="26056" marB="26056" anchor="ctr"/>
+                </a:tc>
+                <a:tc>
+                  <a:txBody>
+                    <a:bodyPr/>
+                    <a:lstStyle/>
+                    <a:p>
+                      <a:pPr algn="l" fontAlgn="ctr"/>
+                      <a:r>
+                        <a:rPr lang="en-US" sz="1600" dirty="0">
+                          <a:effectLst/>
+                        </a:rPr>
+                        <a:t>A &lt;&lt; 2 will give 240 which is 1111 0000</a:t>
+                      </a:r>
+                    </a:p>
+                  </a:txBody>
+                  <a:tcPr marL="26056" marR="26056" marT="26056" marB="26056" anchor="ctr"/>
+                </a:tc>
+                <a:extLst>
+                  <a:ext uri="{0D108BD9-81ED-4DB2-BD59-A6C34878D82A}">
+                    <a16:rowId xmlns:a16="http://schemas.microsoft.com/office/drawing/2014/main" val="3917647979"/>
+                  </a:ext>
+                </a:extLst>
+              </a:tr>
+              <a:tr h="872873">
+                <a:tc>
+                  <a:txBody>
+                    <a:bodyPr/>
+                    <a:lstStyle/>
+                    <a:p>
+                      <a:pPr algn="ctr"/>
+                      <a:r>
+                        <a:rPr lang="en-US" altLang="ko-KR" sz="1600">
+                          <a:effectLst/>
+                        </a:rPr>
+                        <a:t>&gt;&gt;</a:t>
+                      </a:r>
+                    </a:p>
+                  </a:txBody>
+                  <a:tcPr marL="26056" marR="26056" marT="26056" marB="26056" anchor="ctr"/>
+                </a:tc>
+                <a:tc>
+                  <a:txBody>
+                    <a:bodyPr/>
+                    <a:lstStyle/>
+                    <a:p>
+                      <a:pPr algn="l"/>
+                      <a:r>
+                        <a:rPr lang="en-US" sz="1600">
+                          <a:effectLst/>
+                        </a:rPr>
+                        <a:t>Binary Right Shift Operator. The left operands value is moved right by the number of bits specified by the right operand.</a:t>
+                      </a:r>
+                    </a:p>
+                  </a:txBody>
+                  <a:tcPr marL="26056" marR="26056" marT="26056" marB="26056" anchor="ctr"/>
+                </a:tc>
+                <a:tc>
+                  <a:txBody>
+                    <a:bodyPr/>
+                    <a:lstStyle/>
+                    <a:p>
+                      <a:pPr algn="l" fontAlgn="ctr"/>
+                      <a:r>
+                        <a:rPr lang="en-US" sz="1600" dirty="0">
+                          <a:effectLst/>
+                        </a:rPr>
+                        <a:t>A &gt;&gt; 2 will give 15 which is 0000 1111</a:t>
+                      </a:r>
+                    </a:p>
+                  </a:txBody>
+                  <a:tcPr marL="26056" marR="26056" marT="26056" marB="26056" anchor="ctr"/>
+                </a:tc>
+                <a:extLst>
+                  <a:ext uri="{0D108BD9-81ED-4DB2-BD59-A6C34878D82A}">
+                    <a16:rowId xmlns:a16="http://schemas.microsoft.com/office/drawing/2014/main" val="3167851409"/>
+                  </a:ext>
+                </a:extLst>
+              </a:tr>
+            </a:tbl>
+          </a:graphicData>
+        </a:graphic>
+      </p:graphicFrame>
+    </p:spTree>
+    <p:extLst>
+      <p:ext uri="{BB962C8B-B14F-4D97-AF65-F5344CB8AC3E}">
+        <p14:creationId xmlns:p14="http://schemas.microsoft.com/office/powerpoint/2010/main" val="2898184622"/>
+      </p:ext>
+    </p:extLst>
+  </p:cSld>
+  <p:clrMapOvr>
+    <a:masterClrMapping/>
+  </p:clrMapOvr>
+</p:sld>
+</file>
+
+<file path=ppt/slides/slide42.xml><?xml version="1.0" encoding="utf-8"?>
+<p:sld xmlns:a="http://schemas.openxmlformats.org/drawingml/2006/main" xmlns:r="http://schemas.openxmlformats.org/officeDocument/2006/relationships" xmlns:p="http://schemas.openxmlformats.org/presentationml/2006/main">
+  <p:cSld>
+    <p:spTree>
+      <p:nvGrpSpPr>
+        <p:cNvPr id="1" name=""/>
+        <p:cNvGrpSpPr/>
+        <p:nvPr/>
+      </p:nvGrpSpPr>
+      <p:grpSpPr>
+        <a:xfrm>
+          <a:off x="0" y="0"/>
+          <a:ext cx="0" cy="0"/>
+          <a:chOff x="0" y="0"/>
+          <a:chExt cx="0" cy="0"/>
+        </a:xfrm>
+      </p:grpSpPr>
+      <p:sp>
+        <p:nvSpPr>
+          <p:cNvPr id="2" name="제목 1">
+            <a:extLst>
+              <a:ext uri="{FF2B5EF4-FFF2-40B4-BE49-F238E27FC236}">
+                <a16:creationId xmlns:a16="http://schemas.microsoft.com/office/drawing/2014/main" id="{81F7ABF0-71DB-1B82-A2FA-C2D55FB98AF8}"/>
+              </a:ext>
+            </a:extLst>
+          </p:cNvPr>
+          <p:cNvSpPr>
+            <a:spLocks noGrp="1"/>
+          </p:cNvSpPr>
+          <p:nvPr>
+            <p:ph type="title"/>
+          </p:nvPr>
+        </p:nvSpPr>
+        <p:spPr/>
+        <p:txBody>
+          <a:bodyPr/>
+          <a:lstStyle/>
+          <a:p>
+            <a:r>
+              <a:rPr lang="ko-KR" altLang="en-US" dirty="0"/>
+              <a:t>할당 연산자 </a:t>
+            </a:r>
+          </a:p>
+        </p:txBody>
+      </p:sp>
+      <p:graphicFrame>
+        <p:nvGraphicFramePr>
+          <p:cNvPr id="5" name="표 4">
+            <a:extLst>
+              <a:ext uri="{FF2B5EF4-FFF2-40B4-BE49-F238E27FC236}">
+                <a16:creationId xmlns:a16="http://schemas.microsoft.com/office/drawing/2014/main" id="{427B7B6E-A249-ADC2-AB72-FFB9E384BEBC}"/>
+              </a:ext>
+            </a:extLst>
+          </p:cNvPr>
+          <p:cNvGraphicFramePr>
+            <a:graphicFrameLocks noGrp="1"/>
+          </p:cNvGraphicFramePr>
+          <p:nvPr>
+            <p:extLst>
+              <p:ext uri="{D42A27DB-BD31-4B8C-83A1-F6EECF244321}">
+                <p14:modId xmlns:p14="http://schemas.microsoft.com/office/powerpoint/2010/main" val="1083499808"/>
+              </p:ext>
+            </p:extLst>
+          </p:nvPr>
+        </p:nvGraphicFramePr>
+        <p:xfrm>
+          <a:off x="467833" y="1379055"/>
+          <a:ext cx="11366204" cy="5052360"/>
+        </p:xfrm>
+        <a:graphic>
+          <a:graphicData uri="http://schemas.openxmlformats.org/drawingml/2006/table">
+            <a:tbl>
+              <a:tblPr>
+                <a:tableStyleId>{5940675A-B579-460E-94D1-54222C63F5DA}</a:tableStyleId>
+              </a:tblPr>
+              <a:tblGrid>
+                <a:gridCol w="1389046">
+                  <a:extLst>
+                    <a:ext uri="{9D8B030D-6E8A-4147-A177-3AD203B41FA5}">
+                      <a16:colId xmlns:a16="http://schemas.microsoft.com/office/drawing/2014/main" val="1902579093"/>
+                    </a:ext>
+                  </a:extLst>
+                </a:gridCol>
+                <a:gridCol w="5751132">
+                  <a:extLst>
+                    <a:ext uri="{9D8B030D-6E8A-4147-A177-3AD203B41FA5}">
+                      <a16:colId xmlns:a16="http://schemas.microsoft.com/office/drawing/2014/main" val="1718955261"/>
+                    </a:ext>
+                  </a:extLst>
+                </a:gridCol>
+                <a:gridCol w="4226026">
+                  <a:extLst>
+                    <a:ext uri="{9D8B030D-6E8A-4147-A177-3AD203B41FA5}">
+                      <a16:colId xmlns:a16="http://schemas.microsoft.com/office/drawing/2014/main" val="2649545644"/>
+                    </a:ext>
+                  </a:extLst>
+                </a:gridCol>
+              </a:tblGrid>
+              <a:tr h="270866">
+                <a:tc>
+                  <a:txBody>
+                    <a:bodyPr/>
+                    <a:lstStyle/>
+                    <a:p>
+                      <a:pPr algn="ctr"/>
+                      <a:r>
+                        <a:rPr lang="en-US" sz="1600" b="1" dirty="0">
+                          <a:effectLst/>
+                        </a:rPr>
+                        <a:t>Operator</a:t>
+                      </a:r>
+                      <a:endParaRPr lang="en-US" sz="1600" b="1" dirty="0">
+                        <a:effectLst/>
+                        <a:latin typeface="inherit"/>
+                      </a:endParaRPr>
+                    </a:p>
+                  </a:txBody>
+                  <a:tcPr marL="17475" marR="17475" marT="17475" marB="17475" anchor="ctr">
+                    <a:solidFill>
+                      <a:srgbClr val="FFFF00"/>
+                    </a:solidFill>
+                  </a:tcPr>
+                </a:tc>
+                <a:tc>
+                  <a:txBody>
+                    <a:bodyPr/>
+                    <a:lstStyle/>
+                    <a:p>
+                      <a:pPr algn="ctr"/>
+                      <a:r>
+                        <a:rPr lang="en-US" sz="1600" b="1" dirty="0">
+                          <a:effectLst/>
+                        </a:rPr>
+                        <a:t>Description</a:t>
+                      </a:r>
+                      <a:endParaRPr lang="en-US" sz="1600" b="1" dirty="0">
+                        <a:effectLst/>
+                        <a:latin typeface="inherit"/>
+                      </a:endParaRPr>
+                    </a:p>
+                  </a:txBody>
+                  <a:tcPr marL="17475" marR="17475" marT="17475" marB="17475" anchor="ctr">
+                    <a:solidFill>
+                      <a:srgbClr val="FFFF00"/>
+                    </a:solidFill>
+                  </a:tcPr>
+                </a:tc>
+                <a:tc>
+                  <a:txBody>
+                    <a:bodyPr/>
+                    <a:lstStyle/>
+                    <a:p>
+                      <a:pPr algn="ctr"/>
+                      <a:r>
+                        <a:rPr lang="en-US" sz="1600" b="1" dirty="0">
+                          <a:effectLst/>
+                        </a:rPr>
+                        <a:t>Example</a:t>
+                      </a:r>
+                      <a:endParaRPr lang="en-US" sz="1600" b="1" dirty="0">
+                        <a:effectLst/>
+                        <a:latin typeface="inherit"/>
+                      </a:endParaRPr>
+                    </a:p>
+                  </a:txBody>
+                  <a:tcPr marL="17475" marR="17475" marT="17475" marB="17475" anchor="ctr">
+                    <a:solidFill>
+                      <a:srgbClr val="FFFF00"/>
+                    </a:solidFill>
+                  </a:tcPr>
+                </a:tc>
+                <a:extLst>
+                  <a:ext uri="{0D108BD9-81ED-4DB2-BD59-A6C34878D82A}">
+                    <a16:rowId xmlns:a16="http://schemas.microsoft.com/office/drawing/2014/main" val="1926503257"/>
+                  </a:ext>
+                </a:extLst>
+              </a:tr>
+              <a:tr h="428144">
+                <a:tc>
+                  <a:txBody>
+                    <a:bodyPr/>
+                    <a:lstStyle/>
+                    <a:p>
+                      <a:pPr algn="ctr"/>
+                      <a:r>
+                        <a:rPr lang="en-US" altLang="ko-KR" sz="1600">
+                          <a:effectLst/>
+                        </a:rPr>
+                        <a:t>=</a:t>
+                      </a:r>
+                    </a:p>
+                  </a:txBody>
+                  <a:tcPr marL="17475" marR="17475" marT="17475" marB="17475" anchor="ctr"/>
+                </a:tc>
+                <a:tc>
+                  <a:txBody>
+                    <a:bodyPr/>
+                    <a:lstStyle/>
+                    <a:p>
+                      <a:pPr algn="l"/>
+                      <a:r>
+                        <a:rPr lang="en-US" sz="1600" dirty="0">
+                          <a:effectLst/>
+                        </a:rPr>
+                        <a:t>Simple assignment operator, Assigns values from right side operands to left side operand.</a:t>
+                      </a:r>
+                    </a:p>
+                  </a:txBody>
+                  <a:tcPr marL="17475" marR="17475" marT="17475" marB="17475" anchor="ctr"/>
+                </a:tc>
+                <a:tc>
+                  <a:txBody>
+                    <a:bodyPr/>
+                    <a:lstStyle/>
+                    <a:p>
+                      <a:pPr algn="l" fontAlgn="ctr"/>
+                      <a:r>
+                        <a:rPr lang="en-US" sz="1600" dirty="0">
+                          <a:effectLst/>
+                        </a:rPr>
+                        <a:t>C = A + B will assign value of A + B into C</a:t>
+                      </a:r>
+                    </a:p>
+                  </a:txBody>
+                  <a:tcPr marL="17475" marR="17475" marT="17475" marB="17475" anchor="ctr"/>
+                </a:tc>
+                <a:extLst>
+                  <a:ext uri="{0D108BD9-81ED-4DB2-BD59-A6C34878D82A}">
+                    <a16:rowId xmlns:a16="http://schemas.microsoft.com/office/drawing/2014/main" val="1337504930"/>
+                  </a:ext>
+                </a:extLst>
+              </a:tr>
+              <a:tr h="506782">
+                <a:tc>
+                  <a:txBody>
+                    <a:bodyPr/>
+                    <a:lstStyle/>
+                    <a:p>
+                      <a:pPr algn="ctr"/>
+                      <a:r>
+                        <a:rPr lang="en-US" altLang="ko-KR" sz="1600">
+                          <a:effectLst/>
+                        </a:rPr>
+                        <a:t>+=</a:t>
+                      </a:r>
+                    </a:p>
+                  </a:txBody>
+                  <a:tcPr marL="17475" marR="17475" marT="17475" marB="17475" anchor="ctr"/>
+                </a:tc>
+                <a:tc>
+                  <a:txBody>
+                    <a:bodyPr/>
+                    <a:lstStyle/>
+                    <a:p>
+                      <a:pPr algn="l"/>
+                      <a:r>
+                        <a:rPr lang="en-US" sz="1600">
+                          <a:effectLst/>
+                        </a:rPr>
+                        <a:t>Add AND assignment operator, It adds right operand to the left operand and assign the result to left operand.</a:t>
+                      </a:r>
+                    </a:p>
+                  </a:txBody>
+                  <a:tcPr marL="17475" marR="17475" marT="17475" marB="17475" anchor="ctr"/>
+                </a:tc>
+                <a:tc>
+                  <a:txBody>
+                    <a:bodyPr/>
+                    <a:lstStyle/>
+                    <a:p>
+                      <a:pPr algn="l" fontAlgn="ctr"/>
+                      <a:r>
+                        <a:rPr lang="en-US" sz="1600">
+                          <a:effectLst/>
+                        </a:rPr>
+                        <a:t>C += A is equivalent to C = C + A</a:t>
+                      </a:r>
+                    </a:p>
+                  </a:txBody>
+                  <a:tcPr marL="17475" marR="17475" marT="17475" marB="17475" anchor="ctr"/>
+                </a:tc>
+                <a:extLst>
+                  <a:ext uri="{0D108BD9-81ED-4DB2-BD59-A6C34878D82A}">
+                    <a16:rowId xmlns:a16="http://schemas.microsoft.com/office/drawing/2014/main" val="3107730898"/>
+                  </a:ext>
+                </a:extLst>
+              </a:tr>
+              <a:tr h="506782">
+                <a:tc>
+                  <a:txBody>
+                    <a:bodyPr/>
+                    <a:lstStyle/>
+                    <a:p>
+                      <a:pPr algn="ctr"/>
+                      <a:r>
+                        <a:rPr lang="en-US" altLang="ko-KR" sz="1600">
+                          <a:effectLst/>
+                        </a:rPr>
+                        <a:t>-=</a:t>
+                      </a:r>
+                    </a:p>
+                  </a:txBody>
+                  <a:tcPr marL="17475" marR="17475" marT="17475" marB="17475" anchor="ctr"/>
+                </a:tc>
+                <a:tc>
+                  <a:txBody>
+                    <a:bodyPr/>
+                    <a:lstStyle/>
+                    <a:p>
+                      <a:pPr algn="l"/>
+                      <a:r>
+                        <a:rPr lang="en-US" sz="1600">
+                          <a:effectLst/>
+                        </a:rPr>
+                        <a:t>Subtract AND assignment operator, It subtracts right operand from the left operand and assign the result to left operand.</a:t>
+                      </a:r>
+                    </a:p>
+                  </a:txBody>
+                  <a:tcPr marL="17475" marR="17475" marT="17475" marB="17475" anchor="ctr"/>
+                </a:tc>
+                <a:tc>
+                  <a:txBody>
+                    <a:bodyPr/>
+                    <a:lstStyle/>
+                    <a:p>
+                      <a:pPr algn="l" fontAlgn="ctr"/>
+                      <a:r>
+                        <a:rPr lang="en-US" sz="1600">
+                          <a:effectLst/>
+                        </a:rPr>
+                        <a:t>C -= A is equivalent to C = C - A</a:t>
+                      </a:r>
+                    </a:p>
+                  </a:txBody>
+                  <a:tcPr marL="17475" marR="17475" marT="17475" marB="17475" anchor="ctr"/>
+                </a:tc>
+                <a:extLst>
+                  <a:ext uri="{0D108BD9-81ED-4DB2-BD59-A6C34878D82A}">
+                    <a16:rowId xmlns:a16="http://schemas.microsoft.com/office/drawing/2014/main" val="1641911056"/>
+                  </a:ext>
+                </a:extLst>
+              </a:tr>
+              <a:tr h="506782">
+                <a:tc>
+                  <a:txBody>
+                    <a:bodyPr/>
+                    <a:lstStyle/>
+                    <a:p>
+                      <a:pPr algn="ctr"/>
+                      <a:r>
+                        <a:rPr lang="ko-KR" altLang="en-US" sz="1600">
+                          <a:effectLst/>
+                        </a:rPr>
+                        <a:t>*</a:t>
+                      </a:r>
+                      <a:r>
+                        <a:rPr lang="en-US" altLang="ko-KR" sz="1600">
+                          <a:effectLst/>
+                        </a:rPr>
+                        <a:t>=</a:t>
+                      </a:r>
+                    </a:p>
+                  </a:txBody>
+                  <a:tcPr marL="17475" marR="17475" marT="17475" marB="17475" anchor="ctr"/>
+                </a:tc>
+                <a:tc>
+                  <a:txBody>
+                    <a:bodyPr/>
+                    <a:lstStyle/>
+                    <a:p>
+                      <a:pPr algn="l"/>
+                      <a:r>
+                        <a:rPr lang="en-US" sz="1600">
+                          <a:effectLst/>
+                        </a:rPr>
+                        <a:t>Multiply AND assignment operator, It multiplies right operand with the left operand and assign the result to left operand.</a:t>
+                      </a:r>
+                    </a:p>
+                  </a:txBody>
+                  <a:tcPr marL="17475" marR="17475" marT="17475" marB="17475" anchor="ctr"/>
+                </a:tc>
+                <a:tc>
+                  <a:txBody>
+                    <a:bodyPr/>
+                    <a:lstStyle/>
+                    <a:p>
+                      <a:pPr algn="l" fontAlgn="ctr"/>
+                      <a:r>
+                        <a:rPr lang="en-US" sz="1600">
+                          <a:effectLst/>
+                        </a:rPr>
+                        <a:t>C *= A is equivalent to C = C * A</a:t>
+                      </a:r>
+                    </a:p>
+                  </a:txBody>
+                  <a:tcPr marL="17475" marR="17475" marT="17475" marB="17475" anchor="ctr"/>
+                </a:tc>
+                <a:extLst>
+                  <a:ext uri="{0D108BD9-81ED-4DB2-BD59-A6C34878D82A}">
+                    <a16:rowId xmlns:a16="http://schemas.microsoft.com/office/drawing/2014/main" val="3302225138"/>
+                  </a:ext>
+                </a:extLst>
+              </a:tr>
+              <a:tr h="506782">
+                <a:tc>
+                  <a:txBody>
+                    <a:bodyPr/>
+                    <a:lstStyle/>
+                    <a:p>
+                      <a:pPr algn="ctr"/>
+                      <a:r>
+                        <a:rPr lang="en-US" altLang="ko-KR" sz="1600">
+                          <a:effectLst/>
+                        </a:rPr>
+                        <a:t>/=</a:t>
+                      </a:r>
+                    </a:p>
+                  </a:txBody>
+                  <a:tcPr marL="17475" marR="17475" marT="17475" marB="17475" anchor="ctr"/>
+                </a:tc>
+                <a:tc>
+                  <a:txBody>
+                    <a:bodyPr/>
+                    <a:lstStyle/>
+                    <a:p>
+                      <a:pPr algn="l"/>
+                      <a:r>
+                        <a:rPr lang="en-US" sz="1600">
+                          <a:effectLst/>
+                        </a:rPr>
+                        <a:t>Divide AND assignment operator, It divides left operand with the right operand and assign the result to left operand.</a:t>
+                      </a:r>
+                    </a:p>
+                  </a:txBody>
+                  <a:tcPr marL="17475" marR="17475" marT="17475" marB="17475" anchor="ctr"/>
+                </a:tc>
+                <a:tc>
+                  <a:txBody>
+                    <a:bodyPr/>
+                    <a:lstStyle/>
+                    <a:p>
+                      <a:pPr algn="l" fontAlgn="ctr"/>
+                      <a:r>
+                        <a:rPr lang="en-US" sz="1600">
+                          <a:effectLst/>
+                        </a:rPr>
+                        <a:t>C /= A is equivalent to C = C / A</a:t>
+                      </a:r>
+                    </a:p>
+                  </a:txBody>
+                  <a:tcPr marL="17475" marR="17475" marT="17475" marB="17475" anchor="ctr"/>
+                </a:tc>
+                <a:extLst>
+                  <a:ext uri="{0D108BD9-81ED-4DB2-BD59-A6C34878D82A}">
+                    <a16:rowId xmlns:a16="http://schemas.microsoft.com/office/drawing/2014/main" val="1665266830"/>
+                  </a:ext>
+                </a:extLst>
+              </a:tr>
+              <a:tr h="506782">
+                <a:tc>
+                  <a:txBody>
+                    <a:bodyPr/>
+                    <a:lstStyle/>
+                    <a:p>
+                      <a:pPr algn="ctr"/>
+                      <a:r>
+                        <a:rPr lang="en-US" altLang="ko-KR" sz="1600">
+                          <a:effectLst/>
+                        </a:rPr>
+                        <a:t>%=</a:t>
+                      </a:r>
+                    </a:p>
+                  </a:txBody>
+                  <a:tcPr marL="17475" marR="17475" marT="17475" marB="17475" anchor="ctr"/>
+                </a:tc>
+                <a:tc>
+                  <a:txBody>
+                    <a:bodyPr/>
+                    <a:lstStyle/>
+                    <a:p>
+                      <a:pPr algn="l"/>
+                      <a:r>
+                        <a:rPr lang="en-US" sz="1600">
+                          <a:effectLst/>
+                        </a:rPr>
+                        <a:t>Modulus AND assignment operator, It takes modulus using two operands and assign the result to left operand.</a:t>
+                      </a:r>
+                    </a:p>
+                  </a:txBody>
+                  <a:tcPr marL="17475" marR="17475" marT="17475" marB="17475" anchor="ctr"/>
+                </a:tc>
+                <a:tc>
+                  <a:txBody>
+                    <a:bodyPr/>
+                    <a:lstStyle/>
+                    <a:p>
+                      <a:pPr algn="l" fontAlgn="ctr"/>
+                      <a:r>
+                        <a:rPr lang="en-US" sz="1600">
+                          <a:effectLst/>
+                        </a:rPr>
+                        <a:t>C %= A is equivalent to C = C % A</a:t>
+                      </a:r>
+                    </a:p>
+                  </a:txBody>
+                  <a:tcPr marL="17475" marR="17475" marT="17475" marB="17475" anchor="ctr"/>
+                </a:tc>
+                <a:extLst>
+                  <a:ext uri="{0D108BD9-81ED-4DB2-BD59-A6C34878D82A}">
+                    <a16:rowId xmlns:a16="http://schemas.microsoft.com/office/drawing/2014/main" val="3679289479"/>
+                  </a:ext>
+                </a:extLst>
+              </a:tr>
+              <a:tr h="192228">
+                <a:tc>
+                  <a:txBody>
+                    <a:bodyPr/>
+                    <a:lstStyle/>
+                    <a:p>
+                      <a:pPr algn="ctr"/>
+                      <a:r>
+                        <a:rPr lang="en-US" altLang="ko-KR" sz="1600">
+                          <a:effectLst/>
+                        </a:rPr>
+                        <a:t>&lt;&lt;=</a:t>
+                      </a:r>
+                    </a:p>
+                  </a:txBody>
+                  <a:tcPr marL="17475" marR="17475" marT="17475" marB="17475" anchor="ctr"/>
+                </a:tc>
+                <a:tc>
+                  <a:txBody>
+                    <a:bodyPr/>
+                    <a:lstStyle/>
+                    <a:p>
+                      <a:pPr algn="l"/>
+                      <a:r>
+                        <a:rPr lang="en-US" sz="1600">
+                          <a:effectLst/>
+                        </a:rPr>
+                        <a:t>Left shift AND assignment operator.</a:t>
+                      </a:r>
+                    </a:p>
+                  </a:txBody>
+                  <a:tcPr marL="17475" marR="17475" marT="17475" marB="17475" anchor="ctr"/>
+                </a:tc>
+                <a:tc>
+                  <a:txBody>
+                    <a:bodyPr/>
+                    <a:lstStyle/>
+                    <a:p>
+                      <a:pPr algn="l" fontAlgn="ctr"/>
+                      <a:r>
+                        <a:rPr lang="en-US" sz="1600">
+                          <a:effectLst/>
+                        </a:rPr>
+                        <a:t>C &lt;&lt;= 2 is same as C = C &lt;&lt; 2</a:t>
+                      </a:r>
+                    </a:p>
+                  </a:txBody>
+                  <a:tcPr marL="17475" marR="17475" marT="17475" marB="17475" anchor="ctr"/>
+                </a:tc>
+                <a:extLst>
+                  <a:ext uri="{0D108BD9-81ED-4DB2-BD59-A6C34878D82A}">
+                    <a16:rowId xmlns:a16="http://schemas.microsoft.com/office/drawing/2014/main" val="76937156"/>
+                  </a:ext>
+                </a:extLst>
+              </a:tr>
+              <a:tr h="192228">
+                <a:tc>
+                  <a:txBody>
+                    <a:bodyPr/>
+                    <a:lstStyle/>
+                    <a:p>
+                      <a:pPr algn="ctr"/>
+                      <a:r>
+                        <a:rPr lang="en-US" altLang="ko-KR" sz="1600">
+                          <a:effectLst/>
+                        </a:rPr>
+                        <a:t>&gt;&gt;=</a:t>
+                      </a:r>
+                    </a:p>
+                  </a:txBody>
+                  <a:tcPr marL="17475" marR="17475" marT="17475" marB="17475" anchor="ctr"/>
+                </a:tc>
+                <a:tc>
+                  <a:txBody>
+                    <a:bodyPr/>
+                    <a:lstStyle/>
+                    <a:p>
+                      <a:pPr algn="l"/>
+                      <a:r>
+                        <a:rPr lang="en-US" sz="1600">
+                          <a:effectLst/>
+                        </a:rPr>
+                        <a:t>Right shift AND assignment operator.</a:t>
+                      </a:r>
+                    </a:p>
+                  </a:txBody>
+                  <a:tcPr marL="17475" marR="17475" marT="17475" marB="17475" anchor="ctr"/>
+                </a:tc>
+                <a:tc>
+                  <a:txBody>
+                    <a:bodyPr/>
+                    <a:lstStyle/>
+                    <a:p>
+                      <a:pPr algn="l" fontAlgn="ctr"/>
+                      <a:r>
+                        <a:rPr lang="en-US" sz="1600">
+                          <a:effectLst/>
+                        </a:rPr>
+                        <a:t>C &gt;&gt;= 2 is same as C = C &gt;&gt; 2</a:t>
+                      </a:r>
+                    </a:p>
+                  </a:txBody>
+                  <a:tcPr marL="17475" marR="17475" marT="17475" marB="17475" anchor="ctr"/>
+                </a:tc>
+                <a:extLst>
+                  <a:ext uri="{0D108BD9-81ED-4DB2-BD59-A6C34878D82A}">
+                    <a16:rowId xmlns:a16="http://schemas.microsoft.com/office/drawing/2014/main" val="1638370490"/>
+                  </a:ext>
+                </a:extLst>
+              </a:tr>
+              <a:tr h="192228">
+                <a:tc>
+                  <a:txBody>
+                    <a:bodyPr/>
+                    <a:lstStyle/>
+                    <a:p>
+                      <a:pPr algn="ctr"/>
+                      <a:r>
+                        <a:rPr lang="en-US" altLang="ko-KR" sz="1600">
+                          <a:effectLst/>
+                        </a:rPr>
+                        <a:t>&amp;=</a:t>
+                      </a:r>
+                    </a:p>
+                  </a:txBody>
+                  <a:tcPr marL="17475" marR="17475" marT="17475" marB="17475" anchor="ctr"/>
+                </a:tc>
+                <a:tc>
+                  <a:txBody>
+                    <a:bodyPr/>
+                    <a:lstStyle/>
+                    <a:p>
+                      <a:pPr algn="l"/>
+                      <a:r>
+                        <a:rPr lang="en-US" sz="1600">
+                          <a:effectLst/>
+                        </a:rPr>
+                        <a:t>Bitwise AND assignment operator.</a:t>
+                      </a:r>
+                    </a:p>
+                  </a:txBody>
+                  <a:tcPr marL="17475" marR="17475" marT="17475" marB="17475" anchor="ctr"/>
+                </a:tc>
+                <a:tc>
+                  <a:txBody>
+                    <a:bodyPr/>
+                    <a:lstStyle/>
+                    <a:p>
+                      <a:pPr algn="l" fontAlgn="ctr"/>
+                      <a:r>
+                        <a:rPr lang="en-US" sz="1600">
+                          <a:effectLst/>
+                        </a:rPr>
+                        <a:t>C &amp;= 2 is same as C = C &amp; 2</a:t>
+                      </a:r>
+                    </a:p>
+                  </a:txBody>
+                  <a:tcPr marL="17475" marR="17475" marT="17475" marB="17475" anchor="ctr"/>
+                </a:tc>
+                <a:extLst>
+                  <a:ext uri="{0D108BD9-81ED-4DB2-BD59-A6C34878D82A}">
+                    <a16:rowId xmlns:a16="http://schemas.microsoft.com/office/drawing/2014/main" val="4069441829"/>
+                  </a:ext>
+                </a:extLst>
+              </a:tr>
+              <a:tr h="270866">
+                <a:tc>
+                  <a:txBody>
+                    <a:bodyPr/>
+                    <a:lstStyle/>
+                    <a:p>
+                      <a:pPr algn="ctr"/>
+                      <a:r>
+                        <a:rPr lang="en-US" altLang="ko-KR" sz="1600">
+                          <a:effectLst/>
+                        </a:rPr>
+                        <a:t>^=</a:t>
+                      </a:r>
+                    </a:p>
+                  </a:txBody>
+                  <a:tcPr marL="17475" marR="17475" marT="17475" marB="17475" anchor="ctr"/>
+                </a:tc>
+                <a:tc>
+                  <a:txBody>
+                    <a:bodyPr/>
+                    <a:lstStyle/>
+                    <a:p>
+                      <a:pPr algn="l"/>
+                      <a:r>
+                        <a:rPr lang="en-US" sz="1600">
+                          <a:effectLst/>
+                        </a:rPr>
+                        <a:t>Bitwise exclusive OR and assignment operator.</a:t>
+                      </a:r>
+                    </a:p>
+                  </a:txBody>
+                  <a:tcPr marL="17475" marR="17475" marT="17475" marB="17475" anchor="ctr"/>
+                </a:tc>
+                <a:tc>
+                  <a:txBody>
+                    <a:bodyPr/>
+                    <a:lstStyle/>
+                    <a:p>
+                      <a:pPr algn="l" fontAlgn="ctr"/>
+                      <a:r>
+                        <a:rPr lang="en-US" sz="1600">
+                          <a:effectLst/>
+                        </a:rPr>
+                        <a:t>C ^= 2 is same as C = C ^ 2</a:t>
+                      </a:r>
+                    </a:p>
+                  </a:txBody>
+                  <a:tcPr marL="17475" marR="17475" marT="17475" marB="17475" anchor="ctr"/>
+                </a:tc>
+                <a:extLst>
+                  <a:ext uri="{0D108BD9-81ED-4DB2-BD59-A6C34878D82A}">
+                    <a16:rowId xmlns:a16="http://schemas.microsoft.com/office/drawing/2014/main" val="3863774786"/>
+                  </a:ext>
+                </a:extLst>
+              </a:tr>
+              <a:tr h="270866">
+                <a:tc>
+                  <a:txBody>
+                    <a:bodyPr/>
+                    <a:lstStyle/>
+                    <a:p>
+                      <a:pPr algn="ctr"/>
+                      <a:r>
+                        <a:rPr lang="en-US" altLang="ko-KR" sz="1600">
+                          <a:effectLst/>
+                        </a:rPr>
+                        <a:t>|=</a:t>
+                      </a:r>
+                    </a:p>
+                  </a:txBody>
+                  <a:tcPr marL="17475" marR="17475" marT="17475" marB="17475" anchor="ctr"/>
+                </a:tc>
+                <a:tc>
+                  <a:txBody>
+                    <a:bodyPr/>
+                    <a:lstStyle/>
+                    <a:p>
+                      <a:pPr algn="l"/>
+                      <a:r>
+                        <a:rPr lang="en-US" sz="1600">
+                          <a:effectLst/>
+                        </a:rPr>
+                        <a:t>Bitwise inclusive OR and assignment operator.</a:t>
+                      </a:r>
+                    </a:p>
+                  </a:txBody>
+                  <a:tcPr marL="17475" marR="17475" marT="17475" marB="17475" anchor="ctr"/>
+                </a:tc>
+                <a:tc>
+                  <a:txBody>
+                    <a:bodyPr/>
+                    <a:lstStyle/>
+                    <a:p>
+                      <a:pPr algn="l" fontAlgn="ctr"/>
+                      <a:r>
+                        <a:rPr lang="en-US" sz="1600" dirty="0">
+                          <a:effectLst/>
+                        </a:rPr>
+                        <a:t>C |= 2 is same as C = C | 2</a:t>
+                      </a:r>
+                    </a:p>
+                  </a:txBody>
+                  <a:tcPr marL="17475" marR="17475" marT="17475" marB="17475" anchor="ctr"/>
+                </a:tc>
+                <a:extLst>
+                  <a:ext uri="{0D108BD9-81ED-4DB2-BD59-A6C34878D82A}">
+                    <a16:rowId xmlns:a16="http://schemas.microsoft.com/office/drawing/2014/main" val="1915028215"/>
+                  </a:ext>
+                </a:extLst>
+              </a:tr>
+            </a:tbl>
+          </a:graphicData>
+        </a:graphic>
+      </p:graphicFrame>
+    </p:spTree>
+    <p:extLst>
+      <p:ext uri="{BB962C8B-B14F-4D97-AF65-F5344CB8AC3E}">
+        <p14:creationId xmlns:p14="http://schemas.microsoft.com/office/powerpoint/2010/main" val="1425865281"/>
+      </p:ext>
+    </p:extLst>
+  </p:cSld>
+  <p:clrMapOvr>
+    <a:masterClrMapping/>
+  </p:clrMapOvr>
+</p:sld>
+</file>
+
+<file path=ppt/slides/slide43.xml><?xml version="1.0" encoding="utf-8"?>
+<p:sld xmlns:a="http://schemas.openxmlformats.org/drawingml/2006/main" xmlns:r="http://schemas.openxmlformats.org/officeDocument/2006/relationships" xmlns:p="http://schemas.openxmlformats.org/presentationml/2006/main">
+  <p:cSld>
+    <p:spTree>
+      <p:nvGrpSpPr>
+        <p:cNvPr id="1" name=""/>
+        <p:cNvGrpSpPr/>
+        <p:nvPr/>
+      </p:nvGrpSpPr>
+      <p:grpSpPr>
+        <a:xfrm>
+          <a:off x="0" y="0"/>
+          <a:ext cx="0" cy="0"/>
+          <a:chOff x="0" y="0"/>
+          <a:chExt cx="0" cy="0"/>
+        </a:xfrm>
+      </p:grpSpPr>
+      <p:sp>
+        <p:nvSpPr>
+          <p:cNvPr id="2" name="제목 1">
+            <a:extLst>
+              <a:ext uri="{FF2B5EF4-FFF2-40B4-BE49-F238E27FC236}">
+                <a16:creationId xmlns:a16="http://schemas.microsoft.com/office/drawing/2014/main" id="{72E061D2-CE37-49C3-A303-54A6DDB22611}"/>
+              </a:ext>
+            </a:extLst>
+          </p:cNvPr>
+          <p:cNvSpPr>
+            <a:spLocks noGrp="1"/>
+          </p:cNvSpPr>
+          <p:nvPr>
+            <p:ph type="title"/>
+          </p:nvPr>
+        </p:nvSpPr>
+        <p:spPr/>
+        <p:txBody>
+          <a:bodyPr/>
+          <a:lstStyle/>
+          <a:p>
+            <a:r>
+              <a:rPr lang="ko-KR" altLang="en-US" dirty="0"/>
+              <a:t>기타 연산자들 </a:t>
+            </a:r>
+          </a:p>
+        </p:txBody>
+      </p:sp>
+      <p:graphicFrame>
+        <p:nvGraphicFramePr>
+          <p:cNvPr id="5" name="표 4">
+            <a:extLst>
+              <a:ext uri="{FF2B5EF4-FFF2-40B4-BE49-F238E27FC236}">
+                <a16:creationId xmlns:a16="http://schemas.microsoft.com/office/drawing/2014/main" id="{D7145399-1052-27A9-662F-6CFED43D45E2}"/>
+              </a:ext>
+            </a:extLst>
+          </p:cNvPr>
+          <p:cNvGraphicFramePr>
+            <a:graphicFrameLocks noGrp="1"/>
+          </p:cNvGraphicFramePr>
+          <p:nvPr>
+            <p:extLst>
+              <p:ext uri="{D42A27DB-BD31-4B8C-83A1-F6EECF244321}">
+                <p14:modId xmlns:p14="http://schemas.microsoft.com/office/powerpoint/2010/main" val="1966364446"/>
+              </p:ext>
+            </p:extLst>
+          </p:nvPr>
+        </p:nvGraphicFramePr>
+        <p:xfrm>
+          <a:off x="1114646" y="1392232"/>
+          <a:ext cx="10515600" cy="4932819"/>
+        </p:xfrm>
+        <a:graphic>
+          <a:graphicData uri="http://schemas.openxmlformats.org/drawingml/2006/table">
+            <a:tbl>
+              <a:tblPr>
+                <a:tableStyleId>{5940675A-B579-460E-94D1-54222C63F5DA}</a:tableStyleId>
+              </a:tblPr>
+              <a:tblGrid>
+                <a:gridCol w="1195717">
+                  <a:extLst>
+                    <a:ext uri="{9D8B030D-6E8A-4147-A177-3AD203B41FA5}">
+                      <a16:colId xmlns:a16="http://schemas.microsoft.com/office/drawing/2014/main" val="1142014436"/>
+                    </a:ext>
+                  </a:extLst>
+                </a:gridCol>
+                <a:gridCol w="9319883">
+                  <a:extLst>
+                    <a:ext uri="{9D8B030D-6E8A-4147-A177-3AD203B41FA5}">
+                      <a16:colId xmlns:a16="http://schemas.microsoft.com/office/drawing/2014/main" val="1157380020"/>
+                    </a:ext>
+                  </a:extLst>
+                </a:gridCol>
+              </a:tblGrid>
+              <a:tr h="129445">
+                <a:tc>
+                  <a:txBody>
+                    <a:bodyPr/>
+                    <a:lstStyle/>
+                    <a:p>
+                      <a:pPr algn="l"/>
+                      <a:r>
+                        <a:rPr lang="en-US" sz="1600" b="1" dirty="0" err="1">
+                          <a:effectLst/>
+                        </a:rPr>
+                        <a:t>Sr.No</a:t>
+                      </a:r>
+                      <a:endParaRPr lang="en-US" sz="1600" b="1" dirty="0">
+                        <a:effectLst/>
+                        <a:latin typeface="inherit"/>
+                      </a:endParaRPr>
+                    </a:p>
+                  </a:txBody>
+                  <a:tcPr marL="19915" marR="19915" marT="19915" marB="19915" anchor="ctr">
+                    <a:solidFill>
+                      <a:srgbClr val="FFFF00"/>
+                    </a:solidFill>
+                  </a:tcPr>
+                </a:tc>
+                <a:tc>
+                  <a:txBody>
+                    <a:bodyPr/>
+                    <a:lstStyle/>
+                    <a:p>
+                      <a:pPr algn="ctr"/>
+                      <a:r>
+                        <a:rPr lang="en-US" sz="1600" b="1" dirty="0">
+                          <a:effectLst/>
+                        </a:rPr>
+                        <a:t>Operator &amp; Description</a:t>
+                      </a:r>
+                      <a:endParaRPr lang="en-US" sz="1600" b="1" dirty="0">
+                        <a:effectLst/>
+                        <a:latin typeface="inherit"/>
+                      </a:endParaRPr>
+                    </a:p>
+                  </a:txBody>
+                  <a:tcPr marL="19915" marR="19915" marT="19915" marB="19915" anchor="ctr">
+                    <a:solidFill>
+                      <a:srgbClr val="FFFF00"/>
+                    </a:solidFill>
+                  </a:tcPr>
+                </a:tc>
+                <a:extLst>
+                  <a:ext uri="{0D108BD9-81ED-4DB2-BD59-A6C34878D82A}">
+                    <a16:rowId xmlns:a16="http://schemas.microsoft.com/office/drawing/2014/main" val="296261478"/>
+                  </a:ext>
+                </a:extLst>
+              </a:tr>
+              <a:tr h="577523">
+                <a:tc>
+                  <a:txBody>
+                    <a:bodyPr/>
+                    <a:lstStyle/>
+                    <a:p>
+                      <a:pPr algn="ctr"/>
+                      <a:r>
+                        <a:rPr lang="en-US" altLang="ko-KR" sz="1600">
+                          <a:effectLst/>
+                        </a:rPr>
+                        <a:t>1</a:t>
+                      </a:r>
+                    </a:p>
+                  </a:txBody>
+                  <a:tcPr marL="19915" marR="19915" marT="19915" marB="19915" anchor="ctr"/>
+                </a:tc>
+                <a:tc>
+                  <a:txBody>
+                    <a:bodyPr/>
+                    <a:lstStyle/>
+                    <a:p>
+                      <a:pPr algn="l"/>
+                      <a:r>
+                        <a:rPr lang="en-US" sz="1600" b="1">
+                          <a:effectLst/>
+                        </a:rPr>
+                        <a:t>sizeof</a:t>
+                      </a:r>
+                      <a:endParaRPr lang="en-US" sz="1600">
+                        <a:effectLst/>
+                      </a:endParaRPr>
+                    </a:p>
+                    <a:p>
+                      <a:pPr algn="l"/>
+                      <a:r>
+                        <a:rPr lang="en-US" sz="1600" b="1" u="none" strike="noStrike">
+                          <a:solidFill>
+                            <a:srgbClr val="008000"/>
+                          </a:solidFill>
+                          <a:effectLst/>
+                          <a:hlinkClick r:id="rId2"/>
+                        </a:rPr>
+                        <a:t>sizeof operator</a:t>
+                      </a:r>
+                      <a:r>
+                        <a:rPr lang="en-US" sz="1600">
+                          <a:effectLst/>
+                        </a:rPr>
+                        <a:t> returns the size of a variable. For example, sizeof(a), where ‘a’ is integer, and will return 4.</a:t>
+                      </a:r>
+                    </a:p>
+                  </a:txBody>
+                  <a:tcPr marL="19915" marR="19915" marT="19915" marB="19915" anchor="ctr"/>
+                </a:tc>
+                <a:extLst>
+                  <a:ext uri="{0D108BD9-81ED-4DB2-BD59-A6C34878D82A}">
+                    <a16:rowId xmlns:a16="http://schemas.microsoft.com/office/drawing/2014/main" val="853804262"/>
+                  </a:ext>
+                </a:extLst>
+              </a:tr>
+              <a:tr h="577523">
+                <a:tc>
+                  <a:txBody>
+                    <a:bodyPr/>
+                    <a:lstStyle/>
+                    <a:p>
+                      <a:pPr algn="ctr"/>
+                      <a:r>
+                        <a:rPr lang="en-US" altLang="ko-KR" sz="1600">
+                          <a:effectLst/>
+                        </a:rPr>
+                        <a:t>2</a:t>
+                      </a:r>
+                    </a:p>
+                  </a:txBody>
+                  <a:tcPr marL="19915" marR="19915" marT="19915" marB="19915" anchor="ctr"/>
+                </a:tc>
+                <a:tc>
+                  <a:txBody>
+                    <a:bodyPr/>
+                    <a:lstStyle/>
+                    <a:p>
+                      <a:pPr algn="l"/>
+                      <a:r>
+                        <a:rPr lang="en-US" sz="1600" b="1">
+                          <a:effectLst/>
+                        </a:rPr>
+                        <a:t>Condition ? X : Y</a:t>
+                      </a:r>
+                      <a:endParaRPr lang="en-US" sz="1600">
+                        <a:effectLst/>
+                      </a:endParaRPr>
+                    </a:p>
+                    <a:p>
+                      <a:pPr algn="l"/>
+                      <a:r>
+                        <a:rPr lang="en-US" sz="1600" b="1" u="none" strike="noStrike">
+                          <a:solidFill>
+                            <a:srgbClr val="008000"/>
+                          </a:solidFill>
+                          <a:effectLst/>
+                          <a:hlinkClick r:id="rId3"/>
+                        </a:rPr>
+                        <a:t>Conditional operator (?)</a:t>
+                      </a:r>
+                      <a:r>
+                        <a:rPr lang="en-US" sz="1600">
+                          <a:effectLst/>
+                        </a:rPr>
+                        <a:t>. If Condition is true then it returns value of X otherwise returns value of Y.</a:t>
+                      </a:r>
+                    </a:p>
+                  </a:txBody>
+                  <a:tcPr marL="19915" marR="19915" marT="19915" marB="19915" anchor="ctr"/>
+                </a:tc>
+                <a:extLst>
+                  <a:ext uri="{0D108BD9-81ED-4DB2-BD59-A6C34878D82A}">
+                    <a16:rowId xmlns:a16="http://schemas.microsoft.com/office/drawing/2014/main" val="2947272981"/>
+                  </a:ext>
+                </a:extLst>
+              </a:tr>
+              <a:tr h="846370">
+                <a:tc>
+                  <a:txBody>
+                    <a:bodyPr/>
+                    <a:lstStyle/>
+                    <a:p>
+                      <a:pPr algn="ctr"/>
+                      <a:r>
+                        <a:rPr lang="en-US" altLang="ko-KR" sz="1600">
+                          <a:effectLst/>
+                        </a:rPr>
+                        <a:t>3</a:t>
+                      </a:r>
+                    </a:p>
+                  </a:txBody>
+                  <a:tcPr marL="19915" marR="19915" marT="19915" marB="19915" anchor="ctr"/>
+                </a:tc>
+                <a:tc>
+                  <a:txBody>
+                    <a:bodyPr/>
+                    <a:lstStyle/>
+                    <a:p>
+                      <a:pPr algn="l"/>
+                      <a:r>
+                        <a:rPr lang="en-US" sz="1600" b="1">
+                          <a:effectLst/>
+                        </a:rPr>
+                        <a:t>,</a:t>
+                      </a:r>
+                      <a:endParaRPr lang="en-US" sz="1600">
+                        <a:effectLst/>
+                      </a:endParaRPr>
+                    </a:p>
+                    <a:p>
+                      <a:pPr algn="l"/>
+                      <a:r>
+                        <a:rPr lang="en-US" sz="1600" b="1" u="none" strike="noStrike">
+                          <a:solidFill>
+                            <a:srgbClr val="008000"/>
+                          </a:solidFill>
+                          <a:effectLst/>
+                          <a:hlinkClick r:id="rId4"/>
+                        </a:rPr>
+                        <a:t>Comma operator</a:t>
+                      </a:r>
+                      <a:r>
+                        <a:rPr lang="en-US" sz="1600">
+                          <a:effectLst/>
+                        </a:rPr>
+                        <a:t> causes a sequence of operations to be performed. The value of the entire comma expression is the value of the last expression of the comma-separated list.</a:t>
+                      </a:r>
+                    </a:p>
+                  </a:txBody>
+                  <a:tcPr marL="19915" marR="19915" marT="19915" marB="19915" anchor="ctr"/>
+                </a:tc>
+                <a:extLst>
+                  <a:ext uri="{0D108BD9-81ED-4DB2-BD59-A6C34878D82A}">
+                    <a16:rowId xmlns:a16="http://schemas.microsoft.com/office/drawing/2014/main" val="2003800723"/>
+                  </a:ext>
+                </a:extLst>
+              </a:tr>
+              <a:tr h="577523">
+                <a:tc>
+                  <a:txBody>
+                    <a:bodyPr/>
+                    <a:lstStyle/>
+                    <a:p>
+                      <a:pPr algn="ctr"/>
+                      <a:r>
+                        <a:rPr lang="en-US" altLang="ko-KR" sz="1600">
+                          <a:effectLst/>
+                        </a:rPr>
+                        <a:t>4</a:t>
+                      </a:r>
+                    </a:p>
+                  </a:txBody>
+                  <a:tcPr marL="19915" marR="19915" marT="19915" marB="19915" anchor="ctr"/>
+                </a:tc>
+                <a:tc>
+                  <a:txBody>
+                    <a:bodyPr/>
+                    <a:lstStyle/>
+                    <a:p>
+                      <a:pPr algn="l"/>
+                      <a:r>
+                        <a:rPr lang="en-US" sz="1600" b="1">
+                          <a:effectLst/>
+                        </a:rPr>
+                        <a:t>. (dot) and -&gt; (arrow)</a:t>
+                      </a:r>
+                      <a:endParaRPr lang="en-US" sz="1600">
+                        <a:effectLst/>
+                      </a:endParaRPr>
+                    </a:p>
+                    <a:p>
+                      <a:pPr algn="l"/>
+                      <a:r>
+                        <a:rPr lang="en-US" sz="1600" b="1" u="none" strike="noStrike">
+                          <a:solidFill>
+                            <a:srgbClr val="008000"/>
+                          </a:solidFill>
+                          <a:effectLst/>
+                          <a:hlinkClick r:id="rId5"/>
+                        </a:rPr>
+                        <a:t>Member operators</a:t>
+                      </a:r>
+                      <a:r>
+                        <a:rPr lang="en-US" sz="1600">
+                          <a:effectLst/>
+                        </a:rPr>
+                        <a:t> are used to reference individual members of classes, structures, and unions.</a:t>
+                      </a:r>
+                    </a:p>
+                  </a:txBody>
+                  <a:tcPr marL="19915" marR="19915" marT="19915" marB="19915" anchor="ctr"/>
+                </a:tc>
+                <a:extLst>
+                  <a:ext uri="{0D108BD9-81ED-4DB2-BD59-A6C34878D82A}">
+                    <a16:rowId xmlns:a16="http://schemas.microsoft.com/office/drawing/2014/main" val="20557636"/>
+                  </a:ext>
+                </a:extLst>
+              </a:tr>
+              <a:tr h="577523">
+                <a:tc>
+                  <a:txBody>
+                    <a:bodyPr/>
+                    <a:lstStyle/>
+                    <a:p>
+                      <a:pPr algn="ctr"/>
+                      <a:r>
+                        <a:rPr lang="en-US" altLang="ko-KR" sz="1600">
+                          <a:effectLst/>
+                        </a:rPr>
+                        <a:t>5</a:t>
+                      </a:r>
+                    </a:p>
+                  </a:txBody>
+                  <a:tcPr marL="19915" marR="19915" marT="19915" marB="19915" anchor="ctr"/>
+                </a:tc>
+                <a:tc>
+                  <a:txBody>
+                    <a:bodyPr/>
+                    <a:lstStyle/>
+                    <a:p>
+                      <a:pPr algn="l"/>
+                      <a:r>
+                        <a:rPr lang="en-US" sz="1600" b="1">
+                          <a:effectLst/>
+                        </a:rPr>
+                        <a:t>Cast</a:t>
+                      </a:r>
+                      <a:endParaRPr lang="en-US" sz="1600">
+                        <a:effectLst/>
+                      </a:endParaRPr>
+                    </a:p>
+                    <a:p>
+                      <a:pPr algn="l"/>
+                      <a:r>
+                        <a:rPr lang="en-US" sz="1600" b="1" u="none" strike="noStrike">
+                          <a:solidFill>
+                            <a:srgbClr val="008000"/>
+                          </a:solidFill>
+                          <a:effectLst/>
+                          <a:hlinkClick r:id="rId6"/>
+                        </a:rPr>
+                        <a:t>Casting operators</a:t>
+                      </a:r>
+                      <a:r>
+                        <a:rPr lang="en-US" sz="1600">
+                          <a:effectLst/>
+                        </a:rPr>
+                        <a:t> convert one data type to another. For example, int(2.2000) would return 2.</a:t>
+                      </a:r>
+                    </a:p>
+                  </a:txBody>
+                  <a:tcPr marL="19915" marR="19915" marT="19915" marB="19915" anchor="ctr"/>
+                </a:tc>
+                <a:extLst>
+                  <a:ext uri="{0D108BD9-81ED-4DB2-BD59-A6C34878D82A}">
+                    <a16:rowId xmlns:a16="http://schemas.microsoft.com/office/drawing/2014/main" val="426293641"/>
+                  </a:ext>
+                </a:extLst>
+              </a:tr>
+              <a:tr h="577523">
+                <a:tc>
+                  <a:txBody>
+                    <a:bodyPr/>
+                    <a:lstStyle/>
+                    <a:p>
+                      <a:pPr algn="ctr"/>
+                      <a:r>
+                        <a:rPr lang="en-US" altLang="ko-KR" sz="1600">
+                          <a:effectLst/>
+                        </a:rPr>
+                        <a:t>6</a:t>
+                      </a:r>
+                    </a:p>
+                  </a:txBody>
+                  <a:tcPr marL="19915" marR="19915" marT="19915" marB="19915" anchor="ctr"/>
+                </a:tc>
+                <a:tc>
+                  <a:txBody>
+                    <a:bodyPr/>
+                    <a:lstStyle/>
+                    <a:p>
+                      <a:pPr algn="l"/>
+                      <a:r>
+                        <a:rPr lang="en-US" sz="1600" b="1">
+                          <a:effectLst/>
+                        </a:rPr>
+                        <a:t>&amp;</a:t>
+                      </a:r>
+                      <a:endParaRPr lang="en-US" sz="1600">
+                        <a:effectLst/>
+                      </a:endParaRPr>
+                    </a:p>
+                    <a:p>
+                      <a:pPr algn="l"/>
+                      <a:r>
+                        <a:rPr lang="en-US" sz="1600" b="1" u="none" strike="noStrike">
+                          <a:solidFill>
+                            <a:srgbClr val="008000"/>
+                          </a:solidFill>
+                          <a:effectLst/>
+                          <a:hlinkClick r:id="rId7"/>
+                        </a:rPr>
+                        <a:t>Pointer operator &amp;</a:t>
+                      </a:r>
+                      <a:r>
+                        <a:rPr lang="en-US" sz="1600">
+                          <a:effectLst/>
+                        </a:rPr>
+                        <a:t> returns the address of a variable. For example &amp;a; will give actual address of the variable.</a:t>
+                      </a:r>
+                    </a:p>
+                  </a:txBody>
+                  <a:tcPr marL="19915" marR="19915" marT="19915" marB="19915" anchor="ctr"/>
+                </a:tc>
+                <a:extLst>
+                  <a:ext uri="{0D108BD9-81ED-4DB2-BD59-A6C34878D82A}">
+                    <a16:rowId xmlns:a16="http://schemas.microsoft.com/office/drawing/2014/main" val="1252390635"/>
+                  </a:ext>
+                </a:extLst>
+              </a:tr>
+              <a:tr h="487907">
+                <a:tc>
+                  <a:txBody>
+                    <a:bodyPr/>
+                    <a:lstStyle/>
+                    <a:p>
+                      <a:pPr algn="ctr"/>
+                      <a:r>
+                        <a:rPr lang="en-US" altLang="ko-KR" sz="1600">
+                          <a:effectLst/>
+                        </a:rPr>
+                        <a:t>7</a:t>
+                      </a:r>
+                    </a:p>
+                  </a:txBody>
+                  <a:tcPr marL="19915" marR="19915" marT="19915" marB="19915" anchor="ctr"/>
+                </a:tc>
+                <a:tc>
+                  <a:txBody>
+                    <a:bodyPr/>
+                    <a:lstStyle/>
+                    <a:p>
+                      <a:pPr algn="l"/>
+                      <a:r>
+                        <a:rPr lang="en-US" sz="1600" b="1" dirty="0">
+                          <a:effectLst/>
+                        </a:rPr>
+                        <a:t>*</a:t>
+                      </a:r>
+                      <a:endParaRPr lang="en-US" sz="1600" dirty="0">
+                        <a:effectLst/>
+                      </a:endParaRPr>
+                    </a:p>
+                    <a:p>
+                      <a:pPr algn="l"/>
+                      <a:r>
+                        <a:rPr lang="en-US" sz="1600" b="1" u="none" strike="noStrike" dirty="0">
+                          <a:solidFill>
+                            <a:srgbClr val="008000"/>
+                          </a:solidFill>
+                          <a:effectLst/>
+                          <a:hlinkClick r:id="rId7"/>
+                        </a:rPr>
+                        <a:t>Pointer operator *</a:t>
+                      </a:r>
+                      <a:r>
+                        <a:rPr lang="en-US" sz="1600" dirty="0">
+                          <a:effectLst/>
+                        </a:rPr>
+                        <a:t> is pointer to a variable. For example *var; will pointer to a variable var.</a:t>
+                      </a:r>
+                    </a:p>
+                  </a:txBody>
+                  <a:tcPr marL="19915" marR="19915" marT="19915" marB="19915" anchor="ctr"/>
+                </a:tc>
+                <a:extLst>
+                  <a:ext uri="{0D108BD9-81ED-4DB2-BD59-A6C34878D82A}">
+                    <a16:rowId xmlns:a16="http://schemas.microsoft.com/office/drawing/2014/main" val="3715784535"/>
+                  </a:ext>
+                </a:extLst>
+              </a:tr>
+            </a:tbl>
+          </a:graphicData>
+        </a:graphic>
+      </p:graphicFrame>
+    </p:spTree>
+    <p:extLst>
+      <p:ext uri="{BB962C8B-B14F-4D97-AF65-F5344CB8AC3E}">
+        <p14:creationId xmlns:p14="http://schemas.microsoft.com/office/powerpoint/2010/main" val="4209390115"/>
+      </p:ext>
+    </p:extLst>
+  </p:cSld>
+  <p:clrMapOvr>
+    <a:masterClrMapping/>
+  </p:clrMapOvr>
+</p:sld>
+</file>
+
+<file path=ppt/slides/slide44.xml><?xml version="1.0" encoding="utf-8"?>
+<p:sld xmlns:a="http://schemas.openxmlformats.org/drawingml/2006/main" xmlns:r="http://schemas.openxmlformats.org/officeDocument/2006/relationships" xmlns:p="http://schemas.openxmlformats.org/presentationml/2006/main">
+  <p:cSld>
+    <p:spTree>
+      <p:nvGrpSpPr>
+        <p:cNvPr id="1" name=""/>
+        <p:cNvGrpSpPr/>
+        <p:nvPr/>
+      </p:nvGrpSpPr>
+      <p:grpSpPr>
+        <a:xfrm>
+          <a:off x="0" y="0"/>
+          <a:ext cx="0" cy="0"/>
+          <a:chOff x="0" y="0"/>
+          <a:chExt cx="0" cy="0"/>
+        </a:xfrm>
+      </p:grpSpPr>
+      <p:sp>
+        <p:nvSpPr>
+          <p:cNvPr id="2" name="제목 1">
+            <a:extLst>
+              <a:ext uri="{FF2B5EF4-FFF2-40B4-BE49-F238E27FC236}">
+                <a16:creationId xmlns:a16="http://schemas.microsoft.com/office/drawing/2014/main" id="{32044B0D-804B-5BB6-EC91-E148BEB26101}"/>
+              </a:ext>
+            </a:extLst>
+          </p:cNvPr>
+          <p:cNvSpPr>
+            <a:spLocks noGrp="1"/>
+          </p:cNvSpPr>
+          <p:nvPr>
+            <p:ph type="title"/>
+          </p:nvPr>
+        </p:nvSpPr>
+        <p:spPr/>
+        <p:txBody>
+          <a:bodyPr/>
+          <a:lstStyle/>
+          <a:p>
+            <a:r>
+              <a:rPr lang="en-US" altLang="ko-KR" dirty="0"/>
+              <a:t>C++</a:t>
+            </a:r>
+            <a:r>
+              <a:rPr lang="ko-KR" altLang="en-US" dirty="0"/>
+              <a:t> </a:t>
+            </a:r>
+            <a:r>
+              <a:rPr lang="en-US" altLang="ko-KR" dirty="0"/>
+              <a:t>while </a:t>
+            </a:r>
+            <a:endParaRPr lang="ko-KR" altLang="en-US" dirty="0"/>
+          </a:p>
+        </p:txBody>
+      </p:sp>
+      <p:sp>
+        <p:nvSpPr>
+          <p:cNvPr id="3" name="내용 개체 틀 2">
+            <a:extLst>
+              <a:ext uri="{FF2B5EF4-FFF2-40B4-BE49-F238E27FC236}">
+                <a16:creationId xmlns:a16="http://schemas.microsoft.com/office/drawing/2014/main" id="{C8F95E01-3206-D7BC-1BCC-558FE297728A}"/>
+              </a:ext>
+            </a:extLst>
+          </p:cNvPr>
+          <p:cNvSpPr>
+            <a:spLocks noGrp="1"/>
+          </p:cNvSpPr>
+          <p:nvPr>
+            <p:ph sz="half" idx="1"/>
+          </p:nvPr>
+        </p:nvSpPr>
+        <p:spPr/>
+        <p:txBody>
+          <a:bodyPr>
+            <a:normAutofit fontScale="92500" lnSpcReduction="10000"/>
+          </a:bodyPr>
+          <a:lstStyle/>
+          <a:p>
+            <a:r>
+              <a:rPr lang="en-US" altLang="ko-KR" sz="1800" dirty="0"/>
+              <a:t>while </a:t>
+            </a:r>
+            <a:r>
+              <a:rPr lang="ko-KR" altLang="en-US" sz="1800" dirty="0"/>
+              <a:t>루프 문은 주어진 조건이 참인 한 대상 문을 반복적으로 실행합니다</a:t>
+            </a:r>
+            <a:r>
+              <a:rPr lang="en-US" altLang="ko-KR" sz="1800" dirty="0"/>
+              <a:t>.
+</a:t>
+            </a:r>
+            <a:r>
+              <a:rPr lang="ko-KR" altLang="en-US" sz="1800" dirty="0"/>
+              <a:t>통사론
+</a:t>
+            </a:r>
+            <a:r>
+              <a:rPr lang="en-US" altLang="ko-KR" sz="1800" dirty="0"/>
+              <a:t>C++</a:t>
+            </a:r>
+            <a:r>
+              <a:rPr lang="ko-KR" altLang="en-US" sz="1800" dirty="0"/>
+              <a:t>에서 </a:t>
+            </a:r>
+            <a:r>
+              <a:rPr lang="en-US" altLang="ko-KR" sz="1800" dirty="0"/>
+              <a:t>while </a:t>
+            </a:r>
+            <a:r>
+              <a:rPr lang="ko-KR" altLang="en-US" sz="1800" dirty="0"/>
+              <a:t>루프의 구문은 −</a:t>
+            </a:r>
+            <a:endParaRPr lang="en-US" altLang="ko-KR" sz="1800" dirty="0"/>
+          </a:p>
+          <a:p>
+            <a:pPr marL="0" indent="0">
+              <a:buNone/>
+            </a:pPr>
+            <a:endParaRPr lang="en-US" altLang="ko-KR" sz="1800" dirty="0"/>
+          </a:p>
+          <a:p>
+            <a:pPr marL="0" indent="0">
+              <a:buNone/>
+            </a:pPr>
+            <a:r>
+              <a:rPr lang="en-US" altLang="ko-KR" sz="1800" dirty="0">
+                <a:solidFill>
+                  <a:srgbClr val="0070C0"/>
+                </a:solidFill>
+              </a:rPr>
+              <a:t>while(condition) {</a:t>
+            </a:r>
+          </a:p>
+          <a:p>
+            <a:pPr marL="0" indent="0">
+              <a:buNone/>
+            </a:pPr>
+            <a:r>
+              <a:rPr lang="en-US" altLang="ko-KR" sz="1800" dirty="0">
+                <a:solidFill>
+                  <a:srgbClr val="0070C0"/>
+                </a:solidFill>
+              </a:rPr>
+              <a:t>   statement(s);</a:t>
+            </a:r>
+          </a:p>
+          <a:p>
+            <a:pPr marL="0" indent="0">
+              <a:buNone/>
+            </a:pPr>
+            <a:r>
+              <a:rPr lang="en-US" altLang="ko-KR" sz="1800" dirty="0">
+                <a:solidFill>
+                  <a:srgbClr val="0070C0"/>
+                </a:solidFill>
+              </a:rPr>
+              <a:t>}</a:t>
+            </a:r>
+          </a:p>
+          <a:p>
+            <a:pPr marL="0" indent="0">
+              <a:buNone/>
+            </a:pPr>
+            <a:endParaRPr lang="en-US" altLang="ko-KR" sz="1800" dirty="0"/>
+          </a:p>
+          <a:p>
+            <a:r>
+              <a:rPr lang="ko-KR" altLang="en-US" sz="1800" dirty="0"/>
+              <a:t>여기서</a:t>
+            </a:r>
+            <a:r>
+              <a:rPr lang="en-US" altLang="ko-KR" sz="1800" dirty="0"/>
+              <a:t>, </a:t>
+            </a:r>
+            <a:r>
+              <a:rPr lang="ko-KR" altLang="en-US" sz="1800" dirty="0"/>
+              <a:t>명령문</a:t>
+            </a:r>
+            <a:r>
+              <a:rPr lang="en-US" altLang="ko-KR" sz="1800" dirty="0"/>
+              <a:t>(</a:t>
+            </a:r>
+            <a:r>
+              <a:rPr lang="ko-KR" altLang="en-US" sz="1800" dirty="0"/>
+              <a:t>들</a:t>
+            </a:r>
+            <a:r>
+              <a:rPr lang="en-US" altLang="ko-KR" sz="1800" dirty="0"/>
+              <a:t>)</a:t>
+            </a:r>
+            <a:r>
+              <a:rPr lang="ko-KR" altLang="en-US" sz="1800" dirty="0"/>
+              <a:t>은 단일 명령문 또는 진술의 블록일 수 있다</a:t>
+            </a:r>
+            <a:r>
+              <a:rPr lang="en-US" altLang="ko-KR" sz="1800" dirty="0"/>
+              <a:t>. </a:t>
+            </a:r>
+            <a:r>
+              <a:rPr lang="ko-KR" altLang="en-US" sz="1800" dirty="0"/>
+              <a:t>조건은 임의의 표현식일 수 있으며 </a:t>
+            </a:r>
+            <a:r>
+              <a:rPr lang="en-US" altLang="ko-KR" sz="1800" dirty="0"/>
+              <a:t>true</a:t>
+            </a:r>
+            <a:r>
+              <a:rPr lang="ko-KR" altLang="en-US" sz="1800" dirty="0"/>
+              <a:t>는 </a:t>
+            </a:r>
+            <a:r>
+              <a:rPr lang="en-US" altLang="ko-KR" sz="1800" dirty="0"/>
+              <a:t>0</a:t>
+            </a:r>
+            <a:r>
+              <a:rPr lang="ko-KR" altLang="en-US" sz="1800" dirty="0"/>
+              <a:t>이 아닌 값입니다</a:t>
+            </a:r>
+            <a:r>
+              <a:rPr lang="en-US" altLang="ko-KR" sz="1800" dirty="0"/>
+              <a:t>. </a:t>
+            </a:r>
+            <a:r>
+              <a:rPr lang="ko-KR" altLang="en-US" sz="1800" dirty="0"/>
+              <a:t>조건이 </a:t>
+            </a:r>
+            <a:r>
+              <a:rPr lang="en-US" altLang="ko-KR" sz="1800" dirty="0"/>
+              <a:t>true</a:t>
+            </a:r>
+            <a:r>
+              <a:rPr lang="ko-KR" altLang="en-US" sz="1800" dirty="0"/>
+              <a:t>인 동안 루프가 반복됩니다</a:t>
+            </a:r>
+            <a:r>
+              <a:rPr lang="en-US" altLang="ko-KR" sz="1800" dirty="0"/>
+              <a:t>.
+</a:t>
+            </a:r>
+            <a:r>
+              <a:rPr lang="ko-KR" altLang="en-US" sz="1800" dirty="0"/>
+              <a:t>조건이 </a:t>
+            </a:r>
+            <a:r>
+              <a:rPr lang="en-US" altLang="ko-KR" sz="1800" dirty="0"/>
+              <a:t>false</a:t>
+            </a:r>
+            <a:r>
+              <a:rPr lang="ko-KR" altLang="en-US" sz="1800" dirty="0"/>
+              <a:t>가 되면 프로그램 제어가 루프 바로 다음 줄로 전달됩니다</a:t>
+            </a:r>
+            <a:r>
+              <a:rPr lang="en-US" altLang="ko-KR" sz="1800" dirty="0"/>
+              <a:t>.</a:t>
+            </a:r>
+            <a:endParaRPr lang="ko-KR" altLang="en-US" sz="1800" dirty="0"/>
+          </a:p>
+        </p:txBody>
+      </p:sp>
+      <p:pic>
+        <p:nvPicPr>
+          <p:cNvPr id="9218" name="Picture 2" descr="C++ while loop">
+            <a:extLst>
+              <a:ext uri="{FF2B5EF4-FFF2-40B4-BE49-F238E27FC236}">
+                <a16:creationId xmlns:a16="http://schemas.microsoft.com/office/drawing/2014/main" id="{41ED2F07-3F98-92BA-0674-361F80B9C685}"/>
+              </a:ext>
+            </a:extLst>
+          </p:cNvPr>
+          <p:cNvPicPr>
+            <a:picLocks noChangeAspect="1" noChangeArrowheads="1"/>
+          </p:cNvPicPr>
+          <p:nvPr/>
+        </p:nvPicPr>
+        <p:blipFill>
+          <a:blip r:embed="rId2">
+            <a:extLst>
+              <a:ext uri="{28A0092B-C50C-407E-A947-70E740481C1C}">
+                <a14:useLocalDpi xmlns:a14="http://schemas.microsoft.com/office/drawing/2010/main" val="0"/>
+              </a:ext>
+            </a:extLst>
+          </a:blip>
+          <a:srcRect/>
+          <a:stretch>
+            <a:fillRect/>
+          </a:stretch>
+        </p:blipFill>
+        <p:spPr bwMode="auto">
+          <a:xfrm>
+            <a:off x="8150189" y="1825625"/>
+            <a:ext cx="2505075" cy="3848100"/>
+          </a:xfrm>
+          <a:prstGeom prst="rect">
+            <a:avLst/>
+          </a:prstGeom>
+          <a:noFill/>
+          <a:extLst>
+            <a:ext uri="{909E8E84-426E-40DD-AFC4-6F175D3DCCD1}">
+              <a14:hiddenFill xmlns:a14="http://schemas.microsoft.com/office/drawing/2010/main">
+                <a:solidFill>
+                  <a:srgbClr val="FFFFFF"/>
+                </a:solidFill>
+              </a14:hiddenFill>
+            </a:ext>
+          </a:extLst>
+        </p:spPr>
+      </p:pic>
+    </p:spTree>
+    <p:extLst>
+      <p:ext uri="{BB962C8B-B14F-4D97-AF65-F5344CB8AC3E}">
+        <p14:creationId xmlns:p14="http://schemas.microsoft.com/office/powerpoint/2010/main" val="2557365992"/>
+      </p:ext>
+    </p:extLst>
+  </p:cSld>
+  <p:clrMapOvr>
+    <a:masterClrMapping/>
+  </p:clrMapOvr>
+</p:sld>
+</file>
+
+<file path=ppt/slides/slide45.xml><?xml version="1.0" encoding="utf-8"?>
+<p:sld xmlns:a="http://schemas.openxmlformats.org/drawingml/2006/main" xmlns:r="http://schemas.openxmlformats.org/officeDocument/2006/relationships" xmlns:p="http://schemas.openxmlformats.org/presentationml/2006/main">
+  <p:cSld>
+    <p:spTree>
+      <p:nvGrpSpPr>
+        <p:cNvPr id="1" name=""/>
+        <p:cNvGrpSpPr/>
+        <p:nvPr/>
+      </p:nvGrpSpPr>
+      <p:grpSpPr>
+        <a:xfrm>
+          <a:off x="0" y="0"/>
+          <a:ext cx="0" cy="0"/>
+          <a:chOff x="0" y="0"/>
+          <a:chExt cx="0" cy="0"/>
+        </a:xfrm>
+      </p:grpSpPr>
+      <p:sp>
+        <p:nvSpPr>
+          <p:cNvPr id="2" name="제목 1">
+            <a:extLst>
+              <a:ext uri="{FF2B5EF4-FFF2-40B4-BE49-F238E27FC236}">
+                <a16:creationId xmlns:a16="http://schemas.microsoft.com/office/drawing/2014/main" id="{A10C1107-D887-817D-772D-CC23BBCCF937}"/>
+              </a:ext>
+            </a:extLst>
+          </p:cNvPr>
+          <p:cNvSpPr>
+            <a:spLocks noGrp="1"/>
+          </p:cNvSpPr>
+          <p:nvPr>
+            <p:ph type="title"/>
+          </p:nvPr>
+        </p:nvSpPr>
+        <p:spPr/>
+        <p:txBody>
+          <a:bodyPr/>
+          <a:lstStyle/>
+          <a:p>
+            <a:r>
+              <a:rPr lang="en-US" altLang="ko-KR" dirty="0"/>
+              <a:t>C++ for</a:t>
+            </a:r>
+            <a:r>
+              <a:rPr lang="ko-KR" altLang="en-US" dirty="0"/>
+              <a:t> </a:t>
+            </a:r>
+          </a:p>
+        </p:txBody>
+      </p:sp>
+      <p:sp>
+        <p:nvSpPr>
+          <p:cNvPr id="3" name="내용 개체 틀 2">
+            <a:extLst>
+              <a:ext uri="{FF2B5EF4-FFF2-40B4-BE49-F238E27FC236}">
+                <a16:creationId xmlns:a16="http://schemas.microsoft.com/office/drawing/2014/main" id="{1AC45831-416E-BBD8-D7AE-37ED6DC98A4A}"/>
+              </a:ext>
+            </a:extLst>
+          </p:cNvPr>
+          <p:cNvSpPr>
+            <a:spLocks noGrp="1"/>
+          </p:cNvSpPr>
+          <p:nvPr>
+            <p:ph sz="half" idx="1"/>
+          </p:nvPr>
+        </p:nvSpPr>
+        <p:spPr>
+          <a:xfrm>
+            <a:off x="838199" y="1506646"/>
+            <a:ext cx="5956005" cy="4351338"/>
+          </a:xfrm>
+        </p:spPr>
+        <p:txBody>
+          <a:bodyPr>
+            <a:noAutofit/>
+          </a:bodyPr>
+          <a:lstStyle/>
+          <a:p>
+            <a:r>
+              <a:rPr lang="en-US" altLang="ko-KR" sz="1600" dirty="0"/>
+              <a:t>C++</a:t>
+            </a:r>
+            <a:r>
+              <a:rPr lang="ko-KR" altLang="en-US" sz="1600" dirty="0"/>
+              <a:t>에서 </a:t>
+            </a:r>
+            <a:r>
+              <a:rPr lang="en-US" altLang="ko-KR" sz="1600" dirty="0"/>
+              <a:t>for </a:t>
+            </a:r>
+            <a:r>
+              <a:rPr lang="ko-KR" altLang="en-US" sz="1600" dirty="0"/>
+              <a:t>루프의 구문은 −</a:t>
+            </a:r>
+            <a:endParaRPr lang="en-US" altLang="ko-KR" sz="1600" dirty="0"/>
+          </a:p>
+          <a:p>
+            <a:pPr marL="0" indent="0">
+              <a:buNone/>
+            </a:pPr>
+            <a:r>
+              <a:rPr lang="en-US" altLang="ko-KR" sz="1600" dirty="0">
+                <a:solidFill>
+                  <a:srgbClr val="0070C0"/>
+                </a:solidFill>
+              </a:rPr>
+              <a:t>for ( </a:t>
+            </a:r>
+            <a:r>
+              <a:rPr lang="en-US" altLang="ko-KR" sz="1600" dirty="0" err="1">
+                <a:solidFill>
+                  <a:srgbClr val="0070C0"/>
+                </a:solidFill>
+              </a:rPr>
+              <a:t>init</a:t>
+            </a:r>
+            <a:r>
+              <a:rPr lang="en-US" altLang="ko-KR" sz="1600" dirty="0">
+                <a:solidFill>
+                  <a:srgbClr val="0070C0"/>
+                </a:solidFill>
+              </a:rPr>
+              <a:t>; condition; increment ) {</a:t>
+            </a:r>
+          </a:p>
+          <a:p>
+            <a:pPr marL="0" indent="0">
+              <a:buNone/>
+            </a:pPr>
+            <a:r>
+              <a:rPr lang="en-US" altLang="ko-KR" sz="1600" dirty="0">
+                <a:solidFill>
+                  <a:srgbClr val="0070C0"/>
+                </a:solidFill>
+              </a:rPr>
+              <a:t>   statement(s);</a:t>
+            </a:r>
+          </a:p>
+          <a:p>
+            <a:pPr marL="0" indent="0">
+              <a:buNone/>
+            </a:pPr>
+            <a:r>
+              <a:rPr lang="en-US" altLang="ko-KR" sz="1600" dirty="0">
+                <a:solidFill>
+                  <a:srgbClr val="0070C0"/>
+                </a:solidFill>
+              </a:rPr>
+              <a:t>}</a:t>
+            </a:r>
+          </a:p>
+          <a:p>
+            <a:r>
+              <a:rPr lang="ko-KR" altLang="en-US" sz="1600" dirty="0"/>
+              <a:t>다음은 </a:t>
+            </a:r>
+            <a:r>
+              <a:rPr lang="en-US" altLang="ko-KR" sz="1600" dirty="0"/>
+              <a:t>for </a:t>
+            </a:r>
+            <a:r>
+              <a:rPr lang="ko-KR" altLang="en-US" sz="1600" dirty="0"/>
+              <a:t>루프의 제어 흐름입니다</a:t>
+            </a:r>
+            <a:r>
+              <a:rPr lang="en-US" altLang="ko-KR" sz="1600" dirty="0"/>
+              <a:t>.
+</a:t>
+            </a:r>
+            <a:r>
+              <a:rPr lang="en-US" altLang="ko-KR" sz="1600" dirty="0" err="1"/>
+              <a:t>init</a:t>
+            </a:r>
+            <a:r>
+              <a:rPr lang="en-US" altLang="ko-KR" sz="1600" dirty="0"/>
+              <a:t> </a:t>
+            </a:r>
+            <a:r>
+              <a:rPr lang="ko-KR" altLang="en-US" sz="1600" dirty="0"/>
+              <a:t>단계가 먼저 한 번만 실행됩니다</a:t>
+            </a:r>
+            <a:r>
+              <a:rPr lang="en-US" altLang="ko-KR" sz="1600" dirty="0"/>
+              <a:t>. </a:t>
+            </a:r>
+            <a:r>
+              <a:rPr lang="ko-KR" altLang="en-US" sz="1600" dirty="0"/>
+              <a:t>이 단계에서는 루프 제어 변수를 선언하고 초기화할 수 있습니다</a:t>
+            </a:r>
+            <a:r>
+              <a:rPr lang="en-US" altLang="ko-KR" sz="1600" dirty="0"/>
+              <a:t>. </a:t>
+            </a:r>
+            <a:r>
+              <a:rPr lang="ko-KR" altLang="en-US" sz="1600" dirty="0"/>
+              <a:t>세미콜론이 나타나는 한 여기에 문을 넣을 필요는 없습니다</a:t>
+            </a:r>
+            <a:r>
+              <a:rPr lang="en-US" altLang="ko-KR" sz="1600" dirty="0"/>
+              <a:t>.
+</a:t>
+            </a:r>
+            <a:r>
+              <a:rPr lang="ko-KR" altLang="en-US" sz="1600" dirty="0"/>
+              <a:t>그런 다음 조건을 평가합니다</a:t>
+            </a:r>
+            <a:r>
+              <a:rPr lang="en-US" altLang="ko-KR" sz="1600" dirty="0"/>
+              <a:t>. true</a:t>
+            </a:r>
+            <a:r>
+              <a:rPr lang="ko-KR" altLang="en-US" sz="1600" dirty="0"/>
+              <a:t>이면 루프 본문이 실행됩니다</a:t>
+            </a:r>
+            <a:r>
+              <a:rPr lang="en-US" altLang="ko-KR" sz="1600" dirty="0"/>
+              <a:t>. false</a:t>
+            </a:r>
+            <a:r>
+              <a:rPr lang="ko-KR" altLang="en-US" sz="1600" dirty="0"/>
+              <a:t>이면 루프 본문이 실행되지 않고 제어 흐름이 </a:t>
+            </a:r>
+            <a:r>
+              <a:rPr lang="en-US" altLang="ko-KR" sz="1600" dirty="0"/>
+              <a:t>for </a:t>
+            </a:r>
+            <a:r>
+              <a:rPr lang="ko-KR" altLang="en-US" sz="1600" dirty="0"/>
+              <a:t>루프 바로 뒤의 다음 문으로 이동합니다</a:t>
+            </a:r>
+            <a:r>
+              <a:rPr lang="en-US" altLang="ko-KR" sz="1600" dirty="0"/>
+              <a:t>.
+for </a:t>
+            </a:r>
+            <a:r>
+              <a:rPr lang="ko-KR" altLang="en-US" sz="1600" dirty="0"/>
+              <a:t>루프의 본문이 실행된 후 제어 흐름은 </a:t>
+            </a:r>
+            <a:r>
+              <a:rPr lang="en-US" altLang="ko-KR" sz="1600" dirty="0"/>
+              <a:t>increment </a:t>
+            </a:r>
+            <a:r>
+              <a:rPr lang="ko-KR" altLang="en-US" sz="1600" dirty="0"/>
+              <a:t>문으로 다시 이동합니다</a:t>
+            </a:r>
+            <a:r>
+              <a:rPr lang="en-US" altLang="ko-KR" sz="1600" dirty="0"/>
+              <a:t>. </a:t>
+            </a:r>
+            <a:r>
+              <a:rPr lang="ko-KR" altLang="en-US" sz="1600" dirty="0"/>
+              <a:t>이 명령문은 조건 뒤에 세미콜론이 나타나는 한 비워 둘 수 있습니다</a:t>
+            </a:r>
+            <a:r>
+              <a:rPr lang="en-US" altLang="ko-KR" sz="1600" dirty="0"/>
+              <a:t>.
+</a:t>
+            </a:r>
+            <a:r>
+              <a:rPr lang="ko-KR" altLang="en-US" sz="1600" dirty="0"/>
+              <a:t>이제 조건이 다시 평가됩니다</a:t>
+            </a:r>
+            <a:r>
+              <a:rPr lang="en-US" altLang="ko-KR" sz="1600" dirty="0"/>
+              <a:t>. true</a:t>
+            </a:r>
+            <a:r>
+              <a:rPr lang="ko-KR" altLang="en-US" sz="1600" dirty="0"/>
+              <a:t>이면 루프가 실행되고 프로세스가 반복됩니다 </a:t>
+            </a:r>
+            <a:r>
+              <a:rPr lang="en-US" altLang="ko-KR" sz="1600" dirty="0"/>
+              <a:t>(</a:t>
+            </a:r>
+            <a:r>
+              <a:rPr lang="ko-KR" altLang="en-US" sz="1600" dirty="0"/>
+              <a:t>루프 본문</a:t>
+            </a:r>
+            <a:r>
+              <a:rPr lang="en-US" altLang="ko-KR" sz="1600" dirty="0"/>
+              <a:t>, </a:t>
+            </a:r>
+            <a:r>
+              <a:rPr lang="ko-KR" altLang="en-US" sz="1600" dirty="0"/>
+              <a:t>증분 단계 및 다시 조건</a:t>
+            </a:r>
+            <a:r>
+              <a:rPr lang="en-US" altLang="ko-KR" sz="1600" dirty="0"/>
+              <a:t>). </a:t>
+            </a:r>
+            <a:r>
+              <a:rPr lang="ko-KR" altLang="en-US" sz="1600" dirty="0"/>
+              <a:t>조건이 </a:t>
+            </a:r>
+            <a:r>
+              <a:rPr lang="en-US" altLang="ko-KR" sz="1600" dirty="0"/>
+              <a:t>false</a:t>
+            </a:r>
+            <a:r>
+              <a:rPr lang="ko-KR" altLang="en-US" sz="1600" dirty="0"/>
+              <a:t>가 되면 </a:t>
+            </a:r>
+            <a:r>
+              <a:rPr lang="en-US" altLang="ko-KR" sz="1600" dirty="0"/>
+              <a:t>for </a:t>
+            </a:r>
+            <a:r>
+              <a:rPr lang="ko-KR" altLang="en-US" sz="1600" dirty="0"/>
+              <a:t>루프가 종료됩니다</a:t>
+            </a:r>
+            <a:r>
+              <a:rPr lang="en-US" altLang="ko-KR" sz="1600" dirty="0"/>
+              <a:t>.</a:t>
+            </a:r>
+            <a:endParaRPr lang="ko-KR" altLang="en-US" sz="1600" dirty="0"/>
+          </a:p>
+        </p:txBody>
+      </p:sp>
+      <p:pic>
+        <p:nvPicPr>
+          <p:cNvPr id="10242" name="Picture 2" descr="C++ for loop">
+            <a:extLst>
+              <a:ext uri="{FF2B5EF4-FFF2-40B4-BE49-F238E27FC236}">
+                <a16:creationId xmlns:a16="http://schemas.microsoft.com/office/drawing/2014/main" id="{4EF670F0-2C1B-267A-2BC1-4012A4ED46ED}"/>
+              </a:ext>
+            </a:extLst>
+          </p:cNvPr>
+          <p:cNvPicPr>
+            <a:picLocks noChangeAspect="1" noChangeArrowheads="1"/>
+          </p:cNvPicPr>
+          <p:nvPr/>
+        </p:nvPicPr>
+        <p:blipFill>
+          <a:blip r:embed="rId2">
+            <a:extLst>
+              <a:ext uri="{28A0092B-C50C-407E-A947-70E740481C1C}">
+                <a14:useLocalDpi xmlns:a14="http://schemas.microsoft.com/office/drawing/2010/main" val="0"/>
+              </a:ext>
+            </a:extLst>
+          </a:blip>
+          <a:srcRect/>
+          <a:stretch>
+            <a:fillRect/>
+          </a:stretch>
+        </p:blipFill>
+        <p:spPr bwMode="auto">
+          <a:xfrm>
+            <a:off x="7661091" y="1282015"/>
+            <a:ext cx="3419475" cy="4800600"/>
+          </a:xfrm>
+          <a:prstGeom prst="rect">
+            <a:avLst/>
+          </a:prstGeom>
+          <a:noFill/>
+          <a:extLst>
+            <a:ext uri="{909E8E84-426E-40DD-AFC4-6F175D3DCCD1}">
+              <a14:hiddenFill xmlns:a14="http://schemas.microsoft.com/office/drawing/2010/main">
+                <a:solidFill>
+                  <a:srgbClr val="FFFFFF"/>
+                </a:solidFill>
+              </a14:hiddenFill>
+            </a:ext>
+          </a:extLst>
+        </p:spPr>
+      </p:pic>
+    </p:spTree>
+    <p:extLst>
+      <p:ext uri="{BB962C8B-B14F-4D97-AF65-F5344CB8AC3E}">
+        <p14:creationId xmlns:p14="http://schemas.microsoft.com/office/powerpoint/2010/main" val="2836669992"/>
+      </p:ext>
+    </p:extLst>
+  </p:cSld>
+  <p:clrMapOvr>
+    <a:masterClrMapping/>
+  </p:clrMapOvr>
+</p:sld>
+</file>
+
+<file path=ppt/slides/slide46.xml><?xml version="1.0" encoding="utf-8"?>
+<p:sld xmlns:a="http://schemas.openxmlformats.org/drawingml/2006/main" xmlns:r="http://schemas.openxmlformats.org/officeDocument/2006/relationships" xmlns:p="http://schemas.openxmlformats.org/presentationml/2006/main">
+  <p:cSld>
+    <p:spTree>
+      <p:nvGrpSpPr>
+        <p:cNvPr id="1" name=""/>
+        <p:cNvGrpSpPr/>
+        <p:nvPr/>
+      </p:nvGrpSpPr>
+      <p:grpSpPr>
+        <a:xfrm>
+          <a:off x="0" y="0"/>
+          <a:ext cx="0" cy="0"/>
+          <a:chOff x="0" y="0"/>
+          <a:chExt cx="0" cy="0"/>
+        </a:xfrm>
+      </p:grpSpPr>
+      <p:sp>
+        <p:nvSpPr>
+          <p:cNvPr id="2" name="제목 1">
+            <a:extLst>
+              <a:ext uri="{FF2B5EF4-FFF2-40B4-BE49-F238E27FC236}">
+                <a16:creationId xmlns:a16="http://schemas.microsoft.com/office/drawing/2014/main" id="{C9496A61-277D-535C-D103-AA5411502349}"/>
+              </a:ext>
+            </a:extLst>
+          </p:cNvPr>
+          <p:cNvSpPr>
+            <a:spLocks noGrp="1"/>
+          </p:cNvSpPr>
+          <p:nvPr>
+            <p:ph type="title"/>
+          </p:nvPr>
+        </p:nvSpPr>
+        <p:spPr/>
+        <p:txBody>
+          <a:bodyPr/>
+          <a:lstStyle/>
+          <a:p>
+            <a:r>
+              <a:rPr lang="en-US" altLang="ko-KR" dirty="0"/>
+              <a:t>C++ do – while </a:t>
+            </a:r>
+            <a:endParaRPr lang="ko-KR" altLang="en-US" dirty="0"/>
+          </a:p>
+        </p:txBody>
+      </p:sp>
+      <p:sp>
+        <p:nvSpPr>
+          <p:cNvPr id="3" name="내용 개체 틀 2">
+            <a:extLst>
+              <a:ext uri="{FF2B5EF4-FFF2-40B4-BE49-F238E27FC236}">
+                <a16:creationId xmlns:a16="http://schemas.microsoft.com/office/drawing/2014/main" id="{ADEE7AC9-1ABC-065F-D30F-6D1A25830572}"/>
+              </a:ext>
+            </a:extLst>
+          </p:cNvPr>
+          <p:cNvSpPr>
+            <a:spLocks noGrp="1"/>
+          </p:cNvSpPr>
+          <p:nvPr>
+            <p:ph sz="half" idx="1"/>
+          </p:nvPr>
+        </p:nvSpPr>
+        <p:spPr/>
+        <p:txBody>
+          <a:bodyPr>
+            <a:normAutofit lnSpcReduction="10000"/>
+          </a:bodyPr>
+          <a:lstStyle/>
+          <a:p>
+            <a:r>
+              <a:rPr lang="ko-KR" altLang="en-US" sz="1600" dirty="0"/>
+              <a:t>루프의 맨 위에서 루프 조건을 테스트하는 </a:t>
+            </a:r>
+            <a:r>
+              <a:rPr lang="en-US" altLang="ko-KR" sz="1600" dirty="0"/>
+              <a:t>for </a:t>
+            </a:r>
+            <a:r>
+              <a:rPr lang="ko-KR" altLang="en-US" sz="1600" dirty="0"/>
+              <a:t>및 </a:t>
+            </a:r>
+            <a:r>
+              <a:rPr lang="en-US" altLang="ko-KR" sz="1600" dirty="0"/>
+              <a:t>while </a:t>
+            </a:r>
+            <a:r>
+              <a:rPr lang="ko-KR" altLang="en-US" sz="1600" dirty="0"/>
+              <a:t>루프와 달리 </a:t>
+            </a:r>
+            <a:r>
+              <a:rPr lang="en-US" altLang="ko-KR" sz="1600" dirty="0"/>
+              <a:t>do... while </a:t>
+            </a:r>
+            <a:r>
+              <a:rPr lang="ko-KR" altLang="en-US" sz="1600" dirty="0"/>
+              <a:t>루프는 루프의 맨 아래에서 상태를 확인합니다</a:t>
+            </a:r>
+            <a:r>
+              <a:rPr lang="en-US" altLang="ko-KR" sz="1600" dirty="0"/>
+              <a:t>.
+</a:t>
+            </a:r>
+            <a:r>
+              <a:rPr lang="ko-KR" altLang="en-US" sz="1600" dirty="0"/>
+              <a:t>할 일</a:t>
+            </a:r>
+            <a:r>
+              <a:rPr lang="en-US" altLang="ko-KR" sz="1600" dirty="0"/>
+              <a:t>... while </a:t>
+            </a:r>
+            <a:r>
+              <a:rPr lang="ko-KR" altLang="en-US" sz="1600" dirty="0"/>
+              <a:t>루프는 </a:t>
+            </a:r>
+            <a:r>
+              <a:rPr lang="en-US" altLang="ko-KR" sz="1600" dirty="0"/>
+              <a:t>while </a:t>
+            </a:r>
+            <a:r>
+              <a:rPr lang="ko-KR" altLang="en-US" sz="1600" dirty="0"/>
+              <a:t>루프와 유사하지만 </a:t>
+            </a:r>
+            <a:r>
+              <a:rPr lang="en-US" altLang="ko-KR" sz="1600" dirty="0"/>
+              <a:t>do... while </a:t>
+            </a:r>
+            <a:r>
+              <a:rPr lang="ko-KR" altLang="en-US" sz="1600" dirty="0"/>
+              <a:t>루프는 적어도 한 번 실행이 보장됩니다</a:t>
+            </a:r>
+            <a:r>
+              <a:rPr lang="en-US" altLang="ko-KR" sz="1600" dirty="0"/>
+              <a:t>.
+do</a:t>
+            </a:r>
+            <a:r>
+              <a:rPr lang="ko-KR" altLang="en-US" sz="1600" dirty="0"/>
+              <a:t>의 구문</a:t>
+            </a:r>
+            <a:r>
+              <a:rPr lang="en-US" altLang="ko-KR" sz="1600" dirty="0"/>
+              <a:t>... while </a:t>
+            </a:r>
+            <a:r>
+              <a:rPr lang="ko-KR" altLang="en-US" sz="1600" dirty="0"/>
+              <a:t>루프는 </a:t>
+            </a:r>
+            <a:r>
+              <a:rPr lang="en-US" altLang="ko-KR" sz="1600" dirty="0"/>
+              <a:t>C++</a:t>
+            </a:r>
+            <a:r>
+              <a:rPr lang="ko-KR" altLang="en-US" sz="1600" dirty="0"/>
+              <a:t>에서 −</a:t>
+            </a:r>
+            <a:endParaRPr lang="en-US" altLang="ko-KR" sz="1600" dirty="0"/>
+          </a:p>
+          <a:p>
+            <a:pPr marL="0" indent="0">
+              <a:buNone/>
+            </a:pPr>
+            <a:r>
+              <a:rPr lang="en-US" altLang="ko-KR" sz="1600" dirty="0">
+                <a:solidFill>
+                  <a:srgbClr val="0070C0"/>
+                </a:solidFill>
+              </a:rPr>
+              <a:t>do {</a:t>
+            </a:r>
+          </a:p>
+          <a:p>
+            <a:pPr marL="0" indent="0">
+              <a:buNone/>
+            </a:pPr>
+            <a:r>
+              <a:rPr lang="en-US" altLang="ko-KR" sz="1600" dirty="0">
+                <a:solidFill>
+                  <a:srgbClr val="0070C0"/>
+                </a:solidFill>
+              </a:rPr>
+              <a:t>   statement(s);</a:t>
+            </a:r>
+          </a:p>
+          <a:p>
+            <a:pPr marL="0" indent="0">
+              <a:buNone/>
+            </a:pPr>
+            <a:r>
+              <a:rPr lang="en-US" altLang="ko-KR" sz="1600" dirty="0">
+                <a:solidFill>
+                  <a:srgbClr val="0070C0"/>
+                </a:solidFill>
+              </a:rPr>
+              <a:t>} </a:t>
+            </a:r>
+          </a:p>
+          <a:p>
+            <a:r>
+              <a:rPr lang="en-US" altLang="ko-KR" sz="1600" dirty="0"/>
+              <a:t>while( </a:t>
+            </a:r>
+            <a:r>
+              <a:rPr lang="ko-KR" altLang="en-US" sz="1600" dirty="0"/>
+              <a:t>조건 </a:t>
+            </a:r>
+            <a:r>
+              <a:rPr lang="en-US" altLang="ko-KR" sz="1600" dirty="0"/>
+              <a:t>);
+</a:t>
+            </a:r>
+            <a:r>
+              <a:rPr lang="ko-KR" altLang="en-US" sz="1600" dirty="0"/>
+              <a:t>조건식은 루프의 끝에 나타나므로 조건이 테스트되기 전에 루프의 문이 한 번 실행됩니다</a:t>
+            </a:r>
+            <a:r>
+              <a:rPr lang="en-US" altLang="ko-KR" sz="1600" dirty="0"/>
+              <a:t>.
+</a:t>
+            </a:r>
+            <a:r>
+              <a:rPr lang="ko-KR" altLang="en-US" sz="1600" dirty="0"/>
+              <a:t>조건이 참이면 제어 흐름이 다시 </a:t>
+            </a:r>
+            <a:r>
+              <a:rPr lang="en-US" altLang="ko-KR" sz="1600" dirty="0"/>
+              <a:t>do</a:t>
+            </a:r>
+            <a:r>
+              <a:rPr lang="ko-KR" altLang="en-US" sz="1600" dirty="0"/>
+              <a:t>로 이동하고 루프의 문이 다시 실행됩니다</a:t>
+            </a:r>
+            <a:r>
+              <a:rPr lang="en-US" altLang="ko-KR" sz="1600" dirty="0"/>
+              <a:t>. </a:t>
+            </a:r>
+            <a:r>
+              <a:rPr lang="ko-KR" altLang="en-US" sz="1600" dirty="0"/>
+              <a:t>이 프로세스는 주어진 조건이 </a:t>
+            </a:r>
+            <a:r>
+              <a:rPr lang="en-US" altLang="ko-KR" sz="1600" dirty="0"/>
+              <a:t>false</a:t>
+            </a:r>
+            <a:r>
+              <a:rPr lang="ko-KR" altLang="en-US" sz="1600" dirty="0"/>
+              <a:t>가 될 때까지 반복됩니다</a:t>
+            </a:r>
+            <a:r>
+              <a:rPr lang="en-US" altLang="ko-KR" sz="1600" dirty="0"/>
+              <a:t>.</a:t>
+            </a:r>
+            <a:endParaRPr lang="ko-KR" altLang="en-US" sz="1600" dirty="0"/>
+          </a:p>
+        </p:txBody>
+      </p:sp>
+      <p:pic>
+        <p:nvPicPr>
+          <p:cNvPr id="11266" name="Picture 2" descr="C++ do...while loop">
+            <a:extLst>
+              <a:ext uri="{FF2B5EF4-FFF2-40B4-BE49-F238E27FC236}">
+                <a16:creationId xmlns:a16="http://schemas.microsoft.com/office/drawing/2014/main" id="{DE133B1A-96BA-4DAA-77E9-29FAE1E76486}"/>
+              </a:ext>
+            </a:extLst>
+          </p:cNvPr>
+          <p:cNvPicPr>
+            <a:picLocks noChangeAspect="1" noChangeArrowheads="1"/>
+          </p:cNvPicPr>
+          <p:nvPr/>
+        </p:nvPicPr>
+        <p:blipFill>
+          <a:blip r:embed="rId2">
+            <a:extLst>
+              <a:ext uri="{28A0092B-C50C-407E-A947-70E740481C1C}">
+                <a14:useLocalDpi xmlns:a14="http://schemas.microsoft.com/office/drawing/2010/main" val="0"/>
+              </a:ext>
+            </a:extLst>
+          </a:blip>
+          <a:srcRect/>
+          <a:stretch>
+            <a:fillRect/>
+          </a:stretch>
+        </p:blipFill>
+        <p:spPr bwMode="auto">
+          <a:xfrm>
+            <a:off x="7328602" y="1875776"/>
+            <a:ext cx="3240161" cy="3871817"/>
+          </a:xfrm>
+          <a:prstGeom prst="rect">
+            <a:avLst/>
+          </a:prstGeom>
+          <a:noFill/>
+          <a:extLst>
+            <a:ext uri="{909E8E84-426E-40DD-AFC4-6F175D3DCCD1}">
+              <a14:hiddenFill xmlns:a14="http://schemas.microsoft.com/office/drawing/2010/main">
+                <a:solidFill>
+                  <a:srgbClr val="FFFFFF"/>
+                </a:solidFill>
+              </a14:hiddenFill>
+            </a:ext>
+          </a:extLst>
+        </p:spPr>
+      </p:pic>
+    </p:spTree>
+    <p:extLst>
+      <p:ext uri="{BB962C8B-B14F-4D97-AF65-F5344CB8AC3E}">
+        <p14:creationId xmlns:p14="http://schemas.microsoft.com/office/powerpoint/2010/main" val="3319916209"/>
+      </p:ext>
+    </p:extLst>
+  </p:cSld>
+  <p:clrMapOvr>
+    <a:masterClrMapping/>
+  </p:clrMapOvr>
+</p:sld>
+</file>
+
+<file path=ppt/slides/slide47.xml><?xml version="1.0" encoding="utf-8"?>
+<p:sld xmlns:a="http://schemas.openxmlformats.org/drawingml/2006/main" xmlns:r="http://schemas.openxmlformats.org/officeDocument/2006/relationships" xmlns:p="http://schemas.openxmlformats.org/presentationml/2006/main">
+  <p:cSld>
+    <p:spTree>
+      <p:nvGrpSpPr>
+        <p:cNvPr id="1" name=""/>
+        <p:cNvGrpSpPr/>
+        <p:nvPr/>
+      </p:nvGrpSpPr>
+      <p:grpSpPr>
+        <a:xfrm>
+          <a:off x="0" y="0"/>
+          <a:ext cx="0" cy="0"/>
+          <a:chOff x="0" y="0"/>
+          <a:chExt cx="0" cy="0"/>
+        </a:xfrm>
+      </p:grpSpPr>
+      <p:sp>
+        <p:nvSpPr>
+          <p:cNvPr id="2" name="제목 1">
+            <a:extLst>
+              <a:ext uri="{FF2B5EF4-FFF2-40B4-BE49-F238E27FC236}">
+                <a16:creationId xmlns:a16="http://schemas.microsoft.com/office/drawing/2014/main" id="{C25C1036-8C0E-5DF5-E337-4B022913219E}"/>
+              </a:ext>
+            </a:extLst>
+          </p:cNvPr>
+          <p:cNvSpPr>
+            <a:spLocks noGrp="1"/>
+          </p:cNvSpPr>
+          <p:nvPr>
+            <p:ph type="title"/>
+          </p:nvPr>
+        </p:nvSpPr>
+        <p:spPr/>
+        <p:txBody>
+          <a:bodyPr/>
+          <a:lstStyle/>
+          <a:p>
+            <a:r>
+              <a:rPr lang="en-US" altLang="ko-KR" dirty="0"/>
+              <a:t>C++ break</a:t>
+            </a:r>
+            <a:endParaRPr lang="ko-KR" altLang="en-US" dirty="0"/>
+          </a:p>
+        </p:txBody>
+      </p:sp>
+      <p:sp>
+        <p:nvSpPr>
+          <p:cNvPr id="3" name="내용 개체 틀 2">
+            <a:extLst>
+              <a:ext uri="{FF2B5EF4-FFF2-40B4-BE49-F238E27FC236}">
+                <a16:creationId xmlns:a16="http://schemas.microsoft.com/office/drawing/2014/main" id="{95204D92-BB15-22BB-0D2D-C3C097B920DA}"/>
+              </a:ext>
+            </a:extLst>
+          </p:cNvPr>
+          <p:cNvSpPr>
+            <a:spLocks noGrp="1"/>
+          </p:cNvSpPr>
+          <p:nvPr>
+            <p:ph sz="half" idx="1"/>
+          </p:nvPr>
+        </p:nvSpPr>
+        <p:spPr/>
+        <p:txBody>
+          <a:bodyPr>
+            <a:normAutofit/>
+          </a:bodyPr>
+          <a:lstStyle/>
+          <a:p>
+            <a:r>
+              <a:rPr lang="en-US" altLang="ko-KR" sz="1600" dirty="0"/>
+              <a:t>break </a:t>
+            </a:r>
+            <a:r>
+              <a:rPr lang="ko-KR" altLang="en-US" sz="1600" dirty="0"/>
+              <a:t>문은 </a:t>
+            </a:r>
+            <a:r>
+              <a:rPr lang="en-US" altLang="ko-KR" sz="1600" dirty="0"/>
+              <a:t>C++</a:t>
+            </a:r>
+            <a:r>
+              <a:rPr lang="ko-KR" altLang="en-US" sz="1600" dirty="0"/>
+              <a:t>에서 다음과 같은 두 가지 사용법을 가지고 있습니다</a:t>
+            </a:r>
+            <a:r>
+              <a:rPr lang="en-US" altLang="ko-KR" sz="1600" dirty="0"/>
+              <a:t>.
+</a:t>
+            </a:r>
+            <a:r>
+              <a:rPr lang="ko-KR" altLang="en-US" sz="1600" dirty="0"/>
+              <a:t>루프 내에서 </a:t>
+            </a:r>
+            <a:r>
+              <a:rPr lang="en-US" altLang="ko-KR" sz="1600" dirty="0"/>
+              <a:t>break </a:t>
+            </a:r>
+            <a:r>
+              <a:rPr lang="ko-KR" altLang="en-US" sz="1600" dirty="0"/>
+              <a:t>문이 발견되면 루프가 즉시 종료되고 루프 다음 문에서 프로그램 제어가 다시 시작됩니다</a:t>
+            </a:r>
+            <a:r>
+              <a:rPr lang="en-US" altLang="ko-KR" sz="1600" dirty="0"/>
+              <a:t>.
+switch </a:t>
+            </a:r>
+            <a:r>
+              <a:rPr lang="ko-KR" altLang="en-US" sz="1600" dirty="0"/>
+              <a:t>문에서 케이스를 종료하는 데 사용할 수 있습니다</a:t>
+            </a:r>
+            <a:r>
+              <a:rPr lang="en-US" altLang="ko-KR" sz="1600" dirty="0"/>
+              <a:t>(</a:t>
+            </a:r>
+            <a:r>
+              <a:rPr lang="ko-KR" altLang="en-US" sz="1600" dirty="0"/>
+              <a:t>다음 장에서 설명</a:t>
+            </a:r>
+            <a:r>
+              <a:rPr lang="en-US" altLang="ko-KR" sz="1600" dirty="0"/>
+              <a:t>).
+</a:t>
+            </a:r>
+            <a:r>
+              <a:rPr lang="ko-KR" altLang="en-US" sz="1600" dirty="0"/>
+              <a:t>중첩 루프</a:t>
+            </a:r>
+            <a:r>
+              <a:rPr lang="en-US" altLang="ko-KR" sz="1600" dirty="0"/>
+              <a:t>(</a:t>
+            </a:r>
+            <a:r>
+              <a:rPr lang="ko-KR" altLang="en-US" sz="1600" dirty="0"/>
+              <a:t>즉</a:t>
+            </a:r>
+            <a:r>
+              <a:rPr lang="en-US" altLang="ko-KR" sz="1600" dirty="0"/>
+              <a:t>, </a:t>
+            </a:r>
+            <a:r>
+              <a:rPr lang="ko-KR" altLang="en-US" sz="1600" dirty="0"/>
+              <a:t>한 루프가 다른 루프 안에 있음</a:t>
+            </a:r>
+            <a:r>
+              <a:rPr lang="en-US" altLang="ko-KR" sz="1600" dirty="0"/>
+              <a:t>)</a:t>
+            </a:r>
+            <a:r>
+              <a:rPr lang="ko-KR" altLang="en-US" sz="1600" dirty="0"/>
+              <a:t>를 사용하는 경우 </a:t>
+            </a:r>
+            <a:r>
+              <a:rPr lang="en-US" altLang="ko-KR" sz="1600" dirty="0"/>
+              <a:t>break </a:t>
+            </a:r>
+            <a:r>
+              <a:rPr lang="ko-KR" altLang="en-US" sz="1600" dirty="0"/>
+              <a:t>문은 가장 안쪽 루프의 실행을 중지하고 블록 뒤의 다음 코드 줄을 실행하기 시작합니다</a:t>
+            </a:r>
+            <a:r>
+              <a:rPr lang="en-US" altLang="ko-KR" sz="1600" dirty="0"/>
+              <a:t>.
+C++</a:t>
+            </a:r>
+            <a:r>
+              <a:rPr lang="ko-KR" altLang="en-US" sz="1600" dirty="0"/>
+              <a:t>에서 </a:t>
+            </a:r>
+            <a:r>
+              <a:rPr lang="en-US" altLang="ko-KR" sz="1600" dirty="0"/>
+              <a:t>break </a:t>
+            </a:r>
+            <a:r>
+              <a:rPr lang="ko-KR" altLang="en-US" sz="1600" dirty="0"/>
+              <a:t>문의 구문은 −</a:t>
+            </a:r>
+            <a:endParaRPr lang="en-US" altLang="ko-KR" sz="1600" dirty="0"/>
+          </a:p>
+          <a:p>
+            <a:pPr marL="0" indent="0">
+              <a:buNone/>
+            </a:pPr>
+            <a:r>
+              <a:rPr lang="en-US" altLang="ko-KR" sz="1600" dirty="0">
+                <a:solidFill>
+                  <a:srgbClr val="0070C0"/>
+                </a:solidFill>
+              </a:rPr>
+              <a:t>break;</a:t>
+            </a:r>
+            <a:endParaRPr lang="ko-KR" altLang="en-US" sz="1600" dirty="0">
+              <a:solidFill>
+                <a:srgbClr val="0070C0"/>
+              </a:solidFill>
+            </a:endParaRPr>
+          </a:p>
+        </p:txBody>
+      </p:sp>
+      <p:pic>
+        <p:nvPicPr>
+          <p:cNvPr id="12290" name="Picture 2" descr="C++ break statement">
+            <a:extLst>
+              <a:ext uri="{FF2B5EF4-FFF2-40B4-BE49-F238E27FC236}">
+                <a16:creationId xmlns:a16="http://schemas.microsoft.com/office/drawing/2014/main" id="{A3E5ECD7-D873-9A90-71E1-FB69DDB413D7}"/>
+              </a:ext>
+            </a:extLst>
+          </p:cNvPr>
+          <p:cNvPicPr>
+            <a:picLocks noChangeAspect="1" noChangeArrowheads="1"/>
+          </p:cNvPicPr>
+          <p:nvPr/>
+        </p:nvPicPr>
+        <p:blipFill>
+          <a:blip r:embed="rId2">
+            <a:extLst>
+              <a:ext uri="{28A0092B-C50C-407E-A947-70E740481C1C}">
+                <a14:useLocalDpi xmlns:a14="http://schemas.microsoft.com/office/drawing/2010/main" val="0"/>
+              </a:ext>
+            </a:extLst>
+          </a:blip>
+          <a:srcRect/>
+          <a:stretch>
+            <a:fillRect/>
+          </a:stretch>
+        </p:blipFill>
+        <p:spPr bwMode="auto">
+          <a:xfrm>
+            <a:off x="7545683" y="1432692"/>
+            <a:ext cx="3437750" cy="3992615"/>
+          </a:xfrm>
+          <a:prstGeom prst="rect">
+            <a:avLst/>
+          </a:prstGeom>
+          <a:noFill/>
+          <a:extLst>
+            <a:ext uri="{909E8E84-426E-40DD-AFC4-6F175D3DCCD1}">
+              <a14:hiddenFill xmlns:a14="http://schemas.microsoft.com/office/drawing/2010/main">
+                <a:solidFill>
+                  <a:srgbClr val="FFFFFF"/>
+                </a:solidFill>
+              </a14:hiddenFill>
+            </a:ext>
+          </a:extLst>
+        </p:spPr>
+      </p:pic>
+    </p:spTree>
+    <p:extLst>
+      <p:ext uri="{BB962C8B-B14F-4D97-AF65-F5344CB8AC3E}">
+        <p14:creationId xmlns:p14="http://schemas.microsoft.com/office/powerpoint/2010/main" val="252828280"/>
+      </p:ext>
+    </p:extLst>
+  </p:cSld>
+  <p:clrMapOvr>
+    <a:masterClrMapping/>
+  </p:clrMapOvr>
+</p:sld>
+</file>
+
+<file path=ppt/slides/slide48.xml><?xml version="1.0" encoding="utf-8"?>
+<p:sld xmlns:a="http://schemas.openxmlformats.org/drawingml/2006/main" xmlns:r="http://schemas.openxmlformats.org/officeDocument/2006/relationships" xmlns:p="http://schemas.openxmlformats.org/presentationml/2006/main">
+  <p:cSld>
+    <p:spTree>
+      <p:nvGrpSpPr>
+        <p:cNvPr id="1" name=""/>
+        <p:cNvGrpSpPr/>
+        <p:nvPr/>
+      </p:nvGrpSpPr>
+      <p:grpSpPr>
+        <a:xfrm>
+          <a:off x="0" y="0"/>
+          <a:ext cx="0" cy="0"/>
+          <a:chOff x="0" y="0"/>
+          <a:chExt cx="0" cy="0"/>
+        </a:xfrm>
+      </p:grpSpPr>
+      <p:sp>
+        <p:nvSpPr>
+          <p:cNvPr id="2" name="제목 1">
+            <a:extLst>
+              <a:ext uri="{FF2B5EF4-FFF2-40B4-BE49-F238E27FC236}">
+                <a16:creationId xmlns:a16="http://schemas.microsoft.com/office/drawing/2014/main" id="{D5B9DC81-3F84-7196-72B1-14DA8FB63953}"/>
+              </a:ext>
+            </a:extLst>
+          </p:cNvPr>
+          <p:cNvSpPr>
+            <a:spLocks noGrp="1"/>
+          </p:cNvSpPr>
+          <p:nvPr>
+            <p:ph type="title"/>
+          </p:nvPr>
+        </p:nvSpPr>
+        <p:spPr/>
+        <p:txBody>
+          <a:bodyPr/>
+          <a:lstStyle/>
+          <a:p>
+            <a:r>
+              <a:rPr lang="en-US" altLang="ko-KR" dirty="0"/>
+              <a:t>C++ continue</a:t>
+            </a:r>
+            <a:endParaRPr lang="ko-KR" altLang="en-US" dirty="0"/>
+          </a:p>
+        </p:txBody>
+      </p:sp>
+      <p:sp>
+        <p:nvSpPr>
+          <p:cNvPr id="3" name="내용 개체 틀 2">
+            <a:extLst>
+              <a:ext uri="{FF2B5EF4-FFF2-40B4-BE49-F238E27FC236}">
+                <a16:creationId xmlns:a16="http://schemas.microsoft.com/office/drawing/2014/main" id="{5CA86927-CFBC-B0A5-FE7D-BAAE4E1071AA}"/>
+              </a:ext>
+            </a:extLst>
+          </p:cNvPr>
+          <p:cNvSpPr>
+            <a:spLocks noGrp="1"/>
+          </p:cNvSpPr>
+          <p:nvPr>
+            <p:ph sz="half" idx="1"/>
+          </p:nvPr>
+        </p:nvSpPr>
+        <p:spPr/>
+        <p:txBody>
+          <a:bodyPr>
+            <a:normAutofit/>
+          </a:bodyPr>
+          <a:lstStyle/>
+          <a:p>
+            <a:r>
+              <a:rPr lang="en-US" altLang="ko-KR" sz="1600" dirty="0"/>
+              <a:t>continue </a:t>
+            </a:r>
+            <a:r>
+              <a:rPr lang="ko-KR" altLang="en-US" sz="1600" dirty="0"/>
+              <a:t>문은 </a:t>
+            </a:r>
+            <a:r>
+              <a:rPr lang="en-US" altLang="ko-KR" sz="1600" dirty="0"/>
+              <a:t>break </a:t>
+            </a:r>
+            <a:r>
+              <a:rPr lang="ko-KR" altLang="en-US" sz="1600" dirty="0"/>
+              <a:t>문과 비슷하게 작동합니다</a:t>
+            </a:r>
+            <a:r>
+              <a:rPr lang="en-US" altLang="ko-KR" sz="1600" dirty="0"/>
+              <a:t>. </a:t>
+            </a:r>
+            <a:r>
+              <a:rPr lang="ko-KR" altLang="en-US" sz="1600" dirty="0"/>
+              <a:t>그러나 </a:t>
+            </a:r>
+            <a:r>
+              <a:rPr lang="en-US" altLang="ko-KR" sz="1600" dirty="0"/>
+              <a:t>continue</a:t>
+            </a:r>
+            <a:r>
+              <a:rPr lang="ko-KR" altLang="en-US" sz="1600" dirty="0"/>
+              <a:t>는 강제 종료하는 대신 루프의 다음 반복이 발생하도록 강제하고 그 사이의 코드를 건너뜁니다</a:t>
+            </a:r>
+            <a:r>
+              <a:rPr lang="en-US" altLang="ko-KR" sz="1600" dirty="0"/>
+              <a:t>.
+for </a:t>
+            </a:r>
+            <a:r>
+              <a:rPr lang="ko-KR" altLang="en-US" sz="1600" dirty="0"/>
+              <a:t>루프의 경우 </a:t>
+            </a:r>
+            <a:r>
+              <a:rPr lang="en-US" altLang="ko-KR" sz="1600" dirty="0"/>
+              <a:t>continue</a:t>
+            </a:r>
+            <a:r>
+              <a:rPr lang="ko-KR" altLang="en-US" sz="1600" dirty="0"/>
+              <a:t>를 사용하면 루프의 조건부 테스트 및 증분 부분이 실행됩니다</a:t>
+            </a:r>
+            <a:r>
+              <a:rPr lang="en-US" altLang="ko-KR" sz="1600" dirty="0"/>
+              <a:t>. </a:t>
+            </a:r>
+            <a:r>
+              <a:rPr lang="ko-KR" altLang="en-US" sz="1600" dirty="0"/>
+              <a:t>잠시 동안</a:t>
+            </a:r>
+            <a:r>
+              <a:rPr lang="en-US" altLang="ko-KR" sz="1600" dirty="0"/>
+              <a:t>... while </a:t>
+            </a:r>
+            <a:r>
+              <a:rPr lang="ko-KR" altLang="en-US" sz="1600" dirty="0"/>
+              <a:t>루프를 사용하면 프로그램 제어가 조건부 테스트로 전달됩니다</a:t>
+            </a:r>
+            <a:r>
+              <a:rPr lang="en-US" altLang="ko-KR" sz="1600" dirty="0"/>
+              <a:t>.
+</a:t>
+            </a:r>
+            <a:r>
+              <a:rPr lang="ko-KR" altLang="en-US" sz="1600" dirty="0"/>
+              <a:t>통사론
+</a:t>
+            </a:r>
+            <a:r>
+              <a:rPr lang="en-US" altLang="ko-KR" sz="1600" dirty="0"/>
+              <a:t>C++</a:t>
+            </a:r>
+            <a:r>
+              <a:rPr lang="ko-KR" altLang="en-US" sz="1600" dirty="0"/>
+              <a:t>에서 </a:t>
+            </a:r>
+            <a:r>
+              <a:rPr lang="en-US" altLang="ko-KR" sz="1600" dirty="0"/>
+              <a:t>continue </a:t>
+            </a:r>
+            <a:r>
+              <a:rPr lang="ko-KR" altLang="en-US" sz="1600" dirty="0"/>
+              <a:t>문의 구문은 −</a:t>
+            </a:r>
+            <a:endParaRPr lang="en-US" altLang="ko-KR" sz="1600" dirty="0"/>
+          </a:p>
+          <a:p>
+            <a:pPr marL="0" indent="0">
+              <a:buNone/>
+            </a:pPr>
+            <a:r>
+              <a:rPr lang="en-US" altLang="ko-KR" sz="1600" dirty="0">
+                <a:solidFill>
+                  <a:srgbClr val="0070C0"/>
+                </a:solidFill>
+              </a:rPr>
+              <a:t>continue;</a:t>
+            </a:r>
+            <a:endParaRPr lang="ko-KR" altLang="en-US" sz="1600" dirty="0">
+              <a:solidFill>
+                <a:srgbClr val="0070C0"/>
+              </a:solidFill>
+            </a:endParaRPr>
+          </a:p>
+        </p:txBody>
+      </p:sp>
+      <p:sp>
+        <p:nvSpPr>
+          <p:cNvPr id="4" name="내용 개체 틀 3">
+            <a:extLst>
+              <a:ext uri="{FF2B5EF4-FFF2-40B4-BE49-F238E27FC236}">
+                <a16:creationId xmlns:a16="http://schemas.microsoft.com/office/drawing/2014/main" id="{188907B9-8D5F-B1D3-61C9-DB52D6A6C7A8}"/>
+              </a:ext>
+            </a:extLst>
+          </p:cNvPr>
+          <p:cNvSpPr>
+            <a:spLocks noGrp="1"/>
+          </p:cNvSpPr>
+          <p:nvPr>
+            <p:ph sz="half" idx="2"/>
+          </p:nvPr>
+        </p:nvSpPr>
+        <p:spPr/>
+        <p:txBody>
+          <a:bodyPr>
+            <a:normAutofit/>
+          </a:bodyPr>
+          <a:lstStyle/>
+          <a:p>
+            <a:endParaRPr lang="ko-KR" altLang="en-US"/>
+          </a:p>
+        </p:txBody>
+      </p:sp>
+    </p:spTree>
+    <p:extLst>
+      <p:ext uri="{BB962C8B-B14F-4D97-AF65-F5344CB8AC3E}">
+        <p14:creationId xmlns:p14="http://schemas.microsoft.com/office/powerpoint/2010/main" val="840294806"/>
+      </p:ext>
+    </p:extLst>
+  </p:cSld>
+  <p:clrMapOvr>
+    <a:masterClrMapping/>
+  </p:clrMapOvr>
+</p:sld>
+</file>
+
+<file path=ppt/slides/slide49.xml><?xml version="1.0" encoding="utf-8"?>
+<p:sld xmlns:a="http://schemas.openxmlformats.org/drawingml/2006/main" xmlns:r="http://schemas.openxmlformats.org/officeDocument/2006/relationships" xmlns:p="http://schemas.openxmlformats.org/presentationml/2006/main">
+  <p:cSld>
+    <p:spTree>
+      <p:nvGrpSpPr>
+        <p:cNvPr id="1" name=""/>
+        <p:cNvGrpSpPr/>
+        <p:nvPr/>
+      </p:nvGrpSpPr>
+      <p:grpSpPr>
+        <a:xfrm>
+          <a:off x="0" y="0"/>
+          <a:ext cx="0" cy="0"/>
+          <a:chOff x="0" y="0"/>
+          <a:chExt cx="0" cy="0"/>
+        </a:xfrm>
+      </p:grpSpPr>
+      <p:sp>
+        <p:nvSpPr>
+          <p:cNvPr id="2" name="제목 1">
+            <a:extLst>
+              <a:ext uri="{FF2B5EF4-FFF2-40B4-BE49-F238E27FC236}">
+                <a16:creationId xmlns:a16="http://schemas.microsoft.com/office/drawing/2014/main" id="{618169BC-B13E-F87D-74C8-84DA1774F8CF}"/>
+              </a:ext>
+            </a:extLst>
+          </p:cNvPr>
+          <p:cNvSpPr>
+            <a:spLocks noGrp="1"/>
+          </p:cNvSpPr>
+          <p:nvPr>
+            <p:ph type="title"/>
+          </p:nvPr>
+        </p:nvSpPr>
+        <p:spPr/>
+        <p:txBody>
+          <a:bodyPr/>
+          <a:lstStyle/>
+          <a:p>
+            <a:r>
+              <a:rPr lang="ko-KR" altLang="en-US" dirty="0"/>
+              <a:t>중복</a:t>
+            </a:r>
+            <a:r>
+              <a:rPr lang="en-US" altLang="ko-KR" dirty="0"/>
+              <a:t> loop </a:t>
+            </a:r>
+            <a:endParaRPr lang="ko-KR" altLang="en-US" dirty="0"/>
+          </a:p>
+        </p:txBody>
+      </p:sp>
+      <p:sp>
+        <p:nvSpPr>
+          <p:cNvPr id="3" name="내용 개체 틀 2">
+            <a:extLst>
+              <a:ext uri="{FF2B5EF4-FFF2-40B4-BE49-F238E27FC236}">
+                <a16:creationId xmlns:a16="http://schemas.microsoft.com/office/drawing/2014/main" id="{F5E02339-A1EA-A7C2-DADE-323DF5E48781}"/>
+              </a:ext>
+            </a:extLst>
+          </p:cNvPr>
+          <p:cNvSpPr>
+            <a:spLocks noGrp="1"/>
+          </p:cNvSpPr>
+          <p:nvPr>
+            <p:ph sz="half" idx="1"/>
+          </p:nvPr>
+        </p:nvSpPr>
+        <p:spPr>
+          <a:xfrm>
+            <a:off x="838200" y="1410954"/>
+            <a:ext cx="5181600" cy="4351338"/>
+          </a:xfrm>
+        </p:spPr>
+        <p:txBody>
+          <a:bodyPr>
+            <a:noAutofit/>
+          </a:bodyPr>
+          <a:lstStyle/>
+          <a:p>
+            <a:r>
+              <a:rPr lang="ko-KR" altLang="en-US" sz="1400" dirty="0"/>
+              <a:t>루프는 다른 루프 안에 중첩될 수 있습니다</a:t>
+            </a:r>
+            <a:r>
+              <a:rPr lang="en-US" altLang="ko-KR" sz="1400" dirty="0"/>
+              <a:t>. C++</a:t>
+            </a:r>
+            <a:r>
+              <a:rPr lang="ko-KR" altLang="en-US" sz="1400" dirty="0"/>
+              <a:t>에서는 최소 </a:t>
+            </a:r>
+            <a:r>
+              <a:rPr lang="en-US" altLang="ko-KR" sz="1400" dirty="0"/>
+              <a:t>256</a:t>
+            </a:r>
+            <a:r>
+              <a:rPr lang="ko-KR" altLang="en-US" sz="1400" dirty="0"/>
+              <a:t>개의 중첩 수준을 허용합니다</a:t>
+            </a:r>
+            <a:r>
+              <a:rPr lang="en-US" altLang="ko-KR" sz="1400" dirty="0"/>
+              <a:t>.
+C++</a:t>
+            </a:r>
+            <a:r>
+              <a:rPr lang="ko-KR" altLang="en-US" sz="1400" dirty="0"/>
+              <a:t>에서 중첩된 </a:t>
+            </a:r>
+            <a:r>
+              <a:rPr lang="en-US" altLang="ko-KR" sz="1400" dirty="0"/>
+              <a:t>for </a:t>
+            </a:r>
+            <a:r>
+              <a:rPr lang="ko-KR" altLang="en-US" sz="1400" dirty="0"/>
+              <a:t>루프 문의 구문은 다음과 같습니다</a:t>
+            </a:r>
+            <a:r>
+              <a:rPr lang="en-US" altLang="ko-KR" sz="1400" dirty="0"/>
+              <a:t>.</a:t>
+            </a:r>
+          </a:p>
+          <a:p>
+            <a:pPr marL="0" indent="0">
+              <a:buNone/>
+            </a:pPr>
+            <a:r>
+              <a:rPr lang="en-US" altLang="ko-KR" sz="1400" dirty="0">
+                <a:solidFill>
+                  <a:srgbClr val="0070C0"/>
+                </a:solidFill>
+              </a:rPr>
+              <a:t>for ( </a:t>
+            </a:r>
+            <a:r>
+              <a:rPr lang="en-US" altLang="ko-KR" sz="1400" dirty="0" err="1">
+                <a:solidFill>
+                  <a:srgbClr val="0070C0"/>
+                </a:solidFill>
+              </a:rPr>
+              <a:t>init</a:t>
+            </a:r>
+            <a:r>
+              <a:rPr lang="en-US" altLang="ko-KR" sz="1400" dirty="0">
+                <a:solidFill>
+                  <a:srgbClr val="0070C0"/>
+                </a:solidFill>
+              </a:rPr>
+              <a:t>; condition; increment ) {</a:t>
+            </a:r>
+          </a:p>
+          <a:p>
+            <a:pPr marL="0" indent="0">
+              <a:buNone/>
+            </a:pPr>
+            <a:r>
+              <a:rPr lang="en-US" altLang="ko-KR" sz="1400" dirty="0">
+                <a:solidFill>
+                  <a:srgbClr val="0070C0"/>
+                </a:solidFill>
+              </a:rPr>
+              <a:t>   for ( </a:t>
+            </a:r>
+            <a:r>
+              <a:rPr lang="en-US" altLang="ko-KR" sz="1400" dirty="0" err="1">
+                <a:solidFill>
+                  <a:srgbClr val="0070C0"/>
+                </a:solidFill>
+              </a:rPr>
+              <a:t>init</a:t>
+            </a:r>
+            <a:r>
+              <a:rPr lang="en-US" altLang="ko-KR" sz="1400" dirty="0">
+                <a:solidFill>
+                  <a:srgbClr val="0070C0"/>
+                </a:solidFill>
+              </a:rPr>
+              <a:t>; condition; increment ) {</a:t>
+            </a:r>
+          </a:p>
+          <a:p>
+            <a:pPr marL="0" indent="0">
+              <a:buNone/>
+            </a:pPr>
+            <a:r>
+              <a:rPr lang="en-US" altLang="ko-KR" sz="1400" dirty="0">
+                <a:solidFill>
+                  <a:srgbClr val="0070C0"/>
+                </a:solidFill>
+              </a:rPr>
+              <a:t>      statement(s);</a:t>
+            </a:r>
+          </a:p>
+          <a:p>
+            <a:pPr marL="0" indent="0">
+              <a:buNone/>
+            </a:pPr>
+            <a:r>
+              <a:rPr lang="en-US" altLang="ko-KR" sz="1400" dirty="0">
+                <a:solidFill>
+                  <a:srgbClr val="0070C0"/>
+                </a:solidFill>
+              </a:rPr>
+              <a:t>   }</a:t>
+            </a:r>
+          </a:p>
+          <a:p>
+            <a:pPr marL="0" indent="0">
+              <a:buNone/>
+            </a:pPr>
+            <a:r>
+              <a:rPr lang="en-US" altLang="ko-KR" sz="1400" dirty="0">
+                <a:solidFill>
+                  <a:srgbClr val="0070C0"/>
+                </a:solidFill>
+              </a:rPr>
+              <a:t>   statement(s); // you can put more statements.</a:t>
+            </a:r>
+          </a:p>
+          <a:p>
+            <a:pPr marL="0" indent="0">
+              <a:buNone/>
+            </a:pPr>
+            <a:r>
+              <a:rPr lang="en-US" altLang="ko-KR" sz="1400" dirty="0">
+                <a:solidFill>
+                  <a:srgbClr val="0070C0"/>
+                </a:solidFill>
+              </a:rPr>
+              <a:t>}</a:t>
+            </a:r>
+          </a:p>
+          <a:p>
+            <a:r>
+              <a:rPr lang="en-US" altLang="ko-KR" sz="1400" dirty="0"/>
+              <a:t>C++</a:t>
+            </a:r>
+            <a:r>
+              <a:rPr lang="ko-KR" altLang="en-US" sz="1400" dirty="0"/>
+              <a:t>에서 중첩된 </a:t>
+            </a:r>
+            <a:r>
+              <a:rPr lang="en-US" altLang="ko-KR" sz="1400" dirty="0"/>
+              <a:t>while </a:t>
+            </a:r>
+            <a:r>
+              <a:rPr lang="ko-KR" altLang="en-US" sz="1400" dirty="0"/>
+              <a:t>루프 문의 구문은 다음과 같습니다</a:t>
+            </a:r>
+            <a:r>
+              <a:rPr lang="en-US" altLang="ko-KR" sz="1400" dirty="0"/>
+              <a:t>.</a:t>
+            </a:r>
+          </a:p>
+          <a:p>
+            <a:pPr marL="0" indent="0">
+              <a:buNone/>
+            </a:pPr>
+            <a:r>
+              <a:rPr lang="en-US" altLang="ko-KR" sz="1400" dirty="0">
+                <a:solidFill>
+                  <a:srgbClr val="0070C0"/>
+                </a:solidFill>
+              </a:rPr>
+              <a:t>while(condition) {</a:t>
+            </a:r>
+          </a:p>
+          <a:p>
+            <a:pPr marL="0" indent="0">
+              <a:buNone/>
+            </a:pPr>
+            <a:r>
+              <a:rPr lang="en-US" altLang="ko-KR" sz="1400" dirty="0">
+                <a:solidFill>
+                  <a:srgbClr val="0070C0"/>
+                </a:solidFill>
+              </a:rPr>
+              <a:t>   while(condition) {</a:t>
+            </a:r>
+          </a:p>
+          <a:p>
+            <a:pPr marL="0" indent="0">
+              <a:buNone/>
+            </a:pPr>
+            <a:r>
+              <a:rPr lang="en-US" altLang="ko-KR" sz="1400" dirty="0">
+                <a:solidFill>
+                  <a:srgbClr val="0070C0"/>
+                </a:solidFill>
+              </a:rPr>
+              <a:t>      statement(s);</a:t>
+            </a:r>
+          </a:p>
+          <a:p>
+            <a:pPr marL="0" indent="0">
+              <a:buNone/>
+            </a:pPr>
+            <a:r>
+              <a:rPr lang="en-US" altLang="ko-KR" sz="1400" dirty="0">
+                <a:solidFill>
+                  <a:srgbClr val="0070C0"/>
+                </a:solidFill>
+              </a:rPr>
+              <a:t>   }</a:t>
+            </a:r>
+          </a:p>
+          <a:p>
+            <a:pPr marL="0" indent="0">
+              <a:buNone/>
+            </a:pPr>
+            <a:r>
+              <a:rPr lang="en-US" altLang="ko-KR" sz="1400" dirty="0">
+                <a:solidFill>
+                  <a:srgbClr val="0070C0"/>
+                </a:solidFill>
+              </a:rPr>
+              <a:t>   statement(s); // you can put more statements.</a:t>
+            </a:r>
+          </a:p>
+          <a:p>
+            <a:pPr marL="0" indent="0">
+              <a:buNone/>
+            </a:pPr>
+            <a:r>
+              <a:rPr lang="en-US" altLang="ko-KR" sz="1400" dirty="0">
+                <a:solidFill>
+                  <a:srgbClr val="0070C0"/>
+                </a:solidFill>
+              </a:rPr>
+              <a:t>}</a:t>
+            </a:r>
+          </a:p>
+        </p:txBody>
+      </p:sp>
+      <p:sp>
+        <p:nvSpPr>
+          <p:cNvPr id="4" name="내용 개체 틀 3">
+            <a:extLst>
+              <a:ext uri="{FF2B5EF4-FFF2-40B4-BE49-F238E27FC236}">
+                <a16:creationId xmlns:a16="http://schemas.microsoft.com/office/drawing/2014/main" id="{E8F061DC-575B-2FBA-D661-1CE941C5ECA5}"/>
+              </a:ext>
+            </a:extLst>
+          </p:cNvPr>
+          <p:cNvSpPr>
+            <a:spLocks noGrp="1"/>
+          </p:cNvSpPr>
+          <p:nvPr>
+            <p:ph sz="half" idx="2"/>
+          </p:nvPr>
+        </p:nvSpPr>
+        <p:spPr>
+          <a:xfrm>
+            <a:off x="6172200" y="1410954"/>
+            <a:ext cx="5181600" cy="4351338"/>
+          </a:xfrm>
+        </p:spPr>
+        <p:txBody>
+          <a:bodyPr>
+            <a:normAutofit/>
+          </a:bodyPr>
+          <a:lstStyle/>
+          <a:p>
+            <a:r>
+              <a:rPr lang="ko-KR" altLang="en-US" sz="1400" dirty="0"/>
+              <a:t>중첩 된 </a:t>
+            </a:r>
+            <a:r>
+              <a:rPr lang="en-US" altLang="ko-KR" sz="1400" dirty="0"/>
+              <a:t>do</a:t>
+            </a:r>
+            <a:r>
+              <a:rPr lang="ko-KR" altLang="en-US" sz="1400" dirty="0"/>
+              <a:t>에 대한 구문 </a:t>
+            </a:r>
+            <a:r>
+              <a:rPr lang="en-US" altLang="ko-KR" sz="1400" dirty="0"/>
+              <a:t>... C++</a:t>
+            </a:r>
+            <a:r>
+              <a:rPr lang="ko-KR" altLang="en-US" sz="1400" dirty="0"/>
+              <a:t>의 </a:t>
+            </a:r>
+            <a:r>
+              <a:rPr lang="en-US" altLang="ko-KR" sz="1400" dirty="0"/>
+              <a:t>while </a:t>
+            </a:r>
+            <a:r>
+              <a:rPr lang="ko-KR" altLang="en-US" sz="1400" dirty="0"/>
+              <a:t>루프 문은 다음과 같습니다</a:t>
+            </a:r>
+            <a:r>
+              <a:rPr lang="en-US" altLang="ko-KR" sz="1400" dirty="0"/>
+              <a:t>.</a:t>
+            </a:r>
+          </a:p>
+          <a:p>
+            <a:pPr marL="0" indent="0">
+              <a:buNone/>
+            </a:pPr>
+            <a:r>
+              <a:rPr lang="en-US" altLang="ko-KR" sz="1400" dirty="0">
+                <a:solidFill>
+                  <a:srgbClr val="0070C0"/>
+                </a:solidFill>
+              </a:rPr>
+              <a:t>do {</a:t>
+            </a:r>
+          </a:p>
+          <a:p>
+            <a:pPr marL="0" indent="0">
+              <a:buNone/>
+            </a:pPr>
+            <a:r>
+              <a:rPr lang="en-US" altLang="ko-KR" sz="1400" dirty="0">
+                <a:solidFill>
+                  <a:srgbClr val="0070C0"/>
+                </a:solidFill>
+              </a:rPr>
+              <a:t>   statement(s); // you can put more statements.</a:t>
+            </a:r>
+          </a:p>
+          <a:p>
+            <a:pPr marL="0" indent="0">
+              <a:buNone/>
+            </a:pPr>
+            <a:r>
+              <a:rPr lang="en-US" altLang="ko-KR" sz="1400" dirty="0">
+                <a:solidFill>
+                  <a:srgbClr val="0070C0"/>
+                </a:solidFill>
+              </a:rPr>
+              <a:t>   do {</a:t>
+            </a:r>
+          </a:p>
+          <a:p>
+            <a:pPr marL="0" indent="0">
+              <a:buNone/>
+            </a:pPr>
+            <a:r>
+              <a:rPr lang="en-US" altLang="ko-KR" sz="1400" dirty="0">
+                <a:solidFill>
+                  <a:srgbClr val="0070C0"/>
+                </a:solidFill>
+              </a:rPr>
+              <a:t>      statement(s);</a:t>
+            </a:r>
+          </a:p>
+          <a:p>
+            <a:pPr marL="0" indent="0">
+              <a:buNone/>
+            </a:pPr>
+            <a:r>
+              <a:rPr lang="en-US" altLang="ko-KR" sz="1400" dirty="0">
+                <a:solidFill>
+                  <a:srgbClr val="0070C0"/>
+                </a:solidFill>
+              </a:rPr>
+              <a:t>   } while( condition );</a:t>
+            </a:r>
+          </a:p>
+          <a:p>
+            <a:pPr marL="0" indent="0">
+              <a:buNone/>
+            </a:pPr>
+            <a:endParaRPr lang="en-US" altLang="ko-KR" sz="1400" dirty="0">
+              <a:solidFill>
+                <a:srgbClr val="0070C0"/>
+              </a:solidFill>
+            </a:endParaRPr>
+          </a:p>
+          <a:p>
+            <a:pPr marL="0" indent="0">
+              <a:buNone/>
+            </a:pPr>
+            <a:r>
+              <a:rPr lang="en-US" altLang="ko-KR" sz="1400" dirty="0">
+                <a:solidFill>
+                  <a:srgbClr val="0070C0"/>
+                </a:solidFill>
+              </a:rPr>
+              <a:t>} </a:t>
+            </a:r>
+            <a:r>
+              <a:rPr lang="en-US" altLang="ko-KR" sz="1400" dirty="0"/>
+              <a:t>while( condition );</a:t>
+            </a:r>
+            <a:endParaRPr lang="ko-KR" altLang="en-US" sz="1400" dirty="0"/>
+          </a:p>
+          <a:p>
+            <a:endParaRPr lang="ko-KR" altLang="en-US" sz="1400" dirty="0"/>
+          </a:p>
+        </p:txBody>
+      </p:sp>
+    </p:spTree>
+    <p:extLst>
+      <p:ext uri="{BB962C8B-B14F-4D97-AF65-F5344CB8AC3E}">
+        <p14:creationId xmlns:p14="http://schemas.microsoft.com/office/powerpoint/2010/main" val="3293491959"/>
+      </p:ext>
+    </p:extLst>
+  </p:cSld>
+  <p:clrMapOvr>
+    <a:masterClrMapping/>
+  </p:clrMapOvr>
+</p:sld>
+</file>
+
 <file path=ppt/slides/slide5.xml><?xml version="1.0" encoding="utf-8"?>
 <p:sld xmlns:a="http://schemas.openxmlformats.org/drawingml/2006/main" xmlns:r="http://schemas.openxmlformats.org/officeDocument/2006/relationships" xmlns:p="http://schemas.openxmlformats.org/presentationml/2006/main">
   <p:cSld>
@@ -18187,6 +24919,1426 @@
     <p:extLst>
       <p:ext uri="{BB962C8B-B14F-4D97-AF65-F5344CB8AC3E}">
         <p14:creationId xmlns:p14="http://schemas.microsoft.com/office/powerpoint/2010/main" val="1322520126"/>
+      </p:ext>
+    </p:extLst>
+  </p:cSld>
+  <p:clrMapOvr>
+    <a:masterClrMapping/>
+  </p:clrMapOvr>
+</p:sld>
+</file>
+
+<file path=ppt/slides/slide50.xml><?xml version="1.0" encoding="utf-8"?>
+<p:sld xmlns:a="http://schemas.openxmlformats.org/drawingml/2006/main" xmlns:r="http://schemas.openxmlformats.org/officeDocument/2006/relationships" xmlns:p="http://schemas.openxmlformats.org/presentationml/2006/main">
+  <p:cSld>
+    <p:spTree>
+      <p:nvGrpSpPr>
+        <p:cNvPr id="1" name=""/>
+        <p:cNvGrpSpPr/>
+        <p:nvPr/>
+      </p:nvGrpSpPr>
+      <p:grpSpPr>
+        <a:xfrm>
+          <a:off x="0" y="0"/>
+          <a:ext cx="0" cy="0"/>
+          <a:chOff x="0" y="0"/>
+          <a:chExt cx="0" cy="0"/>
+        </a:xfrm>
+      </p:grpSpPr>
+      <p:sp>
+        <p:nvSpPr>
+          <p:cNvPr id="2" name="제목 1">
+            <a:extLst>
+              <a:ext uri="{FF2B5EF4-FFF2-40B4-BE49-F238E27FC236}">
+                <a16:creationId xmlns:a16="http://schemas.microsoft.com/office/drawing/2014/main" id="{511BD9FC-0FEB-8879-CEFF-1B5AD049B8F6}"/>
+              </a:ext>
+            </a:extLst>
+          </p:cNvPr>
+          <p:cNvSpPr>
+            <a:spLocks noGrp="1"/>
+          </p:cNvSpPr>
+          <p:nvPr>
+            <p:ph type="title"/>
+          </p:nvPr>
+        </p:nvSpPr>
+        <p:spPr/>
+        <p:txBody>
+          <a:bodyPr/>
+          <a:lstStyle/>
+          <a:p>
+            <a:r>
+              <a:rPr lang="en-US" altLang="ko-KR" dirty="0"/>
+              <a:t>C++ if </a:t>
+            </a:r>
+            <a:r>
+              <a:rPr lang="ko-KR" altLang="en-US" dirty="0"/>
+              <a:t>조건문 </a:t>
+            </a:r>
+          </a:p>
+        </p:txBody>
+      </p:sp>
+      <p:sp>
+        <p:nvSpPr>
+          <p:cNvPr id="3" name="내용 개체 틀 2">
+            <a:extLst>
+              <a:ext uri="{FF2B5EF4-FFF2-40B4-BE49-F238E27FC236}">
+                <a16:creationId xmlns:a16="http://schemas.microsoft.com/office/drawing/2014/main" id="{E27F5CF8-E5AB-1E75-CD5B-D203B3CEDDA3}"/>
+              </a:ext>
+            </a:extLst>
+          </p:cNvPr>
+          <p:cNvSpPr>
+            <a:spLocks noGrp="1"/>
+          </p:cNvSpPr>
+          <p:nvPr>
+            <p:ph sz="half" idx="1"/>
+          </p:nvPr>
+        </p:nvSpPr>
+        <p:spPr/>
+        <p:txBody>
+          <a:bodyPr>
+            <a:normAutofit/>
+          </a:bodyPr>
+          <a:lstStyle/>
+          <a:p>
+            <a:r>
+              <a:rPr lang="en-US" altLang="ko-KR" sz="1400" dirty="0"/>
+              <a:t>if </a:t>
+            </a:r>
+            <a:r>
+              <a:rPr lang="ko-KR" altLang="en-US" sz="1400" dirty="0"/>
+              <a:t>문은 </a:t>
+            </a:r>
+            <a:r>
+              <a:rPr lang="ko-KR" altLang="en-US" sz="1400" dirty="0" err="1"/>
+              <a:t>부울</a:t>
+            </a:r>
+            <a:r>
+              <a:rPr lang="ko-KR" altLang="en-US" sz="1400" dirty="0"/>
+              <a:t> 표현식과 하나 이상의 문으로 구성됩니다</a:t>
+            </a:r>
+            <a:r>
+              <a:rPr lang="en-US" altLang="ko-KR" sz="1400" dirty="0"/>
+              <a:t>.
+C++</a:t>
+            </a:r>
+            <a:r>
+              <a:rPr lang="ko-KR" altLang="en-US" sz="1400" dirty="0"/>
+              <a:t>에서 </a:t>
+            </a:r>
+            <a:r>
+              <a:rPr lang="en-US" altLang="ko-KR" sz="1400" dirty="0"/>
+              <a:t>if </a:t>
+            </a:r>
+            <a:r>
+              <a:rPr lang="ko-KR" altLang="en-US" sz="1400" dirty="0"/>
+              <a:t>문의 구문은 −</a:t>
+            </a:r>
+            <a:endParaRPr lang="en-US" altLang="ko-KR" sz="1400" dirty="0"/>
+          </a:p>
+          <a:p>
+            <a:pPr marL="0" indent="0">
+              <a:buNone/>
+            </a:pPr>
+            <a:r>
+              <a:rPr lang="en-US" altLang="ko-KR" sz="1400" dirty="0">
+                <a:solidFill>
+                  <a:srgbClr val="0070C0"/>
+                </a:solidFill>
+              </a:rPr>
+              <a:t>if(</a:t>
+            </a:r>
+            <a:r>
+              <a:rPr lang="en-US" altLang="ko-KR" sz="1400" dirty="0" err="1">
+                <a:solidFill>
+                  <a:srgbClr val="0070C0"/>
+                </a:solidFill>
+              </a:rPr>
+              <a:t>boolean_expression</a:t>
+            </a:r>
+            <a:r>
+              <a:rPr lang="en-US" altLang="ko-KR" sz="1400" dirty="0">
+                <a:solidFill>
+                  <a:srgbClr val="0070C0"/>
+                </a:solidFill>
+              </a:rPr>
+              <a:t>) {</a:t>
+            </a:r>
+          </a:p>
+          <a:p>
+            <a:pPr marL="0" indent="0">
+              <a:buNone/>
+            </a:pPr>
+            <a:r>
+              <a:rPr lang="en-US" altLang="ko-KR" sz="1400" dirty="0">
+                <a:solidFill>
+                  <a:srgbClr val="0070C0"/>
+                </a:solidFill>
+              </a:rPr>
+              <a:t>   // statement(s) will execute if the </a:t>
+            </a:r>
+            <a:r>
+              <a:rPr lang="en-US" altLang="ko-KR" sz="1400" dirty="0" err="1">
+                <a:solidFill>
+                  <a:srgbClr val="0070C0"/>
+                </a:solidFill>
+              </a:rPr>
+              <a:t>boolean</a:t>
+            </a:r>
+            <a:r>
+              <a:rPr lang="en-US" altLang="ko-KR" sz="1400" dirty="0">
+                <a:solidFill>
+                  <a:srgbClr val="0070C0"/>
+                </a:solidFill>
+              </a:rPr>
+              <a:t> expression is true</a:t>
+            </a:r>
+          </a:p>
+          <a:p>
+            <a:pPr marL="0" indent="0">
+              <a:buNone/>
+            </a:pPr>
+            <a:r>
+              <a:rPr lang="en-US" altLang="ko-KR" sz="1400" dirty="0">
+                <a:solidFill>
+                  <a:srgbClr val="0070C0"/>
+                </a:solidFill>
+              </a:rPr>
+              <a:t>}</a:t>
+            </a:r>
+          </a:p>
+          <a:p>
+            <a:r>
+              <a:rPr lang="ko-KR" altLang="en-US" sz="1400" dirty="0" err="1"/>
+              <a:t>부울</a:t>
+            </a:r>
+            <a:r>
+              <a:rPr lang="ko-KR" altLang="en-US" sz="1400" dirty="0"/>
+              <a:t> 표현식이 </a:t>
+            </a:r>
+            <a:r>
+              <a:rPr lang="en-US" altLang="ko-KR" sz="1400" dirty="0"/>
+              <a:t>true</a:t>
+            </a:r>
+            <a:r>
+              <a:rPr lang="ko-KR" altLang="en-US" sz="1400" dirty="0"/>
+              <a:t>로 평가되면 </a:t>
+            </a:r>
+            <a:r>
+              <a:rPr lang="en-US" altLang="ko-KR" sz="1400" dirty="0"/>
+              <a:t>if </a:t>
+            </a:r>
+            <a:r>
+              <a:rPr lang="ko-KR" altLang="en-US" sz="1400" dirty="0"/>
+              <a:t>문 내의 코드 블록이 실행됩니다</a:t>
+            </a:r>
+            <a:r>
+              <a:rPr lang="en-US" altLang="ko-KR" sz="1400" dirty="0"/>
+              <a:t>. </a:t>
+            </a:r>
+            <a:r>
+              <a:rPr lang="ko-KR" altLang="en-US" sz="1400" dirty="0" err="1"/>
+              <a:t>부울</a:t>
+            </a:r>
+            <a:r>
+              <a:rPr lang="ko-KR" altLang="en-US" sz="1400" dirty="0"/>
+              <a:t> 표현식이 </a:t>
+            </a:r>
+            <a:r>
+              <a:rPr lang="en-US" altLang="ko-KR" sz="1400" dirty="0"/>
+              <a:t>false</a:t>
+            </a:r>
+            <a:r>
+              <a:rPr lang="ko-KR" altLang="en-US" sz="1400" dirty="0"/>
+              <a:t>로 평가되면 </a:t>
+            </a:r>
+            <a:r>
+              <a:rPr lang="en-US" altLang="ko-KR" sz="1400" dirty="0"/>
+              <a:t>if </a:t>
+            </a:r>
+            <a:r>
+              <a:rPr lang="ko-KR" altLang="en-US" sz="1400" dirty="0"/>
+              <a:t>문의 끝 뒤</a:t>
+            </a:r>
+            <a:r>
+              <a:rPr lang="en-US" altLang="ko-KR" sz="1400" dirty="0"/>
+              <a:t>(</a:t>
+            </a:r>
+            <a:r>
+              <a:rPr lang="ko-KR" altLang="en-US" sz="1400" dirty="0"/>
+              <a:t>닫는 중괄호 뒤</a:t>
+            </a:r>
+            <a:r>
+              <a:rPr lang="en-US" altLang="ko-KR" sz="1400" dirty="0"/>
+              <a:t>)</a:t>
+            </a:r>
+            <a:r>
+              <a:rPr lang="ko-KR" altLang="en-US" sz="1400" dirty="0"/>
+              <a:t>의 첫 번째 코드 집합이 실행됩니다</a:t>
+            </a:r>
+            <a:r>
+              <a:rPr lang="en-US" altLang="ko-KR" sz="1400" dirty="0"/>
+              <a:t>.</a:t>
+            </a:r>
+            <a:endParaRPr lang="ko-KR" altLang="en-US" sz="1400" dirty="0"/>
+          </a:p>
+        </p:txBody>
+      </p:sp>
+      <p:sp>
+        <p:nvSpPr>
+          <p:cNvPr id="4" name="내용 개체 틀 3">
+            <a:extLst>
+              <a:ext uri="{FF2B5EF4-FFF2-40B4-BE49-F238E27FC236}">
+                <a16:creationId xmlns:a16="http://schemas.microsoft.com/office/drawing/2014/main" id="{06091F4C-3724-CBAE-CF26-6E7021FD5250}"/>
+              </a:ext>
+            </a:extLst>
+          </p:cNvPr>
+          <p:cNvSpPr>
+            <a:spLocks noGrp="1"/>
+          </p:cNvSpPr>
+          <p:nvPr>
+            <p:ph sz="half" idx="2"/>
+          </p:nvPr>
+        </p:nvSpPr>
+        <p:spPr/>
+        <p:txBody>
+          <a:bodyPr>
+            <a:normAutofit/>
+          </a:bodyPr>
+          <a:lstStyle/>
+          <a:p>
+            <a:endParaRPr lang="ko-KR" altLang="en-US"/>
+          </a:p>
+        </p:txBody>
+      </p:sp>
+    </p:spTree>
+    <p:extLst>
+      <p:ext uri="{BB962C8B-B14F-4D97-AF65-F5344CB8AC3E}">
+        <p14:creationId xmlns:p14="http://schemas.microsoft.com/office/powerpoint/2010/main" val="1009187390"/>
+      </p:ext>
+    </p:extLst>
+  </p:cSld>
+  <p:clrMapOvr>
+    <a:masterClrMapping/>
+  </p:clrMapOvr>
+</p:sld>
+</file>
+
+<file path=ppt/slides/slide51.xml><?xml version="1.0" encoding="utf-8"?>
+<p:sld xmlns:a="http://schemas.openxmlformats.org/drawingml/2006/main" xmlns:r="http://schemas.openxmlformats.org/officeDocument/2006/relationships" xmlns:p="http://schemas.openxmlformats.org/presentationml/2006/main">
+  <p:cSld>
+    <p:spTree>
+      <p:nvGrpSpPr>
+        <p:cNvPr id="1" name=""/>
+        <p:cNvGrpSpPr/>
+        <p:nvPr/>
+      </p:nvGrpSpPr>
+      <p:grpSpPr>
+        <a:xfrm>
+          <a:off x="0" y="0"/>
+          <a:ext cx="0" cy="0"/>
+          <a:chOff x="0" y="0"/>
+          <a:chExt cx="0" cy="0"/>
+        </a:xfrm>
+      </p:grpSpPr>
+      <p:sp>
+        <p:nvSpPr>
+          <p:cNvPr id="2" name="제목 1">
+            <a:extLst>
+              <a:ext uri="{FF2B5EF4-FFF2-40B4-BE49-F238E27FC236}">
+                <a16:creationId xmlns:a16="http://schemas.microsoft.com/office/drawing/2014/main" id="{CBED0B98-A780-DC7F-33F8-90EAA3203133}"/>
+              </a:ext>
+            </a:extLst>
+          </p:cNvPr>
+          <p:cNvSpPr>
+            <a:spLocks noGrp="1"/>
+          </p:cNvSpPr>
+          <p:nvPr>
+            <p:ph type="title"/>
+          </p:nvPr>
+        </p:nvSpPr>
+        <p:spPr/>
+        <p:txBody>
+          <a:bodyPr/>
+          <a:lstStyle/>
+          <a:p>
+            <a:r>
+              <a:rPr lang="en-US" altLang="ko-KR" dirty="0"/>
+              <a:t>C++</a:t>
+            </a:r>
+            <a:r>
+              <a:rPr lang="ko-KR" altLang="en-US" dirty="0"/>
+              <a:t> </a:t>
+            </a:r>
+            <a:r>
+              <a:rPr lang="en-US" altLang="ko-KR" dirty="0"/>
+              <a:t>if-else</a:t>
+            </a:r>
+            <a:r>
+              <a:rPr lang="ko-KR" altLang="en-US" dirty="0"/>
+              <a:t> 조건문 </a:t>
+            </a:r>
+          </a:p>
+        </p:txBody>
+      </p:sp>
+      <p:sp>
+        <p:nvSpPr>
+          <p:cNvPr id="3" name="내용 개체 틀 2">
+            <a:extLst>
+              <a:ext uri="{FF2B5EF4-FFF2-40B4-BE49-F238E27FC236}">
+                <a16:creationId xmlns:a16="http://schemas.microsoft.com/office/drawing/2014/main" id="{C06F8369-5F80-9587-CFF9-839B4030A64D}"/>
+              </a:ext>
+            </a:extLst>
+          </p:cNvPr>
+          <p:cNvSpPr>
+            <a:spLocks noGrp="1"/>
+          </p:cNvSpPr>
+          <p:nvPr>
+            <p:ph sz="half" idx="1"/>
+          </p:nvPr>
+        </p:nvSpPr>
+        <p:spPr/>
+        <p:txBody>
+          <a:bodyPr>
+            <a:normAutofit/>
+          </a:bodyPr>
+          <a:lstStyle/>
+          <a:p>
+            <a:r>
+              <a:rPr lang="en-US" altLang="ko-KR" sz="1600" dirty="0"/>
+              <a:t>if </a:t>
+            </a:r>
+            <a:r>
+              <a:rPr lang="ko-KR" altLang="en-US" sz="1600" dirty="0"/>
+              <a:t>문 뒤에는 </a:t>
+            </a:r>
+            <a:r>
+              <a:rPr lang="ko-KR" altLang="en-US" sz="1600" dirty="0" err="1"/>
+              <a:t>부울</a:t>
+            </a:r>
+            <a:r>
+              <a:rPr lang="ko-KR" altLang="en-US" sz="1600" dirty="0"/>
+              <a:t> 식이 </a:t>
+            </a:r>
+            <a:r>
+              <a:rPr lang="en-US" altLang="ko-KR" sz="1600" dirty="0"/>
+              <a:t>false</a:t>
+            </a:r>
+            <a:r>
+              <a:rPr lang="ko-KR" altLang="en-US" sz="1600" dirty="0"/>
+              <a:t>일 때 실행되는 선택적 </a:t>
+            </a:r>
+            <a:r>
+              <a:rPr lang="en-US" altLang="ko-KR" sz="1600" dirty="0"/>
+              <a:t>else </a:t>
+            </a:r>
+            <a:r>
+              <a:rPr lang="ko-KR" altLang="en-US" sz="1600" dirty="0"/>
+              <a:t>문이 올 수 있습니다</a:t>
+            </a:r>
+            <a:r>
+              <a:rPr lang="en-US" altLang="ko-KR" sz="1600" dirty="0"/>
+              <a:t>.
+if... C++</a:t>
+            </a:r>
+            <a:r>
+              <a:rPr lang="ko-KR" altLang="en-US" sz="1600" dirty="0"/>
+              <a:t>의 </a:t>
+            </a:r>
+            <a:r>
+              <a:rPr lang="en-US" altLang="ko-KR" sz="1600" dirty="0"/>
+              <a:t>else </a:t>
+            </a:r>
+            <a:r>
+              <a:rPr lang="ko-KR" altLang="en-US" sz="1600" dirty="0"/>
+              <a:t>문은 −</a:t>
+            </a:r>
+            <a:endParaRPr lang="en-US" altLang="ko-KR" sz="1600" dirty="0"/>
+          </a:p>
+          <a:p>
+            <a:pPr marL="0" indent="0">
+              <a:buNone/>
+            </a:pPr>
+            <a:r>
+              <a:rPr lang="en-US" altLang="ko-KR" sz="1600" dirty="0">
+                <a:solidFill>
+                  <a:srgbClr val="0070C0"/>
+                </a:solidFill>
+              </a:rPr>
+              <a:t>if(</a:t>
+            </a:r>
+            <a:r>
+              <a:rPr lang="en-US" altLang="ko-KR" sz="1600" dirty="0" err="1">
+                <a:solidFill>
+                  <a:srgbClr val="0070C0"/>
+                </a:solidFill>
+              </a:rPr>
+              <a:t>boolean_expression</a:t>
+            </a:r>
+            <a:r>
+              <a:rPr lang="en-US" altLang="ko-KR" sz="1600" dirty="0">
+                <a:solidFill>
+                  <a:srgbClr val="0070C0"/>
+                </a:solidFill>
+              </a:rPr>
+              <a:t>) {</a:t>
+            </a:r>
+          </a:p>
+          <a:p>
+            <a:pPr marL="0" indent="0">
+              <a:buNone/>
+            </a:pPr>
+            <a:r>
+              <a:rPr lang="en-US" altLang="ko-KR" sz="1600" dirty="0">
+                <a:solidFill>
+                  <a:srgbClr val="0070C0"/>
+                </a:solidFill>
+              </a:rPr>
+              <a:t>   // statement(s) will execute if the </a:t>
+            </a:r>
+            <a:r>
+              <a:rPr lang="en-US" altLang="ko-KR" sz="1600" dirty="0" err="1">
+                <a:solidFill>
+                  <a:srgbClr val="0070C0"/>
+                </a:solidFill>
+              </a:rPr>
+              <a:t>boolean</a:t>
+            </a:r>
+            <a:r>
+              <a:rPr lang="en-US" altLang="ko-KR" sz="1600" dirty="0">
+                <a:solidFill>
+                  <a:srgbClr val="0070C0"/>
+                </a:solidFill>
+              </a:rPr>
+              <a:t> expression is true</a:t>
+            </a:r>
+          </a:p>
+          <a:p>
+            <a:pPr marL="0" indent="0">
+              <a:buNone/>
+            </a:pPr>
+            <a:r>
+              <a:rPr lang="en-US" altLang="ko-KR" sz="1600" dirty="0">
+                <a:solidFill>
+                  <a:srgbClr val="0070C0"/>
+                </a:solidFill>
+              </a:rPr>
+              <a:t>} else {</a:t>
+            </a:r>
+          </a:p>
+          <a:p>
+            <a:pPr marL="0" indent="0">
+              <a:buNone/>
+            </a:pPr>
+            <a:r>
+              <a:rPr lang="en-US" altLang="ko-KR" sz="1600" dirty="0">
+                <a:solidFill>
+                  <a:srgbClr val="0070C0"/>
+                </a:solidFill>
+              </a:rPr>
+              <a:t>  // statement(s) will execute if the </a:t>
+            </a:r>
+            <a:r>
+              <a:rPr lang="en-US" altLang="ko-KR" sz="1600" dirty="0" err="1">
+                <a:solidFill>
+                  <a:srgbClr val="0070C0"/>
+                </a:solidFill>
+              </a:rPr>
+              <a:t>boolean</a:t>
+            </a:r>
+            <a:r>
+              <a:rPr lang="en-US" altLang="ko-KR" sz="1600" dirty="0">
+                <a:solidFill>
+                  <a:srgbClr val="0070C0"/>
+                </a:solidFill>
+              </a:rPr>
+              <a:t> expression is false</a:t>
+            </a:r>
+          </a:p>
+          <a:p>
+            <a:pPr marL="0" indent="0">
+              <a:buNone/>
+            </a:pPr>
+            <a:r>
+              <a:rPr lang="en-US" altLang="ko-KR" sz="1600" dirty="0">
+                <a:solidFill>
+                  <a:srgbClr val="0070C0"/>
+                </a:solidFill>
+              </a:rPr>
+              <a:t>}</a:t>
+            </a:r>
+          </a:p>
+          <a:p>
+            <a:r>
+              <a:rPr lang="ko-KR" altLang="en-US" sz="1600" dirty="0" err="1"/>
+              <a:t>부울</a:t>
+            </a:r>
+            <a:r>
+              <a:rPr lang="ko-KR" altLang="en-US" sz="1600" dirty="0"/>
+              <a:t> 표현식이 </a:t>
+            </a:r>
+            <a:r>
+              <a:rPr lang="en-US" altLang="ko-KR" sz="1600" dirty="0"/>
+              <a:t>true</a:t>
+            </a:r>
+            <a:r>
+              <a:rPr lang="ko-KR" altLang="en-US" sz="1600" dirty="0"/>
+              <a:t>로 평가되면 </a:t>
+            </a:r>
+            <a:r>
+              <a:rPr lang="en-US" altLang="ko-KR" sz="1600" dirty="0"/>
+              <a:t>if </a:t>
+            </a:r>
+            <a:r>
+              <a:rPr lang="ko-KR" altLang="en-US" sz="1600" dirty="0"/>
+              <a:t>코드 블록이 실행되고</a:t>
+            </a:r>
+            <a:r>
+              <a:rPr lang="en-US" altLang="ko-KR" sz="1600" dirty="0"/>
+              <a:t>, </a:t>
+            </a:r>
+            <a:r>
+              <a:rPr lang="ko-KR" altLang="en-US" sz="1600" dirty="0"/>
+              <a:t>그렇지 않으면 </a:t>
+            </a:r>
+            <a:r>
+              <a:rPr lang="en-US" altLang="ko-KR" sz="1600" dirty="0"/>
+              <a:t>else </a:t>
+            </a:r>
+            <a:r>
+              <a:rPr lang="ko-KR" altLang="en-US" sz="1600" dirty="0"/>
+              <a:t>코드 블록이 실행됩니다</a:t>
+            </a:r>
+            <a:r>
+              <a:rPr lang="en-US" altLang="ko-KR" sz="1600" dirty="0"/>
+              <a:t>.</a:t>
+            </a:r>
+            <a:endParaRPr lang="ko-KR" altLang="en-US" sz="1600" dirty="0"/>
+          </a:p>
+        </p:txBody>
+      </p:sp>
+      <p:sp>
+        <p:nvSpPr>
+          <p:cNvPr id="4" name="내용 개체 틀 3">
+            <a:extLst>
+              <a:ext uri="{FF2B5EF4-FFF2-40B4-BE49-F238E27FC236}">
+                <a16:creationId xmlns:a16="http://schemas.microsoft.com/office/drawing/2014/main" id="{7AD264C3-8398-2EC9-20EE-7C5D639A6D7A}"/>
+              </a:ext>
+            </a:extLst>
+          </p:cNvPr>
+          <p:cNvSpPr>
+            <a:spLocks noGrp="1"/>
+          </p:cNvSpPr>
+          <p:nvPr>
+            <p:ph sz="half" idx="2"/>
+          </p:nvPr>
+        </p:nvSpPr>
+        <p:spPr/>
+        <p:txBody>
+          <a:bodyPr>
+            <a:normAutofit/>
+          </a:bodyPr>
+          <a:lstStyle/>
+          <a:p>
+            <a:endParaRPr lang="ko-KR" altLang="en-US"/>
+          </a:p>
+        </p:txBody>
+      </p:sp>
+    </p:spTree>
+    <p:extLst>
+      <p:ext uri="{BB962C8B-B14F-4D97-AF65-F5344CB8AC3E}">
+        <p14:creationId xmlns:p14="http://schemas.microsoft.com/office/powerpoint/2010/main" val="1249717438"/>
+      </p:ext>
+    </p:extLst>
+  </p:cSld>
+  <p:clrMapOvr>
+    <a:masterClrMapping/>
+  </p:clrMapOvr>
+</p:sld>
+</file>
+
+<file path=ppt/slides/slide52.xml><?xml version="1.0" encoding="utf-8"?>
+<p:sld xmlns:a="http://schemas.openxmlformats.org/drawingml/2006/main" xmlns:r="http://schemas.openxmlformats.org/officeDocument/2006/relationships" xmlns:p="http://schemas.openxmlformats.org/presentationml/2006/main">
+  <p:cSld>
+    <p:spTree>
+      <p:nvGrpSpPr>
+        <p:cNvPr id="1" name=""/>
+        <p:cNvGrpSpPr/>
+        <p:nvPr/>
+      </p:nvGrpSpPr>
+      <p:grpSpPr>
+        <a:xfrm>
+          <a:off x="0" y="0"/>
+          <a:ext cx="0" cy="0"/>
+          <a:chOff x="0" y="0"/>
+          <a:chExt cx="0" cy="0"/>
+        </a:xfrm>
+      </p:grpSpPr>
+      <p:sp>
+        <p:nvSpPr>
+          <p:cNvPr id="2" name="제목 1">
+            <a:extLst>
+              <a:ext uri="{FF2B5EF4-FFF2-40B4-BE49-F238E27FC236}">
+                <a16:creationId xmlns:a16="http://schemas.microsoft.com/office/drawing/2014/main" id="{E5C43C1A-A3FA-FC72-C135-660042011BD1}"/>
+              </a:ext>
+            </a:extLst>
+          </p:cNvPr>
+          <p:cNvSpPr>
+            <a:spLocks noGrp="1"/>
+          </p:cNvSpPr>
+          <p:nvPr>
+            <p:ph type="title"/>
+          </p:nvPr>
+        </p:nvSpPr>
+        <p:spPr/>
+        <p:txBody>
+          <a:bodyPr/>
+          <a:lstStyle/>
+          <a:p>
+            <a:r>
+              <a:rPr lang="en-US" altLang="ko-KR" dirty="0"/>
+              <a:t>C++ switch </a:t>
+            </a:r>
+            <a:r>
+              <a:rPr lang="ko-KR" altLang="en-US" dirty="0"/>
+              <a:t>문 </a:t>
+            </a:r>
+          </a:p>
+        </p:txBody>
+      </p:sp>
+      <p:sp>
+        <p:nvSpPr>
+          <p:cNvPr id="3" name="내용 개체 틀 2">
+            <a:extLst>
+              <a:ext uri="{FF2B5EF4-FFF2-40B4-BE49-F238E27FC236}">
+                <a16:creationId xmlns:a16="http://schemas.microsoft.com/office/drawing/2014/main" id="{D4AF255B-40E4-E57B-EBE7-F7C2F5A25618}"/>
+              </a:ext>
+            </a:extLst>
+          </p:cNvPr>
+          <p:cNvSpPr>
+            <a:spLocks noGrp="1"/>
+          </p:cNvSpPr>
+          <p:nvPr>
+            <p:ph sz="half" idx="1"/>
+          </p:nvPr>
+        </p:nvSpPr>
+        <p:spPr/>
+        <p:txBody>
+          <a:bodyPr>
+            <a:noAutofit/>
+          </a:bodyPr>
+          <a:lstStyle/>
+          <a:p>
+            <a:r>
+              <a:rPr lang="en-US" altLang="ko-KR" sz="1400" dirty="0"/>
+              <a:t>switch </a:t>
+            </a:r>
+            <a:r>
+              <a:rPr lang="ko-KR" altLang="en-US" sz="1400" dirty="0"/>
+              <a:t>문을 사용하면 변수가 값 목록에 대해 </a:t>
+            </a:r>
+            <a:r>
+              <a:rPr lang="ko-KR" altLang="en-US" sz="1400" dirty="0" err="1"/>
+              <a:t>같은지</a:t>
+            </a:r>
+            <a:r>
+              <a:rPr lang="ko-KR" altLang="en-US" sz="1400" dirty="0"/>
+              <a:t> 테스트할 수 있습니다</a:t>
+            </a:r>
+            <a:r>
+              <a:rPr lang="en-US" altLang="ko-KR" sz="1400" dirty="0"/>
+              <a:t>. </a:t>
+            </a:r>
+            <a:r>
+              <a:rPr lang="ko-KR" altLang="en-US" sz="1400" dirty="0"/>
+              <a:t>각 값을 케이스라고 하며</a:t>
+            </a:r>
+            <a:r>
+              <a:rPr lang="en-US" altLang="ko-KR" sz="1400" dirty="0"/>
+              <a:t>, </a:t>
+            </a:r>
+            <a:r>
+              <a:rPr lang="ko-KR" altLang="en-US" sz="1400" dirty="0"/>
+              <a:t>각 케이스에 대해 켜지는 변수를 확인합니다</a:t>
+            </a:r>
+            <a:r>
+              <a:rPr lang="en-US" altLang="ko-KR" sz="1400" dirty="0"/>
+              <a:t>.
+C++</a:t>
+            </a:r>
+            <a:r>
+              <a:rPr lang="ko-KR" altLang="en-US" sz="1400" dirty="0"/>
+              <a:t>에서 </a:t>
+            </a:r>
+            <a:r>
+              <a:rPr lang="en-US" altLang="ko-KR" sz="1400" dirty="0"/>
+              <a:t>switch </a:t>
+            </a:r>
+            <a:r>
+              <a:rPr lang="ko-KR" altLang="en-US" sz="1400" dirty="0"/>
+              <a:t>문의 구문은 다음과 같습니다</a:t>
+            </a:r>
+            <a:r>
+              <a:rPr lang="en-US" altLang="ko-KR" sz="1400" dirty="0"/>
+              <a:t>.</a:t>
+            </a:r>
+          </a:p>
+          <a:p>
+            <a:pPr marL="0" indent="0">
+              <a:buNone/>
+            </a:pPr>
+            <a:r>
+              <a:rPr lang="en-US" altLang="ko-KR" sz="1400" dirty="0">
+                <a:solidFill>
+                  <a:srgbClr val="0070C0"/>
+                </a:solidFill>
+              </a:rPr>
+              <a:t>switch(expression) {</a:t>
+            </a:r>
+          </a:p>
+          <a:p>
+            <a:pPr marL="0" indent="0">
+              <a:buNone/>
+            </a:pPr>
+            <a:r>
+              <a:rPr lang="en-US" altLang="ko-KR" sz="1400" dirty="0">
+                <a:solidFill>
+                  <a:srgbClr val="0070C0"/>
+                </a:solidFill>
+              </a:rPr>
+              <a:t>   case constant-expression  :</a:t>
+            </a:r>
+          </a:p>
+          <a:p>
+            <a:pPr marL="0" indent="0">
+              <a:buNone/>
+            </a:pPr>
+            <a:r>
+              <a:rPr lang="en-US" altLang="ko-KR" sz="1400" dirty="0">
+                <a:solidFill>
+                  <a:srgbClr val="0070C0"/>
+                </a:solidFill>
+              </a:rPr>
+              <a:t>      statement(s);</a:t>
+            </a:r>
+          </a:p>
+          <a:p>
+            <a:pPr marL="0" indent="0">
+              <a:buNone/>
+            </a:pPr>
+            <a:r>
+              <a:rPr lang="en-US" altLang="ko-KR" sz="1400" dirty="0">
+                <a:solidFill>
+                  <a:srgbClr val="0070C0"/>
+                </a:solidFill>
+              </a:rPr>
+              <a:t>      break; //optional</a:t>
+            </a:r>
+          </a:p>
+          <a:p>
+            <a:pPr marL="0" indent="0">
+              <a:buNone/>
+            </a:pPr>
+            <a:r>
+              <a:rPr lang="en-US" altLang="ko-KR" sz="1400" dirty="0">
+                <a:solidFill>
+                  <a:srgbClr val="0070C0"/>
+                </a:solidFill>
+              </a:rPr>
+              <a:t>   case constant-expression  :</a:t>
+            </a:r>
+          </a:p>
+          <a:p>
+            <a:pPr marL="0" indent="0">
+              <a:buNone/>
+            </a:pPr>
+            <a:r>
+              <a:rPr lang="en-US" altLang="ko-KR" sz="1400" dirty="0">
+                <a:solidFill>
+                  <a:srgbClr val="0070C0"/>
+                </a:solidFill>
+              </a:rPr>
+              <a:t>      statement(s);</a:t>
+            </a:r>
+          </a:p>
+          <a:p>
+            <a:pPr marL="0" indent="0">
+              <a:buNone/>
+            </a:pPr>
+            <a:r>
+              <a:rPr lang="en-US" altLang="ko-KR" sz="1400" dirty="0">
+                <a:solidFill>
+                  <a:srgbClr val="0070C0"/>
+                </a:solidFill>
+              </a:rPr>
+              <a:t>      break; //optional</a:t>
+            </a:r>
+          </a:p>
+          <a:p>
+            <a:pPr marL="0" indent="0">
+              <a:buNone/>
+            </a:pPr>
+            <a:r>
+              <a:rPr lang="en-US" altLang="ko-KR" sz="1400" dirty="0">
+                <a:solidFill>
+                  <a:srgbClr val="0070C0"/>
+                </a:solidFill>
+              </a:rPr>
+              <a:t>   // you can have any number of case statements.</a:t>
+            </a:r>
+          </a:p>
+          <a:p>
+            <a:pPr marL="0" indent="0">
+              <a:buNone/>
+            </a:pPr>
+            <a:r>
+              <a:rPr lang="en-US" altLang="ko-KR" sz="1400" dirty="0">
+                <a:solidFill>
+                  <a:srgbClr val="0070C0"/>
+                </a:solidFill>
+              </a:rPr>
+              <a:t>   default : //Optional</a:t>
+            </a:r>
+          </a:p>
+          <a:p>
+            <a:pPr marL="0" indent="0">
+              <a:buNone/>
+            </a:pPr>
+            <a:r>
+              <a:rPr lang="en-US" altLang="ko-KR" sz="1400" dirty="0">
+                <a:solidFill>
+                  <a:srgbClr val="0070C0"/>
+                </a:solidFill>
+              </a:rPr>
+              <a:t>      statement(s);</a:t>
+            </a:r>
+          </a:p>
+          <a:p>
+            <a:pPr marL="0" indent="0">
+              <a:buNone/>
+            </a:pPr>
+            <a:r>
+              <a:rPr lang="en-US" altLang="ko-KR" sz="1400" dirty="0">
+                <a:solidFill>
+                  <a:srgbClr val="0070C0"/>
+                </a:solidFill>
+              </a:rPr>
+              <a:t>}</a:t>
+            </a:r>
+          </a:p>
+        </p:txBody>
+      </p:sp>
+      <p:sp>
+        <p:nvSpPr>
+          <p:cNvPr id="4" name="내용 개체 틀 3">
+            <a:extLst>
+              <a:ext uri="{FF2B5EF4-FFF2-40B4-BE49-F238E27FC236}">
+                <a16:creationId xmlns:a16="http://schemas.microsoft.com/office/drawing/2014/main" id="{D07F1B6F-C0E8-2C70-DA9D-1BD0DE7E9981}"/>
+              </a:ext>
+            </a:extLst>
+          </p:cNvPr>
+          <p:cNvSpPr>
+            <a:spLocks noGrp="1"/>
+          </p:cNvSpPr>
+          <p:nvPr>
+            <p:ph sz="half" idx="2"/>
+          </p:nvPr>
+        </p:nvSpPr>
+        <p:spPr>
+          <a:xfrm>
+            <a:off x="6172199" y="1825625"/>
+            <a:ext cx="5768163" cy="4351338"/>
+          </a:xfrm>
+        </p:spPr>
+        <p:txBody>
+          <a:bodyPr>
+            <a:noAutofit/>
+          </a:bodyPr>
+          <a:lstStyle/>
+          <a:p>
+            <a:r>
+              <a:rPr lang="en-US" altLang="ko-KR" sz="1400" dirty="0"/>
+              <a:t>switch </a:t>
+            </a:r>
+            <a:r>
+              <a:rPr lang="ko-KR" altLang="en-US" sz="1400" dirty="0"/>
+              <a:t>문에 사용되는 식은 정수 계열 또는 열거형 형식이거나</a:t>
+            </a:r>
+            <a:r>
+              <a:rPr lang="en-US" altLang="ko-KR" sz="1400" dirty="0"/>
+              <a:t>, </a:t>
+            </a:r>
+            <a:r>
+              <a:rPr lang="ko-KR" altLang="en-US" sz="1400" dirty="0"/>
+              <a:t>클래스에 정수 계열 또는 열거형 형식에 대한 단일 변환 함수가 있는 클래스 형식이어야 합니다</a:t>
+            </a:r>
+            <a:r>
+              <a:rPr lang="en-US" altLang="ko-KR" sz="1400" dirty="0"/>
+              <a:t>.
+</a:t>
+            </a:r>
+            <a:r>
+              <a:rPr lang="ko-KR" altLang="en-US" sz="1400" dirty="0"/>
+              <a:t>스위치 내에 여러 </a:t>
+            </a:r>
+            <a:r>
+              <a:rPr lang="en-US" altLang="ko-KR" sz="1400" dirty="0"/>
+              <a:t>case </a:t>
+            </a:r>
+            <a:r>
+              <a:rPr lang="ko-KR" altLang="en-US" sz="1400" dirty="0"/>
+              <a:t>문이 있을 수 있습니다</a:t>
+            </a:r>
+            <a:r>
+              <a:rPr lang="en-US" altLang="ko-KR" sz="1400" dirty="0"/>
+              <a:t>. </a:t>
+            </a:r>
+            <a:r>
+              <a:rPr lang="ko-KR" altLang="en-US" sz="1400" dirty="0"/>
+              <a:t>각 케이스 뒤에는 비교할 값과 콜론이 옵니다</a:t>
+            </a:r>
+            <a:r>
+              <a:rPr lang="en-US" altLang="ko-KR" sz="1400" dirty="0"/>
+              <a:t>.
+</a:t>
+            </a:r>
+            <a:r>
+              <a:rPr lang="ko-KR" altLang="en-US" sz="1400" dirty="0"/>
+              <a:t>케이스에 대한 </a:t>
+            </a:r>
+            <a:r>
+              <a:rPr lang="en-US" altLang="ko-KR" sz="1400" dirty="0"/>
+              <a:t>constant-expression</a:t>
+            </a:r>
+            <a:r>
+              <a:rPr lang="ko-KR" altLang="en-US" sz="1400" dirty="0"/>
+              <a:t>은 스위치의 변수와 동일한 데이터 유형이어야 하며 상수 또는 </a:t>
+            </a:r>
+            <a:r>
+              <a:rPr lang="ko-KR" altLang="en-US" sz="1400" dirty="0" err="1"/>
+              <a:t>리터럴이어야</a:t>
+            </a:r>
+            <a:r>
+              <a:rPr lang="ko-KR" altLang="en-US" sz="1400" dirty="0"/>
+              <a:t> 합니다</a:t>
+            </a:r>
+            <a:r>
+              <a:rPr lang="en-US" altLang="ko-KR" sz="1400" dirty="0"/>
+              <a:t>.
+</a:t>
+            </a:r>
+            <a:r>
+              <a:rPr lang="ko-KR" altLang="en-US" sz="1400" dirty="0"/>
+              <a:t>켠 변수가 </a:t>
+            </a:r>
+            <a:r>
+              <a:rPr lang="en-US" altLang="ko-KR" sz="1400" dirty="0"/>
+              <a:t>case</a:t>
+            </a:r>
+            <a:r>
+              <a:rPr lang="ko-KR" altLang="en-US" sz="1400" dirty="0"/>
+              <a:t>와 같으면 해당 </a:t>
+            </a:r>
+            <a:r>
+              <a:rPr lang="en-US" altLang="ko-KR" sz="1400" dirty="0"/>
+              <a:t>case </a:t>
+            </a:r>
+            <a:r>
+              <a:rPr lang="ko-KR" altLang="en-US" sz="1400" dirty="0"/>
+              <a:t>다음에 오는 문은 </a:t>
+            </a:r>
+            <a:r>
+              <a:rPr lang="en-US" altLang="ko-KR" sz="1400" dirty="0"/>
+              <a:t>break </a:t>
+            </a:r>
+            <a:r>
+              <a:rPr lang="ko-KR" altLang="en-US" sz="1400" dirty="0"/>
+              <a:t>문에 도달할 때까지 실행됩니다</a:t>
+            </a:r>
+            <a:r>
+              <a:rPr lang="en-US" altLang="ko-KR" sz="1400" dirty="0"/>
+              <a:t>.
+break </a:t>
+            </a:r>
+            <a:r>
+              <a:rPr lang="ko-KR" altLang="en-US" sz="1400" dirty="0"/>
+              <a:t>문에 도달하면 </a:t>
+            </a:r>
+            <a:r>
+              <a:rPr lang="en-US" altLang="ko-KR" sz="1400" dirty="0"/>
+              <a:t>switch</a:t>
+            </a:r>
+            <a:r>
+              <a:rPr lang="ko-KR" altLang="en-US" sz="1400" dirty="0"/>
+              <a:t>가 종료되고 제어 흐름이 </a:t>
+            </a:r>
+            <a:r>
+              <a:rPr lang="en-US" altLang="ko-KR" sz="1400" dirty="0"/>
+              <a:t>switch </a:t>
+            </a:r>
+            <a:r>
+              <a:rPr lang="ko-KR" altLang="en-US" sz="1400" dirty="0"/>
+              <a:t>문 다음에 오는 다음 줄로 이동합니다</a:t>
+            </a:r>
+            <a:r>
+              <a:rPr lang="en-US" altLang="ko-KR" sz="1400" dirty="0"/>
+              <a:t>.
+</a:t>
+            </a:r>
+            <a:r>
+              <a:rPr lang="ko-KR" altLang="en-US" sz="1400" dirty="0"/>
+              <a:t>모든 케이스에 휴식이 포함되어야 하는 것은 아닙니다</a:t>
+            </a:r>
+            <a:r>
+              <a:rPr lang="en-US" altLang="ko-KR" sz="1400" dirty="0"/>
+              <a:t>. </a:t>
+            </a:r>
+            <a:r>
+              <a:rPr lang="ko-KR" altLang="en-US" sz="1400" dirty="0"/>
+              <a:t>중단이 나타나지 않으면 중단에 도달할 때까지 제어 흐름이 후속 사례로 넘어갑니다</a:t>
+            </a:r>
+            <a:r>
+              <a:rPr lang="en-US" altLang="ko-KR" sz="1400" dirty="0"/>
+              <a:t>.
+switch </a:t>
+            </a:r>
+            <a:r>
+              <a:rPr lang="ko-KR" altLang="en-US" sz="1400" dirty="0"/>
+              <a:t>문에는 스위치 끝에 표시되어야 하는 선택적 기본 사례가 있을 수 있습니다</a:t>
+            </a:r>
+            <a:r>
+              <a:rPr lang="en-US" altLang="ko-KR" sz="1400" dirty="0"/>
+              <a:t>. </a:t>
+            </a:r>
+            <a:r>
+              <a:rPr lang="ko-KR" altLang="en-US" sz="1400" dirty="0"/>
+              <a:t>기본 케이스는 케이스가 </a:t>
+            </a:r>
+            <a:r>
+              <a:rPr lang="en-US" altLang="ko-KR" sz="1400" dirty="0"/>
+              <a:t>true</a:t>
+            </a:r>
+            <a:r>
+              <a:rPr lang="ko-KR" altLang="en-US" sz="1400" dirty="0"/>
+              <a:t>가 아닌 경우 작업을 수행하는 데 사용할 수 있습니다</a:t>
+            </a:r>
+            <a:r>
+              <a:rPr lang="en-US" altLang="ko-KR" sz="1400" dirty="0"/>
+              <a:t>. </a:t>
+            </a:r>
+            <a:r>
+              <a:rPr lang="ko-KR" altLang="en-US" sz="1400" dirty="0"/>
+              <a:t>기본 경우에는 중단이 필요하지 않습니다</a:t>
+            </a:r>
+            <a:r>
+              <a:rPr lang="en-US" altLang="ko-KR" sz="1400" dirty="0"/>
+              <a:t>.</a:t>
+            </a:r>
+            <a:endParaRPr lang="ko-KR" altLang="en-US" sz="1400" dirty="0"/>
+          </a:p>
+        </p:txBody>
+      </p:sp>
+    </p:spTree>
+    <p:extLst>
+      <p:ext uri="{BB962C8B-B14F-4D97-AF65-F5344CB8AC3E}">
+        <p14:creationId xmlns:p14="http://schemas.microsoft.com/office/powerpoint/2010/main" val="2430843717"/>
+      </p:ext>
+    </p:extLst>
+  </p:cSld>
+  <p:clrMapOvr>
+    <a:masterClrMapping/>
+  </p:clrMapOvr>
+</p:sld>
+</file>
+
+<file path=ppt/slides/slide53.xml><?xml version="1.0" encoding="utf-8"?>
+<p:sld xmlns:a="http://schemas.openxmlformats.org/drawingml/2006/main" xmlns:r="http://schemas.openxmlformats.org/officeDocument/2006/relationships" xmlns:p="http://schemas.openxmlformats.org/presentationml/2006/main">
+  <p:cSld>
+    <p:spTree>
+      <p:nvGrpSpPr>
+        <p:cNvPr id="1" name=""/>
+        <p:cNvGrpSpPr/>
+        <p:nvPr/>
+      </p:nvGrpSpPr>
+      <p:grpSpPr>
+        <a:xfrm>
+          <a:off x="0" y="0"/>
+          <a:ext cx="0" cy="0"/>
+          <a:chOff x="0" y="0"/>
+          <a:chExt cx="0" cy="0"/>
+        </a:xfrm>
+      </p:grpSpPr>
+      <p:sp>
+        <p:nvSpPr>
+          <p:cNvPr id="2" name="제목 1">
+            <a:extLst>
+              <a:ext uri="{FF2B5EF4-FFF2-40B4-BE49-F238E27FC236}">
+                <a16:creationId xmlns:a16="http://schemas.microsoft.com/office/drawing/2014/main" id="{596AD0E6-0348-0248-FE80-01227BDFFBBB}"/>
+              </a:ext>
+            </a:extLst>
+          </p:cNvPr>
+          <p:cNvSpPr>
+            <a:spLocks noGrp="1"/>
+          </p:cNvSpPr>
+          <p:nvPr>
+            <p:ph type="title"/>
+          </p:nvPr>
+        </p:nvSpPr>
+        <p:spPr/>
+        <p:txBody>
+          <a:bodyPr/>
+          <a:lstStyle/>
+          <a:p>
+            <a:endParaRPr lang="ko-KR" altLang="en-US"/>
+          </a:p>
+        </p:txBody>
+      </p:sp>
+      <p:sp>
+        <p:nvSpPr>
+          <p:cNvPr id="3" name="내용 개체 틀 2">
+            <a:extLst>
+              <a:ext uri="{FF2B5EF4-FFF2-40B4-BE49-F238E27FC236}">
+                <a16:creationId xmlns:a16="http://schemas.microsoft.com/office/drawing/2014/main" id="{68C0A0E0-2841-4807-B336-7A56E1AD9C14}"/>
+              </a:ext>
+            </a:extLst>
+          </p:cNvPr>
+          <p:cNvSpPr>
+            <a:spLocks noGrp="1"/>
+          </p:cNvSpPr>
+          <p:nvPr>
+            <p:ph sz="half" idx="1"/>
+          </p:nvPr>
+        </p:nvSpPr>
+        <p:spPr/>
+        <p:txBody>
+          <a:bodyPr/>
+          <a:lstStyle/>
+          <a:p>
+            <a:endParaRPr lang="ko-KR" altLang="en-US"/>
+          </a:p>
+        </p:txBody>
+      </p:sp>
+      <p:sp>
+        <p:nvSpPr>
+          <p:cNvPr id="4" name="내용 개체 틀 3">
+            <a:extLst>
+              <a:ext uri="{FF2B5EF4-FFF2-40B4-BE49-F238E27FC236}">
+                <a16:creationId xmlns:a16="http://schemas.microsoft.com/office/drawing/2014/main" id="{EE75AC11-EF15-4617-140A-8228AF15D943}"/>
+              </a:ext>
+            </a:extLst>
+          </p:cNvPr>
+          <p:cNvSpPr>
+            <a:spLocks noGrp="1"/>
+          </p:cNvSpPr>
+          <p:nvPr>
+            <p:ph sz="half" idx="2"/>
+          </p:nvPr>
+        </p:nvSpPr>
+        <p:spPr/>
+        <p:txBody>
+          <a:bodyPr/>
+          <a:lstStyle/>
+          <a:p>
+            <a:endParaRPr lang="ko-KR" altLang="en-US"/>
+          </a:p>
+        </p:txBody>
+      </p:sp>
+    </p:spTree>
+    <p:extLst>
+      <p:ext uri="{BB962C8B-B14F-4D97-AF65-F5344CB8AC3E}">
+        <p14:creationId xmlns:p14="http://schemas.microsoft.com/office/powerpoint/2010/main" val="864736275"/>
+      </p:ext>
+    </p:extLst>
+  </p:cSld>
+  <p:clrMapOvr>
+    <a:masterClrMapping/>
+  </p:clrMapOvr>
+</p:sld>
+</file>
+
+<file path=ppt/slides/slide54.xml><?xml version="1.0" encoding="utf-8"?>
+<p:sld xmlns:a="http://schemas.openxmlformats.org/drawingml/2006/main" xmlns:r="http://schemas.openxmlformats.org/officeDocument/2006/relationships" xmlns:p="http://schemas.openxmlformats.org/presentationml/2006/main">
+  <p:cSld>
+    <p:spTree>
+      <p:nvGrpSpPr>
+        <p:cNvPr id="1" name=""/>
+        <p:cNvGrpSpPr/>
+        <p:nvPr/>
+      </p:nvGrpSpPr>
+      <p:grpSpPr>
+        <a:xfrm>
+          <a:off x="0" y="0"/>
+          <a:ext cx="0" cy="0"/>
+          <a:chOff x="0" y="0"/>
+          <a:chExt cx="0" cy="0"/>
+        </a:xfrm>
+      </p:grpSpPr>
+      <p:sp>
+        <p:nvSpPr>
+          <p:cNvPr id="2" name="제목 1">
+            <a:extLst>
+              <a:ext uri="{FF2B5EF4-FFF2-40B4-BE49-F238E27FC236}">
+                <a16:creationId xmlns:a16="http://schemas.microsoft.com/office/drawing/2014/main" id="{78062133-2E52-3F96-99F3-1B3FE1B587F3}"/>
+              </a:ext>
+            </a:extLst>
+          </p:cNvPr>
+          <p:cNvSpPr>
+            <a:spLocks noGrp="1"/>
+          </p:cNvSpPr>
+          <p:nvPr>
+            <p:ph type="title"/>
+          </p:nvPr>
+        </p:nvSpPr>
+        <p:spPr/>
+        <p:txBody>
+          <a:bodyPr/>
+          <a:lstStyle/>
+          <a:p>
+            <a:endParaRPr lang="ko-KR" altLang="en-US"/>
+          </a:p>
+        </p:txBody>
+      </p:sp>
+      <p:sp>
+        <p:nvSpPr>
+          <p:cNvPr id="3" name="내용 개체 틀 2">
+            <a:extLst>
+              <a:ext uri="{FF2B5EF4-FFF2-40B4-BE49-F238E27FC236}">
+                <a16:creationId xmlns:a16="http://schemas.microsoft.com/office/drawing/2014/main" id="{B139D96C-C8CF-5A48-ED96-19DE2E36EB64}"/>
+              </a:ext>
+            </a:extLst>
+          </p:cNvPr>
+          <p:cNvSpPr>
+            <a:spLocks noGrp="1"/>
+          </p:cNvSpPr>
+          <p:nvPr>
+            <p:ph sz="half" idx="1"/>
+          </p:nvPr>
+        </p:nvSpPr>
+        <p:spPr/>
+        <p:txBody>
+          <a:bodyPr/>
+          <a:lstStyle/>
+          <a:p>
+            <a:endParaRPr lang="ko-KR" altLang="en-US"/>
+          </a:p>
+        </p:txBody>
+      </p:sp>
+      <p:sp>
+        <p:nvSpPr>
+          <p:cNvPr id="4" name="내용 개체 틀 3">
+            <a:extLst>
+              <a:ext uri="{FF2B5EF4-FFF2-40B4-BE49-F238E27FC236}">
+                <a16:creationId xmlns:a16="http://schemas.microsoft.com/office/drawing/2014/main" id="{E5EEED1A-4AE7-B927-89D3-CF6BE226D4E7}"/>
+              </a:ext>
+            </a:extLst>
+          </p:cNvPr>
+          <p:cNvSpPr>
+            <a:spLocks noGrp="1"/>
+          </p:cNvSpPr>
+          <p:nvPr>
+            <p:ph sz="half" idx="2"/>
+          </p:nvPr>
+        </p:nvSpPr>
+        <p:spPr/>
+        <p:txBody>
+          <a:bodyPr/>
+          <a:lstStyle/>
+          <a:p>
+            <a:endParaRPr lang="ko-KR" altLang="en-US"/>
+          </a:p>
+        </p:txBody>
+      </p:sp>
+    </p:spTree>
+    <p:extLst>
+      <p:ext uri="{BB962C8B-B14F-4D97-AF65-F5344CB8AC3E}">
+        <p14:creationId xmlns:p14="http://schemas.microsoft.com/office/powerpoint/2010/main" val="2951623848"/>
+      </p:ext>
+    </p:extLst>
+  </p:cSld>
+  <p:clrMapOvr>
+    <a:masterClrMapping/>
+  </p:clrMapOvr>
+</p:sld>
+</file>
+
+<file path=ppt/slides/slide55.xml><?xml version="1.0" encoding="utf-8"?>
+<p:sld xmlns:a="http://schemas.openxmlformats.org/drawingml/2006/main" xmlns:r="http://schemas.openxmlformats.org/officeDocument/2006/relationships" xmlns:p="http://schemas.openxmlformats.org/presentationml/2006/main">
+  <p:cSld>
+    <p:spTree>
+      <p:nvGrpSpPr>
+        <p:cNvPr id="1" name=""/>
+        <p:cNvGrpSpPr/>
+        <p:nvPr/>
+      </p:nvGrpSpPr>
+      <p:grpSpPr>
+        <a:xfrm>
+          <a:off x="0" y="0"/>
+          <a:ext cx="0" cy="0"/>
+          <a:chOff x="0" y="0"/>
+          <a:chExt cx="0" cy="0"/>
+        </a:xfrm>
+      </p:grpSpPr>
+      <p:sp>
+        <p:nvSpPr>
+          <p:cNvPr id="4" name="제목 3">
+            <a:extLst>
+              <a:ext uri="{FF2B5EF4-FFF2-40B4-BE49-F238E27FC236}">
+                <a16:creationId xmlns:a16="http://schemas.microsoft.com/office/drawing/2014/main" id="{67E6AF4C-D4AE-C1A2-D44C-A89D4864AB73}"/>
+              </a:ext>
+            </a:extLst>
+          </p:cNvPr>
+          <p:cNvSpPr>
+            <a:spLocks noGrp="1"/>
+          </p:cNvSpPr>
+          <p:nvPr>
+            <p:ph type="title"/>
+          </p:nvPr>
+        </p:nvSpPr>
+        <p:spPr/>
+        <p:txBody>
+          <a:bodyPr/>
+          <a:lstStyle/>
+          <a:p>
+            <a:r>
+              <a:rPr lang="ko-KR" altLang="en-US" dirty="0"/>
+              <a:t>감사합니다</a:t>
+            </a:r>
+            <a:r>
+              <a:rPr lang="en-US" altLang="ko-KR" dirty="0"/>
+              <a:t>. </a:t>
+            </a:r>
+            <a:endParaRPr lang="ko-KR" altLang="en-US" dirty="0"/>
+          </a:p>
+        </p:txBody>
+      </p:sp>
+      <p:sp>
+        <p:nvSpPr>
+          <p:cNvPr id="5" name="텍스트 개체 틀 4">
+            <a:extLst>
+              <a:ext uri="{FF2B5EF4-FFF2-40B4-BE49-F238E27FC236}">
+                <a16:creationId xmlns:a16="http://schemas.microsoft.com/office/drawing/2014/main" id="{DA3A0843-31DA-1317-A843-F96D63A383B4}"/>
+              </a:ext>
+            </a:extLst>
+          </p:cNvPr>
+          <p:cNvSpPr>
+            <a:spLocks noGrp="1"/>
+          </p:cNvSpPr>
+          <p:nvPr>
+            <p:ph type="body" idx="1"/>
+          </p:nvPr>
+        </p:nvSpPr>
+        <p:spPr/>
+        <p:txBody>
+          <a:bodyPr/>
+          <a:lstStyle/>
+          <a:p>
+            <a:endParaRPr lang="ko-KR" altLang="en-US"/>
+          </a:p>
+        </p:txBody>
+      </p:sp>
+    </p:spTree>
+    <p:extLst>
+      <p:ext uri="{BB962C8B-B14F-4D97-AF65-F5344CB8AC3E}">
+        <p14:creationId xmlns:p14="http://schemas.microsoft.com/office/powerpoint/2010/main" val="2709997713"/>
       </p:ext>
     </p:extLst>
   </p:cSld>
